--- a/docs/Home.pptx
+++ b/docs/Home.pptx
@@ -2,10 +2,26 @@
 <file path=ppt/presentation.xml><?xml version="1.0" encoding="utf-8"?>
 <p:presentation xmlns:a="http://schemas.openxmlformats.org/drawingml/2006/main" xmlns:r="http://schemas.openxmlformats.org/officeDocument/2006/relationships" xmlns:p="http://schemas.openxmlformats.org/presentationml/2006/main" saveSubsetFonts="1">
   <p:sldMasterIdLst>
-    <p:sldMasterId id="2147483648" r:id="rId1"/>
+    <p:sldMasterId id="2147483865" r:id="rId1"/>
   </p:sldMasterIdLst>
+  <p:notesMasterIdLst>
+    <p:notesMasterId r:id="rId16"/>
+  </p:notesMasterIdLst>
   <p:sldIdLst>
     <p:sldId id="256" r:id="rId2"/>
+    <p:sldId id="257" r:id="rId3"/>
+    <p:sldId id="267" r:id="rId4"/>
+    <p:sldId id="268" r:id="rId5"/>
+    <p:sldId id="259" r:id="rId6"/>
+    <p:sldId id="269" r:id="rId7"/>
+    <p:sldId id="270" r:id="rId8"/>
+    <p:sldId id="271" r:id="rId9"/>
+    <p:sldId id="272" r:id="rId10"/>
+    <p:sldId id="273" r:id="rId11"/>
+    <p:sldId id="275" r:id="rId12"/>
+    <p:sldId id="276" r:id="rId13"/>
+    <p:sldId id="277" r:id="rId14"/>
+    <p:sldId id="278" r:id="rId15"/>
   </p:sldIdLst>
   <p:sldSz cx="12192000" cy="6858000"/>
   <p:notesSz cx="6858000" cy="9144000"/>
@@ -13,7 +29,7 @@
     <a:defPPr>
       <a:defRPr lang="en-US"/>
     </a:defPPr>
-    <a:lvl1pPr marL="0" algn="l" defTabSz="914400" rtl="0" eaLnBrk="1" latinLnBrk="0" hangingPunct="1">
+    <a:lvl1pPr marL="0" algn="l" defTabSz="457200" rtl="0" eaLnBrk="1" latinLnBrk="0" hangingPunct="1">
       <a:defRPr sz="1800" kern="1200">
         <a:solidFill>
           <a:schemeClr val="tx1"/>
@@ -23,7 +39,7 @@
         <a:cs typeface="+mn-cs"/>
       </a:defRPr>
     </a:lvl1pPr>
-    <a:lvl2pPr marL="457200" algn="l" defTabSz="914400" rtl="0" eaLnBrk="1" latinLnBrk="0" hangingPunct="1">
+    <a:lvl2pPr marL="457200" algn="l" defTabSz="457200" rtl="0" eaLnBrk="1" latinLnBrk="0" hangingPunct="1">
       <a:defRPr sz="1800" kern="1200">
         <a:solidFill>
           <a:schemeClr val="tx1"/>
@@ -33,7 +49,7 @@
         <a:cs typeface="+mn-cs"/>
       </a:defRPr>
     </a:lvl2pPr>
-    <a:lvl3pPr marL="914400" algn="l" defTabSz="914400" rtl="0" eaLnBrk="1" latinLnBrk="0" hangingPunct="1">
+    <a:lvl3pPr marL="914400" algn="l" defTabSz="457200" rtl="0" eaLnBrk="1" latinLnBrk="0" hangingPunct="1">
       <a:defRPr sz="1800" kern="1200">
         <a:solidFill>
           <a:schemeClr val="tx1"/>
@@ -43,7 +59,7 @@
         <a:cs typeface="+mn-cs"/>
       </a:defRPr>
     </a:lvl3pPr>
-    <a:lvl4pPr marL="1371600" algn="l" defTabSz="914400" rtl="0" eaLnBrk="1" latinLnBrk="0" hangingPunct="1">
+    <a:lvl4pPr marL="1371600" algn="l" defTabSz="457200" rtl="0" eaLnBrk="1" latinLnBrk="0" hangingPunct="1">
       <a:defRPr sz="1800" kern="1200">
         <a:solidFill>
           <a:schemeClr val="tx1"/>
@@ -53,7 +69,7 @@
         <a:cs typeface="+mn-cs"/>
       </a:defRPr>
     </a:lvl4pPr>
-    <a:lvl5pPr marL="1828800" algn="l" defTabSz="914400" rtl="0" eaLnBrk="1" latinLnBrk="0" hangingPunct="1">
+    <a:lvl5pPr marL="1828800" algn="l" defTabSz="457200" rtl="0" eaLnBrk="1" latinLnBrk="0" hangingPunct="1">
       <a:defRPr sz="1800" kern="1200">
         <a:solidFill>
           <a:schemeClr val="tx1"/>
@@ -63,7 +79,7 @@
         <a:cs typeface="+mn-cs"/>
       </a:defRPr>
     </a:lvl5pPr>
-    <a:lvl6pPr marL="2286000" algn="l" defTabSz="914400" rtl="0" eaLnBrk="1" latinLnBrk="0" hangingPunct="1">
+    <a:lvl6pPr marL="2286000" algn="l" defTabSz="457200" rtl="0" eaLnBrk="1" latinLnBrk="0" hangingPunct="1">
       <a:defRPr sz="1800" kern="1200">
         <a:solidFill>
           <a:schemeClr val="tx1"/>
@@ -73,7 +89,7 @@
         <a:cs typeface="+mn-cs"/>
       </a:defRPr>
     </a:lvl6pPr>
-    <a:lvl7pPr marL="2743200" algn="l" defTabSz="914400" rtl="0" eaLnBrk="1" latinLnBrk="0" hangingPunct="1">
+    <a:lvl7pPr marL="2743200" algn="l" defTabSz="457200" rtl="0" eaLnBrk="1" latinLnBrk="0" hangingPunct="1">
       <a:defRPr sz="1800" kern="1200">
         <a:solidFill>
           <a:schemeClr val="tx1"/>
@@ -83,7 +99,7 @@
         <a:cs typeface="+mn-cs"/>
       </a:defRPr>
     </a:lvl7pPr>
-    <a:lvl8pPr marL="3200400" algn="l" defTabSz="914400" rtl="0" eaLnBrk="1" latinLnBrk="0" hangingPunct="1">
+    <a:lvl8pPr marL="3200400" algn="l" defTabSz="457200" rtl="0" eaLnBrk="1" latinLnBrk="0" hangingPunct="1">
       <a:defRPr sz="1800" kern="1200">
         <a:solidFill>
           <a:schemeClr val="tx1"/>
@@ -93,7 +109,7 @@
         <a:cs typeface="+mn-cs"/>
       </a:defRPr>
     </a:lvl8pPr>
-    <a:lvl9pPr marL="3657600" algn="l" defTabSz="914400" rtl="0" eaLnBrk="1" latinLnBrk="0" hangingPunct="1">
+    <a:lvl9pPr marL="3657600" algn="l" defTabSz="457200" rtl="0" eaLnBrk="1" latinLnBrk="0" hangingPunct="1">
       <a:defRPr sz="1800" kern="1200">
         <a:solidFill>
           <a:schemeClr val="tx1"/>
@@ -104,11 +120,1390 @@
       </a:defRPr>
     </a:lvl9pPr>
   </p:defaultTextStyle>
+  <p:extLst>
+    <p:ext uri="{EFAFB233-063F-42B5-8137-9DF3F51BA10A}">
+      <p15:sldGuideLst xmlns:p15="http://schemas.microsoft.com/office/powerpoint/2012/main"/>
+    </p:ext>
+  </p:extLst>
 </p:presentation>
 </file>
 
+<file path=ppt/notesMasters/notesMaster1.xml><?xml version="1.0" encoding="utf-8"?>
+<p:notesMaster xmlns:a="http://schemas.openxmlformats.org/drawingml/2006/main" xmlns:r="http://schemas.openxmlformats.org/officeDocument/2006/relationships" xmlns:p="http://schemas.openxmlformats.org/presentationml/2006/main">
+  <p:cSld>
+    <p:bg>
+      <p:bgRef idx="1001">
+        <a:schemeClr val="bg1"/>
+      </p:bgRef>
+    </p:bg>
+    <p:spTree>
+      <p:nvGrpSpPr>
+        <p:cNvPr id="1" name=""/>
+        <p:cNvGrpSpPr/>
+        <p:nvPr/>
+      </p:nvGrpSpPr>
+      <p:grpSpPr>
+        <a:xfrm>
+          <a:off x="0" y="0"/>
+          <a:ext cx="0" cy="0"/>
+          <a:chOff x="0" y="0"/>
+          <a:chExt cx="0" cy="0"/>
+        </a:xfrm>
+      </p:grpSpPr>
+      <p:sp>
+        <p:nvSpPr>
+          <p:cNvPr id="2" name="Header Placeholder 1"/>
+          <p:cNvSpPr>
+            <a:spLocks noGrp="1"/>
+          </p:cNvSpPr>
+          <p:nvPr>
+            <p:ph type="hdr" sz="quarter"/>
+          </p:nvPr>
+        </p:nvSpPr>
+        <p:spPr>
+          <a:xfrm>
+            <a:off x="0" y="0"/>
+            <a:ext cx="2971800" cy="458788"/>
+          </a:xfrm>
+          <a:prstGeom prst="rect">
+            <a:avLst/>
+          </a:prstGeom>
+        </p:spPr>
+        <p:txBody>
+          <a:bodyPr vert="horz" lIns="91440" tIns="45720" rIns="91440" bIns="45720" rtlCol="0"/>
+          <a:lstStyle>
+            <a:lvl1pPr algn="l">
+              <a:defRPr sz="1200"/>
+            </a:lvl1pPr>
+          </a:lstStyle>
+          <a:p>
+            <a:endParaRPr lang="en-IN"/>
+          </a:p>
+        </p:txBody>
+      </p:sp>
+      <p:sp>
+        <p:nvSpPr>
+          <p:cNvPr id="3" name="Date Placeholder 2"/>
+          <p:cNvSpPr>
+            <a:spLocks noGrp="1"/>
+          </p:cNvSpPr>
+          <p:nvPr>
+            <p:ph type="dt" idx="1"/>
+          </p:nvPr>
+        </p:nvSpPr>
+        <p:spPr>
+          <a:xfrm>
+            <a:off x="3884613" y="0"/>
+            <a:ext cx="2971800" cy="458788"/>
+          </a:xfrm>
+          <a:prstGeom prst="rect">
+            <a:avLst/>
+          </a:prstGeom>
+        </p:spPr>
+        <p:txBody>
+          <a:bodyPr vert="horz" lIns="91440" tIns="45720" rIns="91440" bIns="45720" rtlCol="0"/>
+          <a:lstStyle>
+            <a:lvl1pPr algn="r">
+              <a:defRPr sz="1200"/>
+            </a:lvl1pPr>
+          </a:lstStyle>
+          <a:p>
+            <a:fld id="{92661277-661F-48A4-921D-E6294FBCB460}" type="datetimeFigureOut">
+              <a:rPr lang="en-IN" smtClean="0"/>
+              <a:t>27-07-2018</a:t>
+            </a:fld>
+            <a:endParaRPr lang="en-IN"/>
+          </a:p>
+        </p:txBody>
+      </p:sp>
+      <p:sp>
+        <p:nvSpPr>
+          <p:cNvPr id="4" name="Slide Image Placeholder 3"/>
+          <p:cNvSpPr>
+            <a:spLocks noGrp="1" noRot="1" noChangeAspect="1"/>
+          </p:cNvSpPr>
+          <p:nvPr>
+            <p:ph type="sldImg" idx="2"/>
+          </p:nvPr>
+        </p:nvSpPr>
+        <p:spPr>
+          <a:xfrm>
+            <a:off x="685800" y="1143000"/>
+            <a:ext cx="5486400" cy="3086100"/>
+          </a:xfrm>
+          <a:prstGeom prst="rect">
+            <a:avLst/>
+          </a:prstGeom>
+          <a:noFill/>
+          <a:ln w="12700">
+            <a:solidFill>
+              <a:prstClr val="black"/>
+            </a:solidFill>
+          </a:ln>
+        </p:spPr>
+        <p:txBody>
+          <a:bodyPr vert="horz" lIns="91440" tIns="45720" rIns="91440" bIns="45720" rtlCol="0" anchor="ctr"/>
+          <a:lstStyle/>
+          <a:p>
+            <a:endParaRPr lang="en-IN"/>
+          </a:p>
+        </p:txBody>
+      </p:sp>
+      <p:sp>
+        <p:nvSpPr>
+          <p:cNvPr id="5" name="Notes Placeholder 4"/>
+          <p:cNvSpPr>
+            <a:spLocks noGrp="1"/>
+          </p:cNvSpPr>
+          <p:nvPr>
+            <p:ph type="body" sz="quarter" idx="3"/>
+          </p:nvPr>
+        </p:nvSpPr>
+        <p:spPr>
+          <a:xfrm>
+            <a:off x="685800" y="4400550"/>
+            <a:ext cx="5486400" cy="3600450"/>
+          </a:xfrm>
+          <a:prstGeom prst="rect">
+            <a:avLst/>
+          </a:prstGeom>
+        </p:spPr>
+        <p:txBody>
+          <a:bodyPr vert="horz" lIns="91440" tIns="45720" rIns="91440" bIns="45720" rtlCol="0"/>
+          <a:lstStyle/>
+          <a:p>
+            <a:pPr lvl="0"/>
+            <a:r>
+              <a:rPr lang="en-US"/>
+              <a:t>Edit Master text styles</a:t>
+            </a:r>
+          </a:p>
+          <a:p>
+            <a:pPr lvl="1"/>
+            <a:r>
+              <a:rPr lang="en-US"/>
+              <a:t>Second level</a:t>
+            </a:r>
+          </a:p>
+          <a:p>
+            <a:pPr lvl="2"/>
+            <a:r>
+              <a:rPr lang="en-US"/>
+              <a:t>Third level</a:t>
+            </a:r>
+          </a:p>
+          <a:p>
+            <a:pPr lvl="3"/>
+            <a:r>
+              <a:rPr lang="en-US"/>
+              <a:t>Fourth level</a:t>
+            </a:r>
+          </a:p>
+          <a:p>
+            <a:pPr lvl="4"/>
+            <a:r>
+              <a:rPr lang="en-US"/>
+              <a:t>Fifth level</a:t>
+            </a:r>
+            <a:endParaRPr lang="en-IN"/>
+          </a:p>
+        </p:txBody>
+      </p:sp>
+      <p:sp>
+        <p:nvSpPr>
+          <p:cNvPr id="6" name="Footer Placeholder 5"/>
+          <p:cNvSpPr>
+            <a:spLocks noGrp="1"/>
+          </p:cNvSpPr>
+          <p:nvPr>
+            <p:ph type="ftr" sz="quarter" idx="4"/>
+          </p:nvPr>
+        </p:nvSpPr>
+        <p:spPr>
+          <a:xfrm>
+            <a:off x="0" y="8685213"/>
+            <a:ext cx="2971800" cy="458787"/>
+          </a:xfrm>
+          <a:prstGeom prst="rect">
+            <a:avLst/>
+          </a:prstGeom>
+        </p:spPr>
+        <p:txBody>
+          <a:bodyPr vert="horz" lIns="91440" tIns="45720" rIns="91440" bIns="45720" rtlCol="0" anchor="b"/>
+          <a:lstStyle>
+            <a:lvl1pPr algn="l">
+              <a:defRPr sz="1200"/>
+            </a:lvl1pPr>
+          </a:lstStyle>
+          <a:p>
+            <a:endParaRPr lang="en-IN"/>
+          </a:p>
+        </p:txBody>
+      </p:sp>
+      <p:sp>
+        <p:nvSpPr>
+          <p:cNvPr id="7" name="Slide Number Placeholder 6"/>
+          <p:cNvSpPr>
+            <a:spLocks noGrp="1"/>
+          </p:cNvSpPr>
+          <p:nvPr>
+            <p:ph type="sldNum" sz="quarter" idx="5"/>
+          </p:nvPr>
+        </p:nvSpPr>
+        <p:spPr>
+          <a:xfrm>
+            <a:off x="3884613" y="8685213"/>
+            <a:ext cx="2971800" cy="458787"/>
+          </a:xfrm>
+          <a:prstGeom prst="rect">
+            <a:avLst/>
+          </a:prstGeom>
+        </p:spPr>
+        <p:txBody>
+          <a:bodyPr vert="horz" lIns="91440" tIns="45720" rIns="91440" bIns="45720" rtlCol="0" anchor="b"/>
+          <a:lstStyle>
+            <a:lvl1pPr algn="r">
+              <a:defRPr sz="1200"/>
+            </a:lvl1pPr>
+          </a:lstStyle>
+          <a:p>
+            <a:fld id="{E492E516-AE13-4312-B068-B98DA096AE8C}" type="slidenum">
+              <a:rPr lang="en-IN" smtClean="0"/>
+              <a:t>‹#›</a:t>
+            </a:fld>
+            <a:endParaRPr lang="en-IN"/>
+          </a:p>
+        </p:txBody>
+      </p:sp>
+    </p:spTree>
+    <p:extLst>
+      <p:ext uri="{BB962C8B-B14F-4D97-AF65-F5344CB8AC3E}">
+        <p14:creationId xmlns:p14="http://schemas.microsoft.com/office/powerpoint/2010/main" val="2712056691"/>
+      </p:ext>
+    </p:extLst>
+  </p:cSld>
+  <p:clrMap bg1="lt1" tx1="dk1" bg2="lt2" tx2="dk2" accent1="accent1" accent2="accent2" accent3="accent3" accent4="accent4" accent5="accent5" accent6="accent6" hlink="hlink" folHlink="folHlink"/>
+  <p:notesStyle>
+    <a:lvl1pPr marL="0" algn="l" defTabSz="914400" rtl="0" eaLnBrk="1" latinLnBrk="0" hangingPunct="1">
+      <a:defRPr sz="1200" kern="1200">
+        <a:solidFill>
+          <a:schemeClr val="tx1"/>
+        </a:solidFill>
+        <a:latin typeface="+mn-lt"/>
+        <a:ea typeface="+mn-ea"/>
+        <a:cs typeface="+mn-cs"/>
+      </a:defRPr>
+    </a:lvl1pPr>
+    <a:lvl2pPr marL="457200" algn="l" defTabSz="914400" rtl="0" eaLnBrk="1" latinLnBrk="0" hangingPunct="1">
+      <a:defRPr sz="1200" kern="1200">
+        <a:solidFill>
+          <a:schemeClr val="tx1"/>
+        </a:solidFill>
+        <a:latin typeface="+mn-lt"/>
+        <a:ea typeface="+mn-ea"/>
+        <a:cs typeface="+mn-cs"/>
+      </a:defRPr>
+    </a:lvl2pPr>
+    <a:lvl3pPr marL="914400" algn="l" defTabSz="914400" rtl="0" eaLnBrk="1" latinLnBrk="0" hangingPunct="1">
+      <a:defRPr sz="1200" kern="1200">
+        <a:solidFill>
+          <a:schemeClr val="tx1"/>
+        </a:solidFill>
+        <a:latin typeface="+mn-lt"/>
+        <a:ea typeface="+mn-ea"/>
+        <a:cs typeface="+mn-cs"/>
+      </a:defRPr>
+    </a:lvl3pPr>
+    <a:lvl4pPr marL="1371600" algn="l" defTabSz="914400" rtl="0" eaLnBrk="1" latinLnBrk="0" hangingPunct="1">
+      <a:defRPr sz="1200" kern="1200">
+        <a:solidFill>
+          <a:schemeClr val="tx1"/>
+        </a:solidFill>
+        <a:latin typeface="+mn-lt"/>
+        <a:ea typeface="+mn-ea"/>
+        <a:cs typeface="+mn-cs"/>
+      </a:defRPr>
+    </a:lvl4pPr>
+    <a:lvl5pPr marL="1828800" algn="l" defTabSz="914400" rtl="0" eaLnBrk="1" latinLnBrk="0" hangingPunct="1">
+      <a:defRPr sz="1200" kern="1200">
+        <a:solidFill>
+          <a:schemeClr val="tx1"/>
+        </a:solidFill>
+        <a:latin typeface="+mn-lt"/>
+        <a:ea typeface="+mn-ea"/>
+        <a:cs typeface="+mn-cs"/>
+      </a:defRPr>
+    </a:lvl5pPr>
+    <a:lvl6pPr marL="2286000" algn="l" defTabSz="914400" rtl="0" eaLnBrk="1" latinLnBrk="0" hangingPunct="1">
+      <a:defRPr sz="1200" kern="1200">
+        <a:solidFill>
+          <a:schemeClr val="tx1"/>
+        </a:solidFill>
+        <a:latin typeface="+mn-lt"/>
+        <a:ea typeface="+mn-ea"/>
+        <a:cs typeface="+mn-cs"/>
+      </a:defRPr>
+    </a:lvl6pPr>
+    <a:lvl7pPr marL="2743200" algn="l" defTabSz="914400" rtl="0" eaLnBrk="1" latinLnBrk="0" hangingPunct="1">
+      <a:defRPr sz="1200" kern="1200">
+        <a:solidFill>
+          <a:schemeClr val="tx1"/>
+        </a:solidFill>
+        <a:latin typeface="+mn-lt"/>
+        <a:ea typeface="+mn-ea"/>
+        <a:cs typeface="+mn-cs"/>
+      </a:defRPr>
+    </a:lvl7pPr>
+    <a:lvl8pPr marL="3200400" algn="l" defTabSz="914400" rtl="0" eaLnBrk="1" latinLnBrk="0" hangingPunct="1">
+      <a:defRPr sz="1200" kern="1200">
+        <a:solidFill>
+          <a:schemeClr val="tx1"/>
+        </a:solidFill>
+        <a:latin typeface="+mn-lt"/>
+        <a:ea typeface="+mn-ea"/>
+        <a:cs typeface="+mn-cs"/>
+      </a:defRPr>
+    </a:lvl8pPr>
+    <a:lvl9pPr marL="3657600" algn="l" defTabSz="914400" rtl="0" eaLnBrk="1" latinLnBrk="0" hangingPunct="1">
+      <a:defRPr sz="1200" kern="1200">
+        <a:solidFill>
+          <a:schemeClr val="tx1"/>
+        </a:solidFill>
+        <a:latin typeface="+mn-lt"/>
+        <a:ea typeface="+mn-ea"/>
+        <a:cs typeface="+mn-cs"/>
+      </a:defRPr>
+    </a:lvl9pPr>
+  </p:notesStyle>
+</p:notesMaster>
+</file>
+
+<file path=ppt/notesSlides/notesSlide1.xml><?xml version="1.0" encoding="utf-8"?>
+<p:notes xmlns:a="http://schemas.openxmlformats.org/drawingml/2006/main" xmlns:r="http://schemas.openxmlformats.org/officeDocument/2006/relationships" xmlns:p="http://schemas.openxmlformats.org/presentationml/2006/main">
+  <p:cSld>
+    <p:spTree>
+      <p:nvGrpSpPr>
+        <p:cNvPr id="1" name=""/>
+        <p:cNvGrpSpPr/>
+        <p:nvPr/>
+      </p:nvGrpSpPr>
+      <p:grpSpPr>
+        <a:xfrm>
+          <a:off x="0" y="0"/>
+          <a:ext cx="0" cy="0"/>
+          <a:chOff x="0" y="0"/>
+          <a:chExt cx="0" cy="0"/>
+        </a:xfrm>
+      </p:grpSpPr>
+      <p:sp>
+        <p:nvSpPr>
+          <p:cNvPr id="2" name="Slide Image Placeholder 1"/>
+          <p:cNvSpPr>
+            <a:spLocks noGrp="1" noRot="1" noChangeAspect="1"/>
+          </p:cNvSpPr>
+          <p:nvPr>
+            <p:ph type="sldImg"/>
+          </p:nvPr>
+        </p:nvSpPr>
+        <p:spPr/>
+      </p:sp>
+      <p:sp>
+        <p:nvSpPr>
+          <p:cNvPr id="3" name="Notes Placeholder 2"/>
+          <p:cNvSpPr>
+            <a:spLocks noGrp="1"/>
+          </p:cNvSpPr>
+          <p:nvPr>
+            <p:ph type="body" idx="1"/>
+          </p:nvPr>
+        </p:nvSpPr>
+        <p:spPr/>
+        <p:txBody>
+          <a:bodyPr/>
+          <a:lstStyle/>
+          <a:p>
+            <a:endParaRPr lang="en-IN" b="1" dirty="0"/>
+          </a:p>
+        </p:txBody>
+      </p:sp>
+      <p:sp>
+        <p:nvSpPr>
+          <p:cNvPr id="4" name="Slide Number Placeholder 3"/>
+          <p:cNvSpPr>
+            <a:spLocks noGrp="1"/>
+          </p:cNvSpPr>
+          <p:nvPr>
+            <p:ph type="sldNum" sz="quarter" idx="10"/>
+          </p:nvPr>
+        </p:nvSpPr>
+        <p:spPr/>
+        <p:txBody>
+          <a:bodyPr/>
+          <a:lstStyle/>
+          <a:p>
+            <a:fld id="{E492E516-AE13-4312-B068-B98DA096AE8C}" type="slidenum">
+              <a:rPr lang="en-IN" smtClean="0"/>
+              <a:t>2</a:t>
+            </a:fld>
+            <a:endParaRPr lang="en-IN"/>
+          </a:p>
+        </p:txBody>
+      </p:sp>
+    </p:spTree>
+    <p:extLst>
+      <p:ext uri="{BB962C8B-B14F-4D97-AF65-F5344CB8AC3E}">
+        <p14:creationId xmlns:p14="http://schemas.microsoft.com/office/powerpoint/2010/main" val="989743713"/>
+      </p:ext>
+    </p:extLst>
+  </p:cSld>
+  <p:clrMapOvr>
+    <a:masterClrMapping/>
+  </p:clrMapOvr>
+</p:notes>
+</file>
+
+<file path=ppt/notesSlides/notesSlide10.xml><?xml version="1.0" encoding="utf-8"?>
+<p:notes xmlns:a="http://schemas.openxmlformats.org/drawingml/2006/main" xmlns:r="http://schemas.openxmlformats.org/officeDocument/2006/relationships" xmlns:p="http://schemas.openxmlformats.org/presentationml/2006/main">
+  <p:cSld>
+    <p:spTree>
+      <p:nvGrpSpPr>
+        <p:cNvPr id="1" name=""/>
+        <p:cNvGrpSpPr/>
+        <p:nvPr/>
+      </p:nvGrpSpPr>
+      <p:grpSpPr>
+        <a:xfrm>
+          <a:off x="0" y="0"/>
+          <a:ext cx="0" cy="0"/>
+          <a:chOff x="0" y="0"/>
+          <a:chExt cx="0" cy="0"/>
+        </a:xfrm>
+      </p:grpSpPr>
+      <p:sp>
+        <p:nvSpPr>
+          <p:cNvPr id="2" name="Slide Image Placeholder 1"/>
+          <p:cNvSpPr>
+            <a:spLocks noGrp="1" noRot="1" noChangeAspect="1"/>
+          </p:cNvSpPr>
+          <p:nvPr>
+            <p:ph type="sldImg"/>
+          </p:nvPr>
+        </p:nvSpPr>
+        <p:spPr/>
+      </p:sp>
+      <p:sp>
+        <p:nvSpPr>
+          <p:cNvPr id="3" name="Notes Placeholder 2"/>
+          <p:cNvSpPr>
+            <a:spLocks noGrp="1"/>
+          </p:cNvSpPr>
+          <p:nvPr>
+            <p:ph type="body" idx="1"/>
+          </p:nvPr>
+        </p:nvSpPr>
+        <p:spPr/>
+        <p:txBody>
+          <a:bodyPr/>
+          <a:lstStyle/>
+          <a:p>
+            <a:endParaRPr lang="en-IN" b="1" dirty="0"/>
+          </a:p>
+        </p:txBody>
+      </p:sp>
+      <p:sp>
+        <p:nvSpPr>
+          <p:cNvPr id="4" name="Slide Number Placeholder 3"/>
+          <p:cNvSpPr>
+            <a:spLocks noGrp="1"/>
+          </p:cNvSpPr>
+          <p:nvPr>
+            <p:ph type="sldNum" sz="quarter" idx="10"/>
+          </p:nvPr>
+        </p:nvSpPr>
+        <p:spPr/>
+        <p:txBody>
+          <a:bodyPr/>
+          <a:lstStyle/>
+          <a:p>
+            <a:fld id="{E492E516-AE13-4312-B068-B98DA096AE8C}" type="slidenum">
+              <a:rPr lang="en-IN" smtClean="0"/>
+              <a:t>11</a:t>
+            </a:fld>
+            <a:endParaRPr lang="en-IN"/>
+          </a:p>
+        </p:txBody>
+      </p:sp>
+    </p:spTree>
+    <p:extLst>
+      <p:ext uri="{BB962C8B-B14F-4D97-AF65-F5344CB8AC3E}">
+        <p14:creationId xmlns:p14="http://schemas.microsoft.com/office/powerpoint/2010/main" val="1822480935"/>
+      </p:ext>
+    </p:extLst>
+  </p:cSld>
+  <p:clrMapOvr>
+    <a:masterClrMapping/>
+  </p:clrMapOvr>
+</p:notes>
+</file>
+
+<file path=ppt/notesSlides/notesSlide11.xml><?xml version="1.0" encoding="utf-8"?>
+<p:notes xmlns:a="http://schemas.openxmlformats.org/drawingml/2006/main" xmlns:r="http://schemas.openxmlformats.org/officeDocument/2006/relationships" xmlns:p="http://schemas.openxmlformats.org/presentationml/2006/main">
+  <p:cSld>
+    <p:spTree>
+      <p:nvGrpSpPr>
+        <p:cNvPr id="1" name=""/>
+        <p:cNvGrpSpPr/>
+        <p:nvPr/>
+      </p:nvGrpSpPr>
+      <p:grpSpPr>
+        <a:xfrm>
+          <a:off x="0" y="0"/>
+          <a:ext cx="0" cy="0"/>
+          <a:chOff x="0" y="0"/>
+          <a:chExt cx="0" cy="0"/>
+        </a:xfrm>
+      </p:grpSpPr>
+      <p:sp>
+        <p:nvSpPr>
+          <p:cNvPr id="2" name="Slide Image Placeholder 1"/>
+          <p:cNvSpPr>
+            <a:spLocks noGrp="1" noRot="1" noChangeAspect="1"/>
+          </p:cNvSpPr>
+          <p:nvPr>
+            <p:ph type="sldImg"/>
+          </p:nvPr>
+        </p:nvSpPr>
+        <p:spPr/>
+      </p:sp>
+      <p:sp>
+        <p:nvSpPr>
+          <p:cNvPr id="3" name="Notes Placeholder 2"/>
+          <p:cNvSpPr>
+            <a:spLocks noGrp="1"/>
+          </p:cNvSpPr>
+          <p:nvPr>
+            <p:ph type="body" idx="1"/>
+          </p:nvPr>
+        </p:nvSpPr>
+        <p:spPr/>
+        <p:txBody>
+          <a:bodyPr/>
+          <a:lstStyle/>
+          <a:p>
+            <a:endParaRPr lang="en-IN" b="1" dirty="0"/>
+          </a:p>
+        </p:txBody>
+      </p:sp>
+      <p:sp>
+        <p:nvSpPr>
+          <p:cNvPr id="4" name="Slide Number Placeholder 3"/>
+          <p:cNvSpPr>
+            <a:spLocks noGrp="1"/>
+          </p:cNvSpPr>
+          <p:nvPr>
+            <p:ph type="sldNum" sz="quarter" idx="10"/>
+          </p:nvPr>
+        </p:nvSpPr>
+        <p:spPr/>
+        <p:txBody>
+          <a:bodyPr/>
+          <a:lstStyle/>
+          <a:p>
+            <a:fld id="{E492E516-AE13-4312-B068-B98DA096AE8C}" type="slidenum">
+              <a:rPr lang="en-IN" smtClean="0"/>
+              <a:t>12</a:t>
+            </a:fld>
+            <a:endParaRPr lang="en-IN"/>
+          </a:p>
+        </p:txBody>
+      </p:sp>
+    </p:spTree>
+    <p:extLst>
+      <p:ext uri="{BB962C8B-B14F-4D97-AF65-F5344CB8AC3E}">
+        <p14:creationId xmlns:p14="http://schemas.microsoft.com/office/powerpoint/2010/main" val="2504660059"/>
+      </p:ext>
+    </p:extLst>
+  </p:cSld>
+  <p:clrMapOvr>
+    <a:masterClrMapping/>
+  </p:clrMapOvr>
+</p:notes>
+</file>
+
+<file path=ppt/notesSlides/notesSlide12.xml><?xml version="1.0" encoding="utf-8"?>
+<p:notes xmlns:a="http://schemas.openxmlformats.org/drawingml/2006/main" xmlns:r="http://schemas.openxmlformats.org/officeDocument/2006/relationships" xmlns:p="http://schemas.openxmlformats.org/presentationml/2006/main">
+  <p:cSld>
+    <p:spTree>
+      <p:nvGrpSpPr>
+        <p:cNvPr id="1" name=""/>
+        <p:cNvGrpSpPr/>
+        <p:nvPr/>
+      </p:nvGrpSpPr>
+      <p:grpSpPr>
+        <a:xfrm>
+          <a:off x="0" y="0"/>
+          <a:ext cx="0" cy="0"/>
+          <a:chOff x="0" y="0"/>
+          <a:chExt cx="0" cy="0"/>
+        </a:xfrm>
+      </p:grpSpPr>
+      <p:sp>
+        <p:nvSpPr>
+          <p:cNvPr id="2" name="Slide Image Placeholder 1"/>
+          <p:cNvSpPr>
+            <a:spLocks noGrp="1" noRot="1" noChangeAspect="1"/>
+          </p:cNvSpPr>
+          <p:nvPr>
+            <p:ph type="sldImg"/>
+          </p:nvPr>
+        </p:nvSpPr>
+        <p:spPr/>
+      </p:sp>
+      <p:sp>
+        <p:nvSpPr>
+          <p:cNvPr id="3" name="Notes Placeholder 2"/>
+          <p:cNvSpPr>
+            <a:spLocks noGrp="1"/>
+          </p:cNvSpPr>
+          <p:nvPr>
+            <p:ph type="body" idx="1"/>
+          </p:nvPr>
+        </p:nvSpPr>
+        <p:spPr/>
+        <p:txBody>
+          <a:bodyPr/>
+          <a:lstStyle/>
+          <a:p>
+            <a:endParaRPr lang="en-IN" b="1" dirty="0"/>
+          </a:p>
+        </p:txBody>
+      </p:sp>
+      <p:sp>
+        <p:nvSpPr>
+          <p:cNvPr id="4" name="Slide Number Placeholder 3"/>
+          <p:cNvSpPr>
+            <a:spLocks noGrp="1"/>
+          </p:cNvSpPr>
+          <p:nvPr>
+            <p:ph type="sldNum" sz="quarter" idx="10"/>
+          </p:nvPr>
+        </p:nvSpPr>
+        <p:spPr/>
+        <p:txBody>
+          <a:bodyPr/>
+          <a:lstStyle/>
+          <a:p>
+            <a:fld id="{E492E516-AE13-4312-B068-B98DA096AE8C}" type="slidenum">
+              <a:rPr lang="en-IN" smtClean="0"/>
+              <a:t>13</a:t>
+            </a:fld>
+            <a:endParaRPr lang="en-IN"/>
+          </a:p>
+        </p:txBody>
+      </p:sp>
+    </p:spTree>
+    <p:extLst>
+      <p:ext uri="{BB962C8B-B14F-4D97-AF65-F5344CB8AC3E}">
+        <p14:creationId xmlns:p14="http://schemas.microsoft.com/office/powerpoint/2010/main" val="4105424623"/>
+      </p:ext>
+    </p:extLst>
+  </p:cSld>
+  <p:clrMapOvr>
+    <a:masterClrMapping/>
+  </p:clrMapOvr>
+</p:notes>
+</file>
+
+<file path=ppt/notesSlides/notesSlide2.xml><?xml version="1.0" encoding="utf-8"?>
+<p:notes xmlns:a="http://schemas.openxmlformats.org/drawingml/2006/main" xmlns:r="http://schemas.openxmlformats.org/officeDocument/2006/relationships" xmlns:p="http://schemas.openxmlformats.org/presentationml/2006/main">
+  <p:cSld>
+    <p:spTree>
+      <p:nvGrpSpPr>
+        <p:cNvPr id="1" name=""/>
+        <p:cNvGrpSpPr/>
+        <p:nvPr/>
+      </p:nvGrpSpPr>
+      <p:grpSpPr>
+        <a:xfrm>
+          <a:off x="0" y="0"/>
+          <a:ext cx="0" cy="0"/>
+          <a:chOff x="0" y="0"/>
+          <a:chExt cx="0" cy="0"/>
+        </a:xfrm>
+      </p:grpSpPr>
+      <p:sp>
+        <p:nvSpPr>
+          <p:cNvPr id="2" name="Slide Image Placeholder 1"/>
+          <p:cNvSpPr>
+            <a:spLocks noGrp="1" noRot="1" noChangeAspect="1"/>
+          </p:cNvSpPr>
+          <p:nvPr>
+            <p:ph type="sldImg"/>
+          </p:nvPr>
+        </p:nvSpPr>
+        <p:spPr/>
+      </p:sp>
+      <p:sp>
+        <p:nvSpPr>
+          <p:cNvPr id="3" name="Notes Placeholder 2"/>
+          <p:cNvSpPr>
+            <a:spLocks noGrp="1"/>
+          </p:cNvSpPr>
+          <p:nvPr>
+            <p:ph type="body" idx="1"/>
+          </p:nvPr>
+        </p:nvSpPr>
+        <p:spPr/>
+        <p:txBody>
+          <a:bodyPr/>
+          <a:lstStyle/>
+          <a:p>
+            <a:endParaRPr lang="en-IN" b="1" dirty="0"/>
+          </a:p>
+        </p:txBody>
+      </p:sp>
+      <p:sp>
+        <p:nvSpPr>
+          <p:cNvPr id="4" name="Slide Number Placeholder 3"/>
+          <p:cNvSpPr>
+            <a:spLocks noGrp="1"/>
+          </p:cNvSpPr>
+          <p:nvPr>
+            <p:ph type="sldNum" sz="quarter" idx="10"/>
+          </p:nvPr>
+        </p:nvSpPr>
+        <p:spPr/>
+        <p:txBody>
+          <a:bodyPr/>
+          <a:lstStyle/>
+          <a:p>
+            <a:fld id="{E492E516-AE13-4312-B068-B98DA096AE8C}" type="slidenum">
+              <a:rPr lang="en-IN" smtClean="0"/>
+              <a:t>3</a:t>
+            </a:fld>
+            <a:endParaRPr lang="en-IN"/>
+          </a:p>
+        </p:txBody>
+      </p:sp>
+    </p:spTree>
+    <p:extLst>
+      <p:ext uri="{BB962C8B-B14F-4D97-AF65-F5344CB8AC3E}">
+        <p14:creationId xmlns:p14="http://schemas.microsoft.com/office/powerpoint/2010/main" val="3294178228"/>
+      </p:ext>
+    </p:extLst>
+  </p:cSld>
+  <p:clrMapOvr>
+    <a:masterClrMapping/>
+  </p:clrMapOvr>
+</p:notes>
+</file>
+
+<file path=ppt/notesSlides/notesSlide3.xml><?xml version="1.0" encoding="utf-8"?>
+<p:notes xmlns:a="http://schemas.openxmlformats.org/drawingml/2006/main" xmlns:r="http://schemas.openxmlformats.org/officeDocument/2006/relationships" xmlns:p="http://schemas.openxmlformats.org/presentationml/2006/main">
+  <p:cSld>
+    <p:spTree>
+      <p:nvGrpSpPr>
+        <p:cNvPr id="1" name=""/>
+        <p:cNvGrpSpPr/>
+        <p:nvPr/>
+      </p:nvGrpSpPr>
+      <p:grpSpPr>
+        <a:xfrm>
+          <a:off x="0" y="0"/>
+          <a:ext cx="0" cy="0"/>
+          <a:chOff x="0" y="0"/>
+          <a:chExt cx="0" cy="0"/>
+        </a:xfrm>
+      </p:grpSpPr>
+      <p:sp>
+        <p:nvSpPr>
+          <p:cNvPr id="2" name="Slide Image Placeholder 1"/>
+          <p:cNvSpPr>
+            <a:spLocks noGrp="1" noRot="1" noChangeAspect="1"/>
+          </p:cNvSpPr>
+          <p:nvPr>
+            <p:ph type="sldImg"/>
+          </p:nvPr>
+        </p:nvSpPr>
+        <p:spPr/>
+      </p:sp>
+      <p:sp>
+        <p:nvSpPr>
+          <p:cNvPr id="3" name="Notes Placeholder 2"/>
+          <p:cNvSpPr>
+            <a:spLocks noGrp="1"/>
+          </p:cNvSpPr>
+          <p:nvPr>
+            <p:ph type="body" idx="1"/>
+          </p:nvPr>
+        </p:nvSpPr>
+        <p:spPr/>
+        <p:txBody>
+          <a:bodyPr/>
+          <a:lstStyle/>
+          <a:p>
+            <a:endParaRPr lang="en-IN" b="1" dirty="0"/>
+          </a:p>
+        </p:txBody>
+      </p:sp>
+      <p:sp>
+        <p:nvSpPr>
+          <p:cNvPr id="4" name="Slide Number Placeholder 3"/>
+          <p:cNvSpPr>
+            <a:spLocks noGrp="1"/>
+          </p:cNvSpPr>
+          <p:nvPr>
+            <p:ph type="sldNum" sz="quarter" idx="10"/>
+          </p:nvPr>
+        </p:nvSpPr>
+        <p:spPr/>
+        <p:txBody>
+          <a:bodyPr/>
+          <a:lstStyle/>
+          <a:p>
+            <a:fld id="{E492E516-AE13-4312-B068-B98DA096AE8C}" type="slidenum">
+              <a:rPr lang="en-IN" smtClean="0"/>
+              <a:t>4</a:t>
+            </a:fld>
+            <a:endParaRPr lang="en-IN"/>
+          </a:p>
+        </p:txBody>
+      </p:sp>
+    </p:spTree>
+    <p:extLst>
+      <p:ext uri="{BB962C8B-B14F-4D97-AF65-F5344CB8AC3E}">
+        <p14:creationId xmlns:p14="http://schemas.microsoft.com/office/powerpoint/2010/main" val="3094807774"/>
+      </p:ext>
+    </p:extLst>
+  </p:cSld>
+  <p:clrMapOvr>
+    <a:masterClrMapping/>
+  </p:clrMapOvr>
+</p:notes>
+</file>
+
+<file path=ppt/notesSlides/notesSlide4.xml><?xml version="1.0" encoding="utf-8"?>
+<p:notes xmlns:a="http://schemas.openxmlformats.org/drawingml/2006/main" xmlns:r="http://schemas.openxmlformats.org/officeDocument/2006/relationships" xmlns:p="http://schemas.openxmlformats.org/presentationml/2006/main">
+  <p:cSld>
+    <p:spTree>
+      <p:nvGrpSpPr>
+        <p:cNvPr id="1" name=""/>
+        <p:cNvGrpSpPr/>
+        <p:nvPr/>
+      </p:nvGrpSpPr>
+      <p:grpSpPr>
+        <a:xfrm>
+          <a:off x="0" y="0"/>
+          <a:ext cx="0" cy="0"/>
+          <a:chOff x="0" y="0"/>
+          <a:chExt cx="0" cy="0"/>
+        </a:xfrm>
+      </p:grpSpPr>
+      <p:sp>
+        <p:nvSpPr>
+          <p:cNvPr id="2" name="Slide Image Placeholder 1"/>
+          <p:cNvSpPr>
+            <a:spLocks noGrp="1" noRot="1" noChangeAspect="1"/>
+          </p:cNvSpPr>
+          <p:nvPr>
+            <p:ph type="sldImg"/>
+          </p:nvPr>
+        </p:nvSpPr>
+        <p:spPr/>
+      </p:sp>
+      <p:sp>
+        <p:nvSpPr>
+          <p:cNvPr id="3" name="Notes Placeholder 2"/>
+          <p:cNvSpPr>
+            <a:spLocks noGrp="1"/>
+          </p:cNvSpPr>
+          <p:nvPr>
+            <p:ph type="body" idx="1"/>
+          </p:nvPr>
+        </p:nvSpPr>
+        <p:spPr/>
+        <p:txBody>
+          <a:bodyPr/>
+          <a:lstStyle/>
+          <a:p>
+            <a:r>
+              <a:rPr lang="en-IN" b="1" dirty="0"/>
+              <a:t>OpenCV: </a:t>
+            </a:r>
+            <a:r>
+              <a:rPr lang="en-US" sz="1200" b="0" i="0" kern="1200" dirty="0">
+                <a:solidFill>
+                  <a:schemeClr val="tx1"/>
+                </a:solidFill>
+                <a:effectLst/>
+                <a:latin typeface="+mn-lt"/>
+                <a:ea typeface="+mn-ea"/>
+                <a:cs typeface="+mn-cs"/>
+              </a:rPr>
+              <a:t>Open Source Computer Vision Library</a:t>
+            </a:r>
+            <a:endParaRPr lang="en-IN" b="1" dirty="0"/>
+          </a:p>
+        </p:txBody>
+      </p:sp>
+      <p:sp>
+        <p:nvSpPr>
+          <p:cNvPr id="4" name="Slide Number Placeholder 3"/>
+          <p:cNvSpPr>
+            <a:spLocks noGrp="1"/>
+          </p:cNvSpPr>
+          <p:nvPr>
+            <p:ph type="sldNum" sz="quarter" idx="10"/>
+          </p:nvPr>
+        </p:nvSpPr>
+        <p:spPr/>
+        <p:txBody>
+          <a:bodyPr/>
+          <a:lstStyle/>
+          <a:p>
+            <a:fld id="{E492E516-AE13-4312-B068-B98DA096AE8C}" type="slidenum">
+              <a:rPr lang="en-IN" smtClean="0"/>
+              <a:t>5</a:t>
+            </a:fld>
+            <a:endParaRPr lang="en-IN"/>
+          </a:p>
+        </p:txBody>
+      </p:sp>
+    </p:spTree>
+    <p:extLst>
+      <p:ext uri="{BB962C8B-B14F-4D97-AF65-F5344CB8AC3E}">
+        <p14:creationId xmlns:p14="http://schemas.microsoft.com/office/powerpoint/2010/main" val="3599802437"/>
+      </p:ext>
+    </p:extLst>
+  </p:cSld>
+  <p:clrMapOvr>
+    <a:masterClrMapping/>
+  </p:clrMapOvr>
+</p:notes>
+</file>
+
+<file path=ppt/notesSlides/notesSlide5.xml><?xml version="1.0" encoding="utf-8"?>
+<p:notes xmlns:a="http://schemas.openxmlformats.org/drawingml/2006/main" xmlns:r="http://schemas.openxmlformats.org/officeDocument/2006/relationships" xmlns:p="http://schemas.openxmlformats.org/presentationml/2006/main">
+  <p:cSld>
+    <p:spTree>
+      <p:nvGrpSpPr>
+        <p:cNvPr id="1" name=""/>
+        <p:cNvGrpSpPr/>
+        <p:nvPr/>
+      </p:nvGrpSpPr>
+      <p:grpSpPr>
+        <a:xfrm>
+          <a:off x="0" y="0"/>
+          <a:ext cx="0" cy="0"/>
+          <a:chOff x="0" y="0"/>
+          <a:chExt cx="0" cy="0"/>
+        </a:xfrm>
+      </p:grpSpPr>
+      <p:sp>
+        <p:nvSpPr>
+          <p:cNvPr id="2" name="Slide Image Placeholder 1"/>
+          <p:cNvSpPr>
+            <a:spLocks noGrp="1" noRot="1" noChangeAspect="1"/>
+          </p:cNvSpPr>
+          <p:nvPr>
+            <p:ph type="sldImg"/>
+          </p:nvPr>
+        </p:nvSpPr>
+        <p:spPr/>
+      </p:sp>
+      <p:sp>
+        <p:nvSpPr>
+          <p:cNvPr id="3" name="Notes Placeholder 2"/>
+          <p:cNvSpPr>
+            <a:spLocks noGrp="1"/>
+          </p:cNvSpPr>
+          <p:nvPr>
+            <p:ph type="body" idx="1"/>
+          </p:nvPr>
+        </p:nvSpPr>
+        <p:spPr/>
+        <p:txBody>
+          <a:bodyPr/>
+          <a:lstStyle/>
+          <a:p>
+            <a:endParaRPr lang="en-IN" b="1" dirty="0"/>
+          </a:p>
+        </p:txBody>
+      </p:sp>
+      <p:sp>
+        <p:nvSpPr>
+          <p:cNvPr id="4" name="Slide Number Placeholder 3"/>
+          <p:cNvSpPr>
+            <a:spLocks noGrp="1"/>
+          </p:cNvSpPr>
+          <p:nvPr>
+            <p:ph type="sldNum" sz="quarter" idx="10"/>
+          </p:nvPr>
+        </p:nvSpPr>
+        <p:spPr/>
+        <p:txBody>
+          <a:bodyPr/>
+          <a:lstStyle/>
+          <a:p>
+            <a:fld id="{E492E516-AE13-4312-B068-B98DA096AE8C}" type="slidenum">
+              <a:rPr lang="en-IN" smtClean="0"/>
+              <a:t>6</a:t>
+            </a:fld>
+            <a:endParaRPr lang="en-IN"/>
+          </a:p>
+        </p:txBody>
+      </p:sp>
+    </p:spTree>
+    <p:extLst>
+      <p:ext uri="{BB962C8B-B14F-4D97-AF65-F5344CB8AC3E}">
+        <p14:creationId xmlns:p14="http://schemas.microsoft.com/office/powerpoint/2010/main" val="2156992367"/>
+      </p:ext>
+    </p:extLst>
+  </p:cSld>
+  <p:clrMapOvr>
+    <a:masterClrMapping/>
+  </p:clrMapOvr>
+</p:notes>
+</file>
+
+<file path=ppt/notesSlides/notesSlide6.xml><?xml version="1.0" encoding="utf-8"?>
+<p:notes xmlns:a="http://schemas.openxmlformats.org/drawingml/2006/main" xmlns:r="http://schemas.openxmlformats.org/officeDocument/2006/relationships" xmlns:p="http://schemas.openxmlformats.org/presentationml/2006/main">
+  <p:cSld>
+    <p:spTree>
+      <p:nvGrpSpPr>
+        <p:cNvPr id="1" name=""/>
+        <p:cNvGrpSpPr/>
+        <p:nvPr/>
+      </p:nvGrpSpPr>
+      <p:grpSpPr>
+        <a:xfrm>
+          <a:off x="0" y="0"/>
+          <a:ext cx="0" cy="0"/>
+          <a:chOff x="0" y="0"/>
+          <a:chExt cx="0" cy="0"/>
+        </a:xfrm>
+      </p:grpSpPr>
+      <p:sp>
+        <p:nvSpPr>
+          <p:cNvPr id="2" name="Slide Image Placeholder 1"/>
+          <p:cNvSpPr>
+            <a:spLocks noGrp="1" noRot="1" noChangeAspect="1"/>
+          </p:cNvSpPr>
+          <p:nvPr>
+            <p:ph type="sldImg"/>
+          </p:nvPr>
+        </p:nvSpPr>
+        <p:spPr/>
+      </p:sp>
+      <p:sp>
+        <p:nvSpPr>
+          <p:cNvPr id="3" name="Notes Placeholder 2"/>
+          <p:cNvSpPr>
+            <a:spLocks noGrp="1"/>
+          </p:cNvSpPr>
+          <p:nvPr>
+            <p:ph type="body" idx="1"/>
+          </p:nvPr>
+        </p:nvSpPr>
+        <p:spPr/>
+        <p:txBody>
+          <a:bodyPr/>
+          <a:lstStyle/>
+          <a:p>
+            <a:endParaRPr lang="en-IN" b="1" dirty="0"/>
+          </a:p>
+        </p:txBody>
+      </p:sp>
+      <p:sp>
+        <p:nvSpPr>
+          <p:cNvPr id="4" name="Slide Number Placeholder 3"/>
+          <p:cNvSpPr>
+            <a:spLocks noGrp="1"/>
+          </p:cNvSpPr>
+          <p:nvPr>
+            <p:ph type="sldNum" sz="quarter" idx="10"/>
+          </p:nvPr>
+        </p:nvSpPr>
+        <p:spPr/>
+        <p:txBody>
+          <a:bodyPr/>
+          <a:lstStyle/>
+          <a:p>
+            <a:fld id="{E492E516-AE13-4312-B068-B98DA096AE8C}" type="slidenum">
+              <a:rPr lang="en-IN" smtClean="0"/>
+              <a:t>7</a:t>
+            </a:fld>
+            <a:endParaRPr lang="en-IN"/>
+          </a:p>
+        </p:txBody>
+      </p:sp>
+    </p:spTree>
+    <p:extLst>
+      <p:ext uri="{BB962C8B-B14F-4D97-AF65-F5344CB8AC3E}">
+        <p14:creationId xmlns:p14="http://schemas.microsoft.com/office/powerpoint/2010/main" val="3878946131"/>
+      </p:ext>
+    </p:extLst>
+  </p:cSld>
+  <p:clrMapOvr>
+    <a:masterClrMapping/>
+  </p:clrMapOvr>
+</p:notes>
+</file>
+
+<file path=ppt/notesSlides/notesSlide7.xml><?xml version="1.0" encoding="utf-8"?>
+<p:notes xmlns:a="http://schemas.openxmlformats.org/drawingml/2006/main" xmlns:r="http://schemas.openxmlformats.org/officeDocument/2006/relationships" xmlns:p="http://schemas.openxmlformats.org/presentationml/2006/main">
+  <p:cSld>
+    <p:spTree>
+      <p:nvGrpSpPr>
+        <p:cNvPr id="1" name=""/>
+        <p:cNvGrpSpPr/>
+        <p:nvPr/>
+      </p:nvGrpSpPr>
+      <p:grpSpPr>
+        <a:xfrm>
+          <a:off x="0" y="0"/>
+          <a:ext cx="0" cy="0"/>
+          <a:chOff x="0" y="0"/>
+          <a:chExt cx="0" cy="0"/>
+        </a:xfrm>
+      </p:grpSpPr>
+      <p:sp>
+        <p:nvSpPr>
+          <p:cNvPr id="2" name="Slide Image Placeholder 1"/>
+          <p:cNvSpPr>
+            <a:spLocks noGrp="1" noRot="1" noChangeAspect="1"/>
+          </p:cNvSpPr>
+          <p:nvPr>
+            <p:ph type="sldImg"/>
+          </p:nvPr>
+        </p:nvSpPr>
+        <p:spPr/>
+      </p:sp>
+      <p:sp>
+        <p:nvSpPr>
+          <p:cNvPr id="3" name="Notes Placeholder 2"/>
+          <p:cNvSpPr>
+            <a:spLocks noGrp="1"/>
+          </p:cNvSpPr>
+          <p:nvPr>
+            <p:ph type="body" idx="1"/>
+          </p:nvPr>
+        </p:nvSpPr>
+        <p:spPr/>
+        <p:txBody>
+          <a:bodyPr/>
+          <a:lstStyle/>
+          <a:p>
+            <a:endParaRPr lang="en-IN" b="1" dirty="0"/>
+          </a:p>
+        </p:txBody>
+      </p:sp>
+      <p:sp>
+        <p:nvSpPr>
+          <p:cNvPr id="4" name="Slide Number Placeholder 3"/>
+          <p:cNvSpPr>
+            <a:spLocks noGrp="1"/>
+          </p:cNvSpPr>
+          <p:nvPr>
+            <p:ph type="sldNum" sz="quarter" idx="10"/>
+          </p:nvPr>
+        </p:nvSpPr>
+        <p:spPr/>
+        <p:txBody>
+          <a:bodyPr/>
+          <a:lstStyle/>
+          <a:p>
+            <a:fld id="{E492E516-AE13-4312-B068-B98DA096AE8C}" type="slidenum">
+              <a:rPr lang="en-IN" smtClean="0"/>
+              <a:t>8</a:t>
+            </a:fld>
+            <a:endParaRPr lang="en-IN"/>
+          </a:p>
+        </p:txBody>
+      </p:sp>
+    </p:spTree>
+    <p:extLst>
+      <p:ext uri="{BB962C8B-B14F-4D97-AF65-F5344CB8AC3E}">
+        <p14:creationId xmlns:p14="http://schemas.microsoft.com/office/powerpoint/2010/main" val="1261462161"/>
+      </p:ext>
+    </p:extLst>
+  </p:cSld>
+  <p:clrMapOvr>
+    <a:masterClrMapping/>
+  </p:clrMapOvr>
+</p:notes>
+</file>
+
+<file path=ppt/notesSlides/notesSlide8.xml><?xml version="1.0" encoding="utf-8"?>
+<p:notes xmlns:a="http://schemas.openxmlformats.org/drawingml/2006/main" xmlns:r="http://schemas.openxmlformats.org/officeDocument/2006/relationships" xmlns:p="http://schemas.openxmlformats.org/presentationml/2006/main">
+  <p:cSld>
+    <p:spTree>
+      <p:nvGrpSpPr>
+        <p:cNvPr id="1" name=""/>
+        <p:cNvGrpSpPr/>
+        <p:nvPr/>
+      </p:nvGrpSpPr>
+      <p:grpSpPr>
+        <a:xfrm>
+          <a:off x="0" y="0"/>
+          <a:ext cx="0" cy="0"/>
+          <a:chOff x="0" y="0"/>
+          <a:chExt cx="0" cy="0"/>
+        </a:xfrm>
+      </p:grpSpPr>
+      <p:sp>
+        <p:nvSpPr>
+          <p:cNvPr id="2" name="Slide Image Placeholder 1"/>
+          <p:cNvSpPr>
+            <a:spLocks noGrp="1" noRot="1" noChangeAspect="1"/>
+          </p:cNvSpPr>
+          <p:nvPr>
+            <p:ph type="sldImg"/>
+          </p:nvPr>
+        </p:nvSpPr>
+        <p:spPr/>
+      </p:sp>
+      <p:sp>
+        <p:nvSpPr>
+          <p:cNvPr id="3" name="Notes Placeholder 2"/>
+          <p:cNvSpPr>
+            <a:spLocks noGrp="1"/>
+          </p:cNvSpPr>
+          <p:nvPr>
+            <p:ph type="body" idx="1"/>
+          </p:nvPr>
+        </p:nvSpPr>
+        <p:spPr/>
+        <p:txBody>
+          <a:bodyPr/>
+          <a:lstStyle/>
+          <a:p>
+            <a:endParaRPr lang="en-IN" b="1" dirty="0"/>
+          </a:p>
+        </p:txBody>
+      </p:sp>
+      <p:sp>
+        <p:nvSpPr>
+          <p:cNvPr id="4" name="Slide Number Placeholder 3"/>
+          <p:cNvSpPr>
+            <a:spLocks noGrp="1"/>
+          </p:cNvSpPr>
+          <p:nvPr>
+            <p:ph type="sldNum" sz="quarter" idx="10"/>
+          </p:nvPr>
+        </p:nvSpPr>
+        <p:spPr/>
+        <p:txBody>
+          <a:bodyPr/>
+          <a:lstStyle/>
+          <a:p>
+            <a:fld id="{E492E516-AE13-4312-B068-B98DA096AE8C}" type="slidenum">
+              <a:rPr lang="en-IN" smtClean="0"/>
+              <a:t>9</a:t>
+            </a:fld>
+            <a:endParaRPr lang="en-IN"/>
+          </a:p>
+        </p:txBody>
+      </p:sp>
+    </p:spTree>
+    <p:extLst>
+      <p:ext uri="{BB962C8B-B14F-4D97-AF65-F5344CB8AC3E}">
+        <p14:creationId xmlns:p14="http://schemas.microsoft.com/office/powerpoint/2010/main" val="3514511282"/>
+      </p:ext>
+    </p:extLst>
+  </p:cSld>
+  <p:clrMapOvr>
+    <a:masterClrMapping/>
+  </p:clrMapOvr>
+</p:notes>
+</file>
+
+<file path=ppt/notesSlides/notesSlide9.xml><?xml version="1.0" encoding="utf-8"?>
+<p:notes xmlns:a="http://schemas.openxmlformats.org/drawingml/2006/main" xmlns:r="http://schemas.openxmlformats.org/officeDocument/2006/relationships" xmlns:p="http://schemas.openxmlformats.org/presentationml/2006/main">
+  <p:cSld>
+    <p:spTree>
+      <p:nvGrpSpPr>
+        <p:cNvPr id="1" name=""/>
+        <p:cNvGrpSpPr/>
+        <p:nvPr/>
+      </p:nvGrpSpPr>
+      <p:grpSpPr>
+        <a:xfrm>
+          <a:off x="0" y="0"/>
+          <a:ext cx="0" cy="0"/>
+          <a:chOff x="0" y="0"/>
+          <a:chExt cx="0" cy="0"/>
+        </a:xfrm>
+      </p:grpSpPr>
+      <p:sp>
+        <p:nvSpPr>
+          <p:cNvPr id="2" name="Slide Image Placeholder 1"/>
+          <p:cNvSpPr>
+            <a:spLocks noGrp="1" noRot="1" noChangeAspect="1"/>
+          </p:cNvSpPr>
+          <p:nvPr>
+            <p:ph type="sldImg"/>
+          </p:nvPr>
+        </p:nvSpPr>
+        <p:spPr/>
+      </p:sp>
+      <p:sp>
+        <p:nvSpPr>
+          <p:cNvPr id="3" name="Notes Placeholder 2"/>
+          <p:cNvSpPr>
+            <a:spLocks noGrp="1"/>
+          </p:cNvSpPr>
+          <p:nvPr>
+            <p:ph type="body" idx="1"/>
+          </p:nvPr>
+        </p:nvSpPr>
+        <p:spPr/>
+        <p:txBody>
+          <a:bodyPr/>
+          <a:lstStyle/>
+          <a:p>
+            <a:endParaRPr lang="en-IN" b="1" dirty="0"/>
+          </a:p>
+        </p:txBody>
+      </p:sp>
+      <p:sp>
+        <p:nvSpPr>
+          <p:cNvPr id="4" name="Slide Number Placeholder 3"/>
+          <p:cNvSpPr>
+            <a:spLocks noGrp="1"/>
+          </p:cNvSpPr>
+          <p:nvPr>
+            <p:ph type="sldNum" sz="quarter" idx="10"/>
+          </p:nvPr>
+        </p:nvSpPr>
+        <p:spPr/>
+        <p:txBody>
+          <a:bodyPr/>
+          <a:lstStyle/>
+          <a:p>
+            <a:fld id="{E492E516-AE13-4312-B068-B98DA096AE8C}" type="slidenum">
+              <a:rPr lang="en-IN" smtClean="0"/>
+              <a:t>10</a:t>
+            </a:fld>
+            <a:endParaRPr lang="en-IN"/>
+          </a:p>
+        </p:txBody>
+      </p:sp>
+    </p:spTree>
+    <p:extLst>
+      <p:ext uri="{BB962C8B-B14F-4D97-AF65-F5344CB8AC3E}">
+        <p14:creationId xmlns:p14="http://schemas.microsoft.com/office/powerpoint/2010/main" val="4127608952"/>
+      </p:ext>
+    </p:extLst>
+  </p:cSld>
+  <p:clrMapOvr>
+    <a:masterClrMapping/>
+  </p:clrMapOvr>
+</p:notes>
+</file>
+
 <file path=ppt/slideLayouts/slideLayout1.xml><?xml version="1.0" encoding="utf-8"?>
-<p:sldLayout xmlns:a="http://schemas.openxmlformats.org/drawingml/2006/main" xmlns:r="http://schemas.openxmlformats.org/officeDocument/2006/relationships" xmlns:p="http://schemas.openxmlformats.org/presentationml/2006/main" type="title" preserve="1">
+<p:sldLayout xmlns:a="http://schemas.openxmlformats.org/drawingml/2006/main" xmlns:r="http://schemas.openxmlformats.org/officeDocument/2006/relationships" xmlns:p="http://schemas.openxmlformats.org/presentationml/2006/main" showMasterSp="0" type="title" preserve="1">
   <p:cSld name="Title Slide">
     <p:spTree>
       <p:nvGrpSpPr>
@@ -124,15 +1519,541 @@
           <a:chExt cx="0" cy="0"/>
         </a:xfrm>
       </p:grpSpPr>
-      <p:sp>
-        <p:nvSpPr>
-          <p:cNvPr id="2" name="Title 1">
-            <a:extLst>
-              <a:ext uri="{FF2B5EF4-FFF2-40B4-BE49-F238E27FC236}">
-                <a16:creationId xmlns:a16="http://schemas.microsoft.com/office/drawing/2014/main" id="{A30494D2-C40E-4488-B7BB-4B7724F5DF77}"/>
-              </a:ext>
-            </a:extLst>
-          </p:cNvPr>
+      <p:grpSp>
+        <p:nvGrpSpPr>
+          <p:cNvPr id="8" name="Group 7"/>
+          <p:cNvGrpSpPr/>
+          <p:nvPr/>
+        </p:nvGrpSpPr>
+        <p:grpSpPr>
+          <a:xfrm>
+            <a:off x="0" y="-8467"/>
+            <a:ext cx="12192000" cy="6866467"/>
+            <a:chOff x="0" y="-8467"/>
+            <a:chExt cx="12192000" cy="6866467"/>
+          </a:xfrm>
+        </p:grpSpPr>
+        <p:cxnSp>
+          <p:nvCxnSpPr>
+            <p:cNvPr id="32" name="Straight Connector 31"/>
+            <p:cNvCxnSpPr/>
+            <p:nvPr/>
+          </p:nvCxnSpPr>
+          <p:spPr>
+            <a:xfrm>
+              <a:off x="9371012" y="0"/>
+              <a:ext cx="1219200" cy="6858000"/>
+            </a:xfrm>
+            <a:prstGeom prst="line">
+              <a:avLst/>
+            </a:prstGeom>
+            <a:ln w="9525">
+              <a:solidFill>
+                <a:schemeClr val="bg1">
+                  <a:lumMod val="85000"/>
+                  <a:lumOff val="15000"/>
+                </a:schemeClr>
+              </a:solidFill>
+            </a:ln>
+          </p:spPr>
+          <p:style>
+            <a:lnRef idx="2">
+              <a:schemeClr val="accent1"/>
+            </a:lnRef>
+            <a:fillRef idx="0">
+              <a:schemeClr val="accent1"/>
+            </a:fillRef>
+            <a:effectRef idx="1">
+              <a:schemeClr val="accent1"/>
+            </a:effectRef>
+            <a:fontRef idx="minor">
+              <a:schemeClr val="tx1"/>
+            </a:fontRef>
+          </p:style>
+        </p:cxnSp>
+        <p:cxnSp>
+          <p:nvCxnSpPr>
+            <p:cNvPr id="21" name="Straight Connector 20"/>
+            <p:cNvCxnSpPr/>
+            <p:nvPr/>
+          </p:nvCxnSpPr>
+          <p:spPr>
+            <a:xfrm flipH="1">
+              <a:off x="7425267" y="3681413"/>
+              <a:ext cx="4763558" cy="3176587"/>
+            </a:xfrm>
+            <a:prstGeom prst="line">
+              <a:avLst/>
+            </a:prstGeom>
+            <a:ln w="9525">
+              <a:solidFill>
+                <a:schemeClr val="bg1">
+                  <a:lumMod val="85000"/>
+                  <a:lumOff val="15000"/>
+                </a:schemeClr>
+              </a:solidFill>
+            </a:ln>
+          </p:spPr>
+          <p:style>
+            <a:lnRef idx="2">
+              <a:schemeClr val="accent1"/>
+            </a:lnRef>
+            <a:fillRef idx="0">
+              <a:schemeClr val="accent1"/>
+            </a:fillRef>
+            <a:effectRef idx="1">
+              <a:schemeClr val="accent1"/>
+            </a:effectRef>
+            <a:fontRef idx="minor">
+              <a:schemeClr val="tx1"/>
+            </a:fontRef>
+          </p:style>
+        </p:cxnSp>
+        <p:sp>
+          <p:nvSpPr>
+            <p:cNvPr id="24" name="Rectangle 23"/>
+            <p:cNvSpPr/>
+            <p:nvPr/>
+          </p:nvSpPr>
+          <p:spPr>
+            <a:xfrm>
+              <a:off x="9181476" y="-8467"/>
+              <a:ext cx="3007349" cy="6866467"/>
+            </a:xfrm>
+            <a:custGeom>
+              <a:avLst/>
+              <a:gdLst/>
+              <a:ahLst/>
+              <a:cxnLst/>
+              <a:rect l="l" t="t" r="r" b="b"/>
+              <a:pathLst>
+                <a:path w="3007349" h="6866467">
+                  <a:moveTo>
+                    <a:pt x="2045532" y="0"/>
+                  </a:moveTo>
+                  <a:lnTo>
+                    <a:pt x="3007349" y="0"/>
+                  </a:lnTo>
+                  <a:lnTo>
+                    <a:pt x="3007349" y="6866467"/>
+                  </a:lnTo>
+                  <a:lnTo>
+                    <a:pt x="0" y="6866467"/>
+                  </a:lnTo>
+                  <a:lnTo>
+                    <a:pt x="2045532" y="0"/>
+                  </a:lnTo>
+                  <a:close/>
+                </a:path>
+              </a:pathLst>
+            </a:custGeom>
+            <a:solidFill>
+              <a:schemeClr val="accent1">
+                <a:alpha val="30000"/>
+              </a:schemeClr>
+            </a:solidFill>
+            <a:ln>
+              <a:noFill/>
+            </a:ln>
+            <a:effectLst/>
+          </p:spPr>
+          <p:style>
+            <a:lnRef idx="1">
+              <a:schemeClr val="accent1"/>
+            </a:lnRef>
+            <a:fillRef idx="3">
+              <a:schemeClr val="accent1"/>
+            </a:fillRef>
+            <a:effectRef idx="2">
+              <a:schemeClr val="accent1"/>
+            </a:effectRef>
+            <a:fontRef idx="minor">
+              <a:schemeClr val="lt1"/>
+            </a:fontRef>
+          </p:style>
+        </p:sp>
+        <p:sp>
+          <p:nvSpPr>
+            <p:cNvPr id="26" name="Rectangle 25"/>
+            <p:cNvSpPr/>
+            <p:nvPr/>
+          </p:nvSpPr>
+          <p:spPr>
+            <a:xfrm>
+              <a:off x="9603442" y="-8467"/>
+              <a:ext cx="2588558" cy="6866467"/>
+            </a:xfrm>
+            <a:custGeom>
+              <a:avLst/>
+              <a:gdLst/>
+              <a:ahLst/>
+              <a:cxnLst/>
+              <a:rect l="l" t="t" r="r" b="b"/>
+              <a:pathLst>
+                <a:path w="2573311" h="6866467">
+                  <a:moveTo>
+                    <a:pt x="0" y="0"/>
+                  </a:moveTo>
+                  <a:lnTo>
+                    <a:pt x="2573311" y="0"/>
+                  </a:lnTo>
+                  <a:lnTo>
+                    <a:pt x="2573311" y="6866467"/>
+                  </a:lnTo>
+                  <a:lnTo>
+                    <a:pt x="1202336" y="6866467"/>
+                  </a:lnTo>
+                  <a:lnTo>
+                    <a:pt x="0" y="0"/>
+                  </a:lnTo>
+                  <a:close/>
+                </a:path>
+              </a:pathLst>
+            </a:custGeom>
+            <a:solidFill>
+              <a:schemeClr val="accent1">
+                <a:alpha val="20000"/>
+              </a:schemeClr>
+            </a:solidFill>
+            <a:ln>
+              <a:noFill/>
+            </a:ln>
+            <a:effectLst/>
+          </p:spPr>
+          <p:style>
+            <a:lnRef idx="1">
+              <a:schemeClr val="accent1"/>
+            </a:lnRef>
+            <a:fillRef idx="3">
+              <a:schemeClr val="accent1"/>
+            </a:fillRef>
+            <a:effectRef idx="2">
+              <a:schemeClr val="accent1"/>
+            </a:effectRef>
+            <a:fontRef idx="minor">
+              <a:schemeClr val="lt1"/>
+            </a:fontRef>
+          </p:style>
+        </p:sp>
+        <p:sp>
+          <p:nvSpPr>
+            <p:cNvPr id="27" name="Isosceles Triangle 26"/>
+            <p:cNvSpPr/>
+            <p:nvPr/>
+          </p:nvSpPr>
+          <p:spPr>
+            <a:xfrm>
+              <a:off x="8932333" y="3048000"/>
+              <a:ext cx="3259667" cy="3810000"/>
+            </a:xfrm>
+            <a:prstGeom prst="triangle">
+              <a:avLst>
+                <a:gd name="adj" fmla="val 100000"/>
+              </a:avLst>
+            </a:prstGeom>
+            <a:solidFill>
+              <a:schemeClr val="accent2">
+                <a:alpha val="72000"/>
+              </a:schemeClr>
+            </a:solidFill>
+            <a:ln>
+              <a:noFill/>
+            </a:ln>
+            <a:effectLst/>
+          </p:spPr>
+          <p:style>
+            <a:lnRef idx="1">
+              <a:schemeClr val="accent1"/>
+            </a:lnRef>
+            <a:fillRef idx="3">
+              <a:schemeClr val="accent1"/>
+            </a:fillRef>
+            <a:effectRef idx="2">
+              <a:schemeClr val="accent1"/>
+            </a:effectRef>
+            <a:fontRef idx="minor">
+              <a:schemeClr val="lt1"/>
+            </a:fontRef>
+          </p:style>
+        </p:sp>
+        <p:sp>
+          <p:nvSpPr>
+            <p:cNvPr id="28" name="Rectangle 27"/>
+            <p:cNvSpPr/>
+            <p:nvPr/>
+          </p:nvSpPr>
+          <p:spPr>
+            <a:xfrm>
+              <a:off x="9334500" y="-8467"/>
+              <a:ext cx="2854326" cy="6866467"/>
+            </a:xfrm>
+            <a:custGeom>
+              <a:avLst/>
+              <a:gdLst/>
+              <a:ahLst/>
+              <a:cxnLst/>
+              <a:rect l="l" t="t" r="r" b="b"/>
+              <a:pathLst>
+                <a:path w="2858013" h="6866467">
+                  <a:moveTo>
+                    <a:pt x="0" y="0"/>
+                  </a:moveTo>
+                  <a:lnTo>
+                    <a:pt x="2858013" y="0"/>
+                  </a:lnTo>
+                  <a:lnTo>
+                    <a:pt x="2858013" y="6866467"/>
+                  </a:lnTo>
+                  <a:lnTo>
+                    <a:pt x="2473942" y="6866467"/>
+                  </a:lnTo>
+                  <a:lnTo>
+                    <a:pt x="0" y="0"/>
+                  </a:lnTo>
+                  <a:close/>
+                </a:path>
+              </a:pathLst>
+            </a:custGeom>
+            <a:solidFill>
+              <a:schemeClr val="accent2">
+                <a:lumMod val="75000"/>
+                <a:alpha val="70000"/>
+              </a:schemeClr>
+            </a:solidFill>
+            <a:ln>
+              <a:noFill/>
+            </a:ln>
+            <a:effectLst/>
+          </p:spPr>
+          <p:style>
+            <a:lnRef idx="1">
+              <a:schemeClr val="accent1"/>
+            </a:lnRef>
+            <a:fillRef idx="3">
+              <a:schemeClr val="accent1"/>
+            </a:fillRef>
+            <a:effectRef idx="2">
+              <a:schemeClr val="accent1"/>
+            </a:effectRef>
+            <a:fontRef idx="minor">
+              <a:schemeClr val="lt1"/>
+            </a:fontRef>
+          </p:style>
+        </p:sp>
+        <p:sp>
+          <p:nvSpPr>
+            <p:cNvPr id="29" name="Rectangle 28"/>
+            <p:cNvSpPr/>
+            <p:nvPr/>
+          </p:nvSpPr>
+          <p:spPr>
+            <a:xfrm>
+              <a:off x="10898730" y="-8467"/>
+              <a:ext cx="1290094" cy="6866467"/>
+            </a:xfrm>
+            <a:custGeom>
+              <a:avLst/>
+              <a:gdLst/>
+              <a:ahLst/>
+              <a:cxnLst/>
+              <a:rect l="l" t="t" r="r" b="b"/>
+              <a:pathLst>
+                <a:path w="1290094" h="6858000">
+                  <a:moveTo>
+                    <a:pt x="1019735" y="0"/>
+                  </a:moveTo>
+                  <a:lnTo>
+                    <a:pt x="1290094" y="0"/>
+                  </a:lnTo>
+                  <a:lnTo>
+                    <a:pt x="1290094" y="6858000"/>
+                  </a:lnTo>
+                  <a:lnTo>
+                    <a:pt x="0" y="6858000"/>
+                  </a:lnTo>
+                  <a:lnTo>
+                    <a:pt x="1019735" y="0"/>
+                  </a:lnTo>
+                  <a:close/>
+                </a:path>
+              </a:pathLst>
+            </a:custGeom>
+            <a:solidFill>
+              <a:schemeClr val="accent1">
+                <a:lumMod val="60000"/>
+                <a:lumOff val="40000"/>
+                <a:alpha val="70000"/>
+              </a:schemeClr>
+            </a:solidFill>
+            <a:ln>
+              <a:noFill/>
+            </a:ln>
+            <a:effectLst/>
+          </p:spPr>
+          <p:style>
+            <a:lnRef idx="1">
+              <a:schemeClr val="accent1"/>
+            </a:lnRef>
+            <a:fillRef idx="3">
+              <a:schemeClr val="accent1"/>
+            </a:fillRef>
+            <a:effectRef idx="2">
+              <a:schemeClr val="accent1"/>
+            </a:effectRef>
+            <a:fontRef idx="minor">
+              <a:schemeClr val="lt1"/>
+            </a:fontRef>
+          </p:style>
+        </p:sp>
+        <p:sp>
+          <p:nvSpPr>
+            <p:cNvPr id="30" name="Rectangle 29"/>
+            <p:cNvSpPr/>
+            <p:nvPr/>
+          </p:nvSpPr>
+          <p:spPr>
+            <a:xfrm>
+              <a:off x="10938999" y="-8467"/>
+              <a:ext cx="1249825" cy="6866467"/>
+            </a:xfrm>
+            <a:custGeom>
+              <a:avLst/>
+              <a:gdLst/>
+              <a:ahLst/>
+              <a:cxnLst/>
+              <a:rect l="l" t="t" r="r" b="b"/>
+              <a:pathLst>
+                <a:path w="1249825" h="6858000">
+                  <a:moveTo>
+                    <a:pt x="0" y="0"/>
+                  </a:moveTo>
+                  <a:lnTo>
+                    <a:pt x="1249825" y="0"/>
+                  </a:lnTo>
+                  <a:lnTo>
+                    <a:pt x="1249825" y="6858000"/>
+                  </a:lnTo>
+                  <a:lnTo>
+                    <a:pt x="1109382" y="6858000"/>
+                  </a:lnTo>
+                  <a:lnTo>
+                    <a:pt x="0" y="0"/>
+                  </a:lnTo>
+                  <a:close/>
+                </a:path>
+              </a:pathLst>
+            </a:custGeom>
+            <a:solidFill>
+              <a:schemeClr val="accent1">
+                <a:alpha val="65000"/>
+              </a:schemeClr>
+            </a:solidFill>
+            <a:ln>
+              <a:noFill/>
+            </a:ln>
+            <a:effectLst/>
+          </p:spPr>
+          <p:style>
+            <a:lnRef idx="1">
+              <a:schemeClr val="accent1"/>
+            </a:lnRef>
+            <a:fillRef idx="3">
+              <a:schemeClr val="accent1"/>
+            </a:fillRef>
+            <a:effectRef idx="2">
+              <a:schemeClr val="accent1"/>
+            </a:effectRef>
+            <a:fontRef idx="minor">
+              <a:schemeClr val="lt1"/>
+            </a:fontRef>
+          </p:style>
+        </p:sp>
+        <p:sp>
+          <p:nvSpPr>
+            <p:cNvPr id="31" name="Isosceles Triangle 30"/>
+            <p:cNvSpPr/>
+            <p:nvPr/>
+          </p:nvSpPr>
+          <p:spPr>
+            <a:xfrm>
+              <a:off x="10371666" y="3589867"/>
+              <a:ext cx="1817159" cy="3268133"/>
+            </a:xfrm>
+            <a:prstGeom prst="triangle">
+              <a:avLst>
+                <a:gd name="adj" fmla="val 100000"/>
+              </a:avLst>
+            </a:prstGeom>
+            <a:solidFill>
+              <a:schemeClr val="accent1">
+                <a:alpha val="80000"/>
+              </a:schemeClr>
+            </a:solidFill>
+            <a:ln>
+              <a:noFill/>
+            </a:ln>
+            <a:effectLst/>
+          </p:spPr>
+          <p:style>
+            <a:lnRef idx="1">
+              <a:schemeClr val="accent1"/>
+            </a:lnRef>
+            <a:fillRef idx="3">
+              <a:schemeClr val="accent1"/>
+            </a:fillRef>
+            <a:effectRef idx="2">
+              <a:schemeClr val="accent1"/>
+            </a:effectRef>
+            <a:fontRef idx="minor">
+              <a:schemeClr val="lt1"/>
+            </a:fontRef>
+          </p:style>
+        </p:sp>
+        <p:sp>
+          <p:nvSpPr>
+            <p:cNvPr id="19" name="Isosceles Triangle 18"/>
+            <p:cNvSpPr/>
+            <p:nvPr/>
+          </p:nvSpPr>
+          <p:spPr>
+            <a:xfrm rot="10800000">
+              <a:off x="0" y="0"/>
+              <a:ext cx="842596" cy="5666154"/>
+            </a:xfrm>
+            <a:prstGeom prst="triangle">
+              <a:avLst>
+                <a:gd name="adj" fmla="val 100000"/>
+              </a:avLst>
+            </a:prstGeom>
+            <a:solidFill>
+              <a:schemeClr val="accent1">
+                <a:alpha val="85000"/>
+              </a:schemeClr>
+            </a:solidFill>
+            <a:ln>
+              <a:noFill/>
+            </a:ln>
+            <a:effectLst/>
+          </p:spPr>
+          <p:style>
+            <a:lnRef idx="1">
+              <a:schemeClr val="accent1"/>
+            </a:lnRef>
+            <a:fillRef idx="3">
+              <a:schemeClr val="accent1"/>
+            </a:fillRef>
+            <a:effectRef idx="2">
+              <a:schemeClr val="accent1"/>
+            </a:effectRef>
+            <a:fontRef idx="minor">
+              <a:schemeClr val="lt1"/>
+            </a:fontRef>
+          </p:style>
+        </p:sp>
+      </p:grpSp>
+      <p:sp>
+        <p:nvSpPr>
+          <p:cNvPr id="2" name="Title 1"/>
           <p:cNvSpPr>
             <a:spLocks noGrp="1"/>
           </p:cNvSpPr>
@@ -142,15 +2063,21 @@
         </p:nvSpPr>
         <p:spPr>
           <a:xfrm>
-            <a:off x="1524000" y="1122363"/>
-            <a:ext cx="9144000" cy="2387600"/>
+            <a:off x="1507067" y="2404534"/>
+            <a:ext cx="7766936" cy="1646302"/>
           </a:xfrm>
         </p:spPr>
         <p:txBody>
-          <a:bodyPr anchor="b"/>
+          <a:bodyPr anchor="b">
+            <a:noAutofit/>
+          </a:bodyPr>
           <a:lstStyle>
-            <a:lvl1pPr algn="ctr">
-              <a:defRPr sz="6000"/>
+            <a:lvl1pPr algn="r">
+              <a:defRPr sz="5400">
+                <a:solidFill>
+                  <a:schemeClr val="accent1"/>
+                </a:solidFill>
+              </a:defRPr>
             </a:lvl1pPr>
           </a:lstStyle>
           <a:p>
@@ -158,19 +2085,13 @@
               <a:rPr lang="en-US"/>
               <a:t>Click to edit Master title style</a:t>
             </a:r>
-            <a:endParaRPr lang="en-IN"/>
-          </a:p>
-        </p:txBody>
-      </p:sp>
-      <p:sp>
-        <p:nvSpPr>
-          <p:cNvPr id="3" name="Subtitle 2">
-            <a:extLst>
-              <a:ext uri="{FF2B5EF4-FFF2-40B4-BE49-F238E27FC236}">
-                <a16:creationId xmlns:a16="http://schemas.microsoft.com/office/drawing/2014/main" id="{5CC4109E-42EB-4A43-8317-11BD5BD02A14}"/>
-              </a:ext>
-            </a:extLst>
-          </p:cNvPr>
+            <a:endParaRPr lang="en-US" dirty="0"/>
+          </a:p>
+        </p:txBody>
+      </p:sp>
+      <p:sp>
+        <p:nvSpPr>
+          <p:cNvPr id="3" name="Subtitle 2"/>
           <p:cNvSpPr>
             <a:spLocks noGrp="1"/>
           </p:cNvSpPr>
@@ -180,48 +2101,103 @@
         </p:nvSpPr>
         <p:spPr>
           <a:xfrm>
-            <a:off x="1524000" y="3602038"/>
-            <a:ext cx="9144000" cy="1655762"/>
+            <a:off x="1507067" y="4050833"/>
+            <a:ext cx="7766936" cy="1096899"/>
           </a:xfrm>
         </p:spPr>
         <p:txBody>
-          <a:bodyPr/>
+          <a:bodyPr anchor="t"/>
           <a:lstStyle>
-            <a:lvl1pPr marL="0" indent="0" algn="ctr">
-              <a:buNone/>
-              <a:defRPr sz="2400"/>
+            <a:lvl1pPr marL="0" indent="0" algn="r">
+              <a:buNone/>
+              <a:defRPr>
+                <a:solidFill>
+                  <a:schemeClr val="tx1">
+                    <a:lumMod val="50000"/>
+                    <a:lumOff val="50000"/>
+                  </a:schemeClr>
+                </a:solidFill>
+              </a:defRPr>
             </a:lvl1pPr>
             <a:lvl2pPr marL="457200" indent="0" algn="ctr">
               <a:buNone/>
-              <a:defRPr sz="2000"/>
+              <a:defRPr>
+                <a:solidFill>
+                  <a:schemeClr val="tx1">
+                    <a:tint val="75000"/>
+                  </a:schemeClr>
+                </a:solidFill>
+              </a:defRPr>
             </a:lvl2pPr>
             <a:lvl3pPr marL="914400" indent="0" algn="ctr">
               <a:buNone/>
-              <a:defRPr sz="1800"/>
+              <a:defRPr>
+                <a:solidFill>
+                  <a:schemeClr val="tx1">
+                    <a:tint val="75000"/>
+                  </a:schemeClr>
+                </a:solidFill>
+              </a:defRPr>
             </a:lvl3pPr>
             <a:lvl4pPr marL="1371600" indent="0" algn="ctr">
               <a:buNone/>
-              <a:defRPr sz="1600"/>
+              <a:defRPr>
+                <a:solidFill>
+                  <a:schemeClr val="tx1">
+                    <a:tint val="75000"/>
+                  </a:schemeClr>
+                </a:solidFill>
+              </a:defRPr>
             </a:lvl4pPr>
             <a:lvl5pPr marL="1828800" indent="0" algn="ctr">
               <a:buNone/>
-              <a:defRPr sz="1600"/>
+              <a:defRPr>
+                <a:solidFill>
+                  <a:schemeClr val="tx1">
+                    <a:tint val="75000"/>
+                  </a:schemeClr>
+                </a:solidFill>
+              </a:defRPr>
             </a:lvl5pPr>
             <a:lvl6pPr marL="2286000" indent="0" algn="ctr">
               <a:buNone/>
-              <a:defRPr sz="1600"/>
+              <a:defRPr>
+                <a:solidFill>
+                  <a:schemeClr val="tx1">
+                    <a:tint val="75000"/>
+                  </a:schemeClr>
+                </a:solidFill>
+              </a:defRPr>
             </a:lvl6pPr>
             <a:lvl7pPr marL="2743200" indent="0" algn="ctr">
               <a:buNone/>
-              <a:defRPr sz="1600"/>
+              <a:defRPr>
+                <a:solidFill>
+                  <a:schemeClr val="tx1">
+                    <a:tint val="75000"/>
+                  </a:schemeClr>
+                </a:solidFill>
+              </a:defRPr>
             </a:lvl7pPr>
             <a:lvl8pPr marL="3200400" indent="0" algn="ctr">
               <a:buNone/>
-              <a:defRPr sz="1600"/>
+              <a:defRPr>
+                <a:solidFill>
+                  <a:schemeClr val="tx1">
+                    <a:tint val="75000"/>
+                  </a:schemeClr>
+                </a:solidFill>
+              </a:defRPr>
             </a:lvl8pPr>
             <a:lvl9pPr marL="3657600" indent="0" algn="ctr">
               <a:buNone/>
-              <a:defRPr sz="1600"/>
+              <a:defRPr>
+                <a:solidFill>
+                  <a:schemeClr val="tx1">
+                    <a:tint val="75000"/>
+                  </a:schemeClr>
+                </a:solidFill>
+              </a:defRPr>
             </a:lvl9pPr>
           </a:lstStyle>
           <a:p>
@@ -229,19 +2205,13 @@
               <a:rPr lang="en-US"/>
               <a:t>Click to edit Master subtitle style</a:t>
             </a:r>
-            <a:endParaRPr lang="en-IN"/>
-          </a:p>
-        </p:txBody>
-      </p:sp>
-      <p:sp>
-        <p:nvSpPr>
-          <p:cNvPr id="4" name="Date Placeholder 3">
-            <a:extLst>
-              <a:ext uri="{FF2B5EF4-FFF2-40B4-BE49-F238E27FC236}">
-                <a16:creationId xmlns:a16="http://schemas.microsoft.com/office/drawing/2014/main" id="{78B5D470-45ED-4E0C-97AA-AFA94B9D95A9}"/>
-              </a:ext>
-            </a:extLst>
-          </p:cNvPr>
+            <a:endParaRPr lang="en-US" dirty="0"/>
+          </a:p>
+        </p:txBody>
+      </p:sp>
+      <p:sp>
+        <p:nvSpPr>
+          <p:cNvPr id="4" name="Date Placeholder 3"/>
           <p:cNvSpPr>
             <a:spLocks noGrp="1"/>
           </p:cNvSpPr>
@@ -254,7 +2224,7 @@
           <a:bodyPr/>
           <a:lstStyle/>
           <a:p>
-            <a:fld id="{2C58F57C-0C34-416F-8BC3-5668CEDF0D07}" type="datetimeFigureOut">
+            <a:fld id="{C318855C-2999-4B66-B01B-C34BC234F170}" type="datetimeFigureOut">
               <a:rPr lang="en-IN" smtClean="0"/>
               <a:t>27-07-2018</a:t>
             </a:fld>
@@ -264,13 +2234,7 @@
       </p:sp>
       <p:sp>
         <p:nvSpPr>
-          <p:cNvPr id="5" name="Footer Placeholder 4">
-            <a:extLst>
-              <a:ext uri="{FF2B5EF4-FFF2-40B4-BE49-F238E27FC236}">
-                <a16:creationId xmlns:a16="http://schemas.microsoft.com/office/drawing/2014/main" id="{90F8FED7-BB69-471A-B52F-B888A0E8EB44}"/>
-              </a:ext>
-            </a:extLst>
-          </p:cNvPr>
+          <p:cNvPr id="5" name="Footer Placeholder 4"/>
           <p:cNvSpPr>
             <a:spLocks noGrp="1"/>
           </p:cNvSpPr>
@@ -289,13 +2253,7 @@
       </p:sp>
       <p:sp>
         <p:nvSpPr>
-          <p:cNvPr id="6" name="Slide Number Placeholder 5">
-            <a:extLst>
-              <a:ext uri="{FF2B5EF4-FFF2-40B4-BE49-F238E27FC236}">
-                <a16:creationId xmlns:a16="http://schemas.microsoft.com/office/drawing/2014/main" id="{868574C3-762C-41A9-8968-2A71DD50218A}"/>
-              </a:ext>
-            </a:extLst>
-          </p:cNvPr>
+          <p:cNvPr id="6" name="Slide Number Placeholder 5"/>
           <p:cNvSpPr>
             <a:spLocks noGrp="1"/>
           </p:cNvSpPr>
@@ -308,7 +2266,7 @@
           <a:bodyPr/>
           <a:lstStyle/>
           <a:p>
-            <a:fld id="{0838B286-9604-4422-B5F2-367DB04C1B7A}" type="slidenum">
+            <a:fld id="{0BF716AE-35BD-432F-AD66-6EBF8C4E9BEB}" type="slidenum">
               <a:rPr lang="en-IN" smtClean="0"/>
               <a:t>‹#›</a:t>
             </a:fld>
@@ -319,7 +2277,263 @@
     </p:spTree>
     <p:extLst>
       <p:ext uri="{BB962C8B-B14F-4D97-AF65-F5344CB8AC3E}">
-        <p14:creationId xmlns:p14="http://schemas.microsoft.com/office/powerpoint/2010/main" val="1079360531"/>
+        <p14:creationId xmlns:p14="http://schemas.microsoft.com/office/powerpoint/2010/main" val="3861156194"/>
+      </p:ext>
+    </p:extLst>
+  </p:cSld>
+  <p:clrMapOvr>
+    <a:masterClrMapping/>
+  </p:clrMapOvr>
+  <p:extLst>
+    <p:ext uri="{DCECCB84-F9BA-43D5-87BE-67443E8EF086}">
+      <p15:sldGuideLst xmlns:p15="http://schemas.microsoft.com/office/powerpoint/2012/main"/>
+    </p:ext>
+  </p:extLst>
+</p:sldLayout>
+</file>
+
+<file path=ppt/slideLayouts/slideLayout10.xml><?xml version="1.0" encoding="utf-8"?>
+<p:sldLayout xmlns:a="http://schemas.openxmlformats.org/drawingml/2006/main" xmlns:r="http://schemas.openxmlformats.org/officeDocument/2006/relationships" xmlns:p="http://schemas.openxmlformats.org/presentationml/2006/main" preserve="1">
+  <p:cSld name="Title and Caption">
+    <p:spTree>
+      <p:nvGrpSpPr>
+        <p:cNvPr id="1" name=""/>
+        <p:cNvGrpSpPr/>
+        <p:nvPr/>
+      </p:nvGrpSpPr>
+      <p:grpSpPr>
+        <a:xfrm>
+          <a:off x="0" y="0"/>
+          <a:ext cx="0" cy="0"/>
+          <a:chOff x="0" y="0"/>
+          <a:chExt cx="0" cy="0"/>
+        </a:xfrm>
+      </p:grpSpPr>
+      <p:sp>
+        <p:nvSpPr>
+          <p:cNvPr id="2" name="Title 1"/>
+          <p:cNvSpPr>
+            <a:spLocks noGrp="1"/>
+          </p:cNvSpPr>
+          <p:nvPr>
+            <p:ph type="title"/>
+          </p:nvPr>
+        </p:nvSpPr>
+        <p:spPr>
+          <a:xfrm>
+            <a:off x="677335" y="609600"/>
+            <a:ext cx="8596668" cy="3403600"/>
+          </a:xfrm>
+        </p:spPr>
+        <p:txBody>
+          <a:bodyPr anchor="ctr">
+            <a:normAutofit/>
+          </a:bodyPr>
+          <a:lstStyle>
+            <a:lvl1pPr algn="l">
+              <a:defRPr sz="4400" b="0" cap="none"/>
+            </a:lvl1pPr>
+          </a:lstStyle>
+          <a:p>
+            <a:r>
+              <a:rPr lang="en-US"/>
+              <a:t>Click to edit Master title style</a:t>
+            </a:r>
+            <a:endParaRPr lang="en-US" dirty="0"/>
+          </a:p>
+        </p:txBody>
+      </p:sp>
+      <p:sp>
+        <p:nvSpPr>
+          <p:cNvPr id="3" name="Text Placeholder 2"/>
+          <p:cNvSpPr>
+            <a:spLocks noGrp="1"/>
+          </p:cNvSpPr>
+          <p:nvPr>
+            <p:ph type="body" idx="1"/>
+          </p:nvPr>
+        </p:nvSpPr>
+        <p:spPr>
+          <a:xfrm>
+            <a:off x="677335" y="4470400"/>
+            <a:ext cx="8596668" cy="1570962"/>
+          </a:xfrm>
+        </p:spPr>
+        <p:txBody>
+          <a:bodyPr anchor="ctr">
+            <a:normAutofit/>
+          </a:bodyPr>
+          <a:lstStyle>
+            <a:lvl1pPr marL="0" indent="0" algn="l">
+              <a:buNone/>
+              <a:defRPr sz="1800">
+                <a:solidFill>
+                  <a:schemeClr val="tx1">
+                    <a:lumMod val="75000"/>
+                    <a:lumOff val="25000"/>
+                  </a:schemeClr>
+                </a:solidFill>
+              </a:defRPr>
+            </a:lvl1pPr>
+            <a:lvl2pPr marL="457200" indent="0">
+              <a:buNone/>
+              <a:defRPr sz="1800">
+                <a:solidFill>
+                  <a:schemeClr val="tx1">
+                    <a:tint val="75000"/>
+                  </a:schemeClr>
+                </a:solidFill>
+              </a:defRPr>
+            </a:lvl2pPr>
+            <a:lvl3pPr marL="914400" indent="0">
+              <a:buNone/>
+              <a:defRPr sz="1600">
+                <a:solidFill>
+                  <a:schemeClr val="tx1">
+                    <a:tint val="75000"/>
+                  </a:schemeClr>
+                </a:solidFill>
+              </a:defRPr>
+            </a:lvl3pPr>
+            <a:lvl4pPr marL="1371600" indent="0">
+              <a:buNone/>
+              <a:defRPr sz="1400">
+                <a:solidFill>
+                  <a:schemeClr val="tx1">
+                    <a:tint val="75000"/>
+                  </a:schemeClr>
+                </a:solidFill>
+              </a:defRPr>
+            </a:lvl4pPr>
+            <a:lvl5pPr marL="1828800" indent="0">
+              <a:buNone/>
+              <a:defRPr sz="1400">
+                <a:solidFill>
+                  <a:schemeClr val="tx1">
+                    <a:tint val="75000"/>
+                  </a:schemeClr>
+                </a:solidFill>
+              </a:defRPr>
+            </a:lvl5pPr>
+            <a:lvl6pPr marL="2286000" indent="0">
+              <a:buNone/>
+              <a:defRPr sz="1400">
+                <a:solidFill>
+                  <a:schemeClr val="tx1">
+                    <a:tint val="75000"/>
+                  </a:schemeClr>
+                </a:solidFill>
+              </a:defRPr>
+            </a:lvl6pPr>
+            <a:lvl7pPr marL="2743200" indent="0">
+              <a:buNone/>
+              <a:defRPr sz="1400">
+                <a:solidFill>
+                  <a:schemeClr val="tx1">
+                    <a:tint val="75000"/>
+                  </a:schemeClr>
+                </a:solidFill>
+              </a:defRPr>
+            </a:lvl7pPr>
+            <a:lvl8pPr marL="3200400" indent="0">
+              <a:buNone/>
+              <a:defRPr sz="1400">
+                <a:solidFill>
+                  <a:schemeClr val="tx1">
+                    <a:tint val="75000"/>
+                  </a:schemeClr>
+                </a:solidFill>
+              </a:defRPr>
+            </a:lvl8pPr>
+            <a:lvl9pPr marL="3657600" indent="0">
+              <a:buNone/>
+              <a:defRPr sz="1400">
+                <a:solidFill>
+                  <a:schemeClr val="tx1">
+                    <a:tint val="75000"/>
+                  </a:schemeClr>
+                </a:solidFill>
+              </a:defRPr>
+            </a:lvl9pPr>
+          </a:lstStyle>
+          <a:p>
+            <a:pPr lvl="0"/>
+            <a:r>
+              <a:rPr lang="en-US"/>
+              <a:t>Edit Master text styles</a:t>
+            </a:r>
+          </a:p>
+        </p:txBody>
+      </p:sp>
+      <p:sp>
+        <p:nvSpPr>
+          <p:cNvPr id="4" name="Date Placeholder 3"/>
+          <p:cNvSpPr>
+            <a:spLocks noGrp="1"/>
+          </p:cNvSpPr>
+          <p:nvPr>
+            <p:ph type="dt" sz="half" idx="10"/>
+          </p:nvPr>
+        </p:nvSpPr>
+        <p:spPr/>
+        <p:txBody>
+          <a:bodyPr/>
+          <a:lstStyle/>
+          <a:p>
+            <a:fld id="{C318855C-2999-4B66-B01B-C34BC234F170}" type="datetimeFigureOut">
+              <a:rPr lang="en-IN" smtClean="0"/>
+              <a:t>27-07-2018</a:t>
+            </a:fld>
+            <a:endParaRPr lang="en-IN"/>
+          </a:p>
+        </p:txBody>
+      </p:sp>
+      <p:sp>
+        <p:nvSpPr>
+          <p:cNvPr id="5" name="Footer Placeholder 4"/>
+          <p:cNvSpPr>
+            <a:spLocks noGrp="1"/>
+          </p:cNvSpPr>
+          <p:nvPr>
+            <p:ph type="ftr" sz="quarter" idx="11"/>
+          </p:nvPr>
+        </p:nvSpPr>
+        <p:spPr/>
+        <p:txBody>
+          <a:bodyPr/>
+          <a:lstStyle/>
+          <a:p>
+            <a:endParaRPr lang="en-IN"/>
+          </a:p>
+        </p:txBody>
+      </p:sp>
+      <p:sp>
+        <p:nvSpPr>
+          <p:cNvPr id="6" name="Slide Number Placeholder 5"/>
+          <p:cNvSpPr>
+            <a:spLocks noGrp="1"/>
+          </p:cNvSpPr>
+          <p:nvPr>
+            <p:ph type="sldNum" sz="quarter" idx="12"/>
+          </p:nvPr>
+        </p:nvSpPr>
+        <p:spPr/>
+        <p:txBody>
+          <a:bodyPr/>
+          <a:lstStyle/>
+          <a:p>
+            <a:fld id="{0BF716AE-35BD-432F-AD66-6EBF8C4E9BEB}" type="slidenum">
+              <a:rPr lang="en-IN" smtClean="0"/>
+              <a:t>‹#›</a:t>
+            </a:fld>
+            <a:endParaRPr lang="en-IN"/>
+          </a:p>
+        </p:txBody>
+      </p:sp>
+    </p:spTree>
+    <p:extLst>
+      <p:ext uri="{BB962C8B-B14F-4D97-AF65-F5344CB8AC3E}">
+        <p14:creationId xmlns:p14="http://schemas.microsoft.com/office/powerpoint/2010/main" val="3442323917"/>
       </p:ext>
     </p:extLst>
   </p:cSld>
@@ -329,7 +2543,1349 @@
 </p:sldLayout>
 </file>
 
-<file path=ppt/slideLayouts/slideLayout10.xml><?xml version="1.0" encoding="utf-8"?>
+<file path=ppt/slideLayouts/slideLayout11.xml><?xml version="1.0" encoding="utf-8"?>
+<p:sldLayout xmlns:a="http://schemas.openxmlformats.org/drawingml/2006/main" xmlns:r="http://schemas.openxmlformats.org/officeDocument/2006/relationships" xmlns:p="http://schemas.openxmlformats.org/presentationml/2006/main" preserve="1">
+  <p:cSld name="Quote with Caption">
+    <p:spTree>
+      <p:nvGrpSpPr>
+        <p:cNvPr id="1" name=""/>
+        <p:cNvGrpSpPr/>
+        <p:nvPr/>
+      </p:nvGrpSpPr>
+      <p:grpSpPr>
+        <a:xfrm>
+          <a:off x="0" y="0"/>
+          <a:ext cx="0" cy="0"/>
+          <a:chOff x="0" y="0"/>
+          <a:chExt cx="0" cy="0"/>
+        </a:xfrm>
+      </p:grpSpPr>
+      <p:sp>
+        <p:nvSpPr>
+          <p:cNvPr id="2" name="Title 1"/>
+          <p:cNvSpPr>
+            <a:spLocks noGrp="1"/>
+          </p:cNvSpPr>
+          <p:nvPr>
+            <p:ph type="title"/>
+          </p:nvPr>
+        </p:nvSpPr>
+        <p:spPr>
+          <a:xfrm>
+            <a:off x="931334" y="609600"/>
+            <a:ext cx="8094134" cy="3022600"/>
+          </a:xfrm>
+        </p:spPr>
+        <p:txBody>
+          <a:bodyPr anchor="ctr">
+            <a:normAutofit/>
+          </a:bodyPr>
+          <a:lstStyle>
+            <a:lvl1pPr algn="l">
+              <a:defRPr sz="4400" b="0" cap="none"/>
+            </a:lvl1pPr>
+          </a:lstStyle>
+          <a:p>
+            <a:r>
+              <a:rPr lang="en-US"/>
+              <a:t>Click to edit Master title style</a:t>
+            </a:r>
+            <a:endParaRPr lang="en-US" dirty="0"/>
+          </a:p>
+        </p:txBody>
+      </p:sp>
+      <p:sp>
+        <p:nvSpPr>
+          <p:cNvPr id="23" name="Text Placeholder 9"/>
+          <p:cNvSpPr>
+            <a:spLocks noGrp="1"/>
+          </p:cNvSpPr>
+          <p:nvPr>
+            <p:ph type="body" sz="quarter" idx="13"/>
+          </p:nvPr>
+        </p:nvSpPr>
+        <p:spPr>
+          <a:xfrm>
+            <a:off x="1366139" y="3632200"/>
+            <a:ext cx="7224524" cy="381000"/>
+          </a:xfrm>
+        </p:spPr>
+        <p:txBody>
+          <a:bodyPr anchor="ctr">
+            <a:noAutofit/>
+          </a:bodyPr>
+          <a:lstStyle>
+            <a:lvl1pPr marL="0" indent="0">
+              <a:buFontTx/>
+              <a:buNone/>
+              <a:defRPr sz="1600">
+                <a:solidFill>
+                  <a:schemeClr val="tx1">
+                    <a:lumMod val="50000"/>
+                    <a:lumOff val="50000"/>
+                  </a:schemeClr>
+                </a:solidFill>
+              </a:defRPr>
+            </a:lvl1pPr>
+            <a:lvl2pPr marL="457200" indent="0">
+              <a:buFontTx/>
+              <a:buNone/>
+              <a:defRPr/>
+            </a:lvl2pPr>
+            <a:lvl3pPr marL="914400" indent="0">
+              <a:buFontTx/>
+              <a:buNone/>
+              <a:defRPr/>
+            </a:lvl3pPr>
+            <a:lvl4pPr marL="1371600" indent="0">
+              <a:buFontTx/>
+              <a:buNone/>
+              <a:defRPr/>
+            </a:lvl4pPr>
+            <a:lvl5pPr marL="1828800" indent="0">
+              <a:buFontTx/>
+              <a:buNone/>
+              <a:defRPr/>
+            </a:lvl5pPr>
+          </a:lstStyle>
+          <a:p>
+            <a:pPr lvl="0"/>
+            <a:r>
+              <a:rPr lang="en-US"/>
+              <a:t>Edit Master text styles</a:t>
+            </a:r>
+          </a:p>
+        </p:txBody>
+      </p:sp>
+      <p:sp>
+        <p:nvSpPr>
+          <p:cNvPr id="3" name="Text Placeholder 2"/>
+          <p:cNvSpPr>
+            <a:spLocks noGrp="1"/>
+          </p:cNvSpPr>
+          <p:nvPr>
+            <p:ph type="body" idx="1"/>
+          </p:nvPr>
+        </p:nvSpPr>
+        <p:spPr>
+          <a:xfrm>
+            <a:off x="677335" y="4470400"/>
+            <a:ext cx="8596668" cy="1570962"/>
+          </a:xfrm>
+        </p:spPr>
+        <p:txBody>
+          <a:bodyPr anchor="ctr">
+            <a:normAutofit/>
+          </a:bodyPr>
+          <a:lstStyle>
+            <a:lvl1pPr marL="0" indent="0" algn="l">
+              <a:buNone/>
+              <a:defRPr sz="1800">
+                <a:solidFill>
+                  <a:schemeClr val="tx1">
+                    <a:lumMod val="75000"/>
+                    <a:lumOff val="25000"/>
+                  </a:schemeClr>
+                </a:solidFill>
+              </a:defRPr>
+            </a:lvl1pPr>
+            <a:lvl2pPr marL="457200" indent="0">
+              <a:buNone/>
+              <a:defRPr sz="1800">
+                <a:solidFill>
+                  <a:schemeClr val="tx1">
+                    <a:tint val="75000"/>
+                  </a:schemeClr>
+                </a:solidFill>
+              </a:defRPr>
+            </a:lvl2pPr>
+            <a:lvl3pPr marL="914400" indent="0">
+              <a:buNone/>
+              <a:defRPr sz="1600">
+                <a:solidFill>
+                  <a:schemeClr val="tx1">
+                    <a:tint val="75000"/>
+                  </a:schemeClr>
+                </a:solidFill>
+              </a:defRPr>
+            </a:lvl3pPr>
+            <a:lvl4pPr marL="1371600" indent="0">
+              <a:buNone/>
+              <a:defRPr sz="1400">
+                <a:solidFill>
+                  <a:schemeClr val="tx1">
+                    <a:tint val="75000"/>
+                  </a:schemeClr>
+                </a:solidFill>
+              </a:defRPr>
+            </a:lvl4pPr>
+            <a:lvl5pPr marL="1828800" indent="0">
+              <a:buNone/>
+              <a:defRPr sz="1400">
+                <a:solidFill>
+                  <a:schemeClr val="tx1">
+                    <a:tint val="75000"/>
+                  </a:schemeClr>
+                </a:solidFill>
+              </a:defRPr>
+            </a:lvl5pPr>
+            <a:lvl6pPr marL="2286000" indent="0">
+              <a:buNone/>
+              <a:defRPr sz="1400">
+                <a:solidFill>
+                  <a:schemeClr val="tx1">
+                    <a:tint val="75000"/>
+                  </a:schemeClr>
+                </a:solidFill>
+              </a:defRPr>
+            </a:lvl6pPr>
+            <a:lvl7pPr marL="2743200" indent="0">
+              <a:buNone/>
+              <a:defRPr sz="1400">
+                <a:solidFill>
+                  <a:schemeClr val="tx1">
+                    <a:tint val="75000"/>
+                  </a:schemeClr>
+                </a:solidFill>
+              </a:defRPr>
+            </a:lvl7pPr>
+            <a:lvl8pPr marL="3200400" indent="0">
+              <a:buNone/>
+              <a:defRPr sz="1400">
+                <a:solidFill>
+                  <a:schemeClr val="tx1">
+                    <a:tint val="75000"/>
+                  </a:schemeClr>
+                </a:solidFill>
+              </a:defRPr>
+            </a:lvl8pPr>
+            <a:lvl9pPr marL="3657600" indent="0">
+              <a:buNone/>
+              <a:defRPr sz="1400">
+                <a:solidFill>
+                  <a:schemeClr val="tx1">
+                    <a:tint val="75000"/>
+                  </a:schemeClr>
+                </a:solidFill>
+              </a:defRPr>
+            </a:lvl9pPr>
+          </a:lstStyle>
+          <a:p>
+            <a:pPr lvl="0"/>
+            <a:r>
+              <a:rPr lang="en-US"/>
+              <a:t>Edit Master text styles</a:t>
+            </a:r>
+          </a:p>
+        </p:txBody>
+      </p:sp>
+      <p:sp>
+        <p:nvSpPr>
+          <p:cNvPr id="4" name="Date Placeholder 3"/>
+          <p:cNvSpPr>
+            <a:spLocks noGrp="1"/>
+          </p:cNvSpPr>
+          <p:nvPr>
+            <p:ph type="dt" sz="half" idx="10"/>
+          </p:nvPr>
+        </p:nvSpPr>
+        <p:spPr/>
+        <p:txBody>
+          <a:bodyPr/>
+          <a:lstStyle/>
+          <a:p>
+            <a:fld id="{C318855C-2999-4B66-B01B-C34BC234F170}" type="datetimeFigureOut">
+              <a:rPr lang="en-IN" smtClean="0"/>
+              <a:t>27-07-2018</a:t>
+            </a:fld>
+            <a:endParaRPr lang="en-IN"/>
+          </a:p>
+        </p:txBody>
+      </p:sp>
+      <p:sp>
+        <p:nvSpPr>
+          <p:cNvPr id="5" name="Footer Placeholder 4"/>
+          <p:cNvSpPr>
+            <a:spLocks noGrp="1"/>
+          </p:cNvSpPr>
+          <p:nvPr>
+            <p:ph type="ftr" sz="quarter" idx="11"/>
+          </p:nvPr>
+        </p:nvSpPr>
+        <p:spPr/>
+        <p:txBody>
+          <a:bodyPr/>
+          <a:lstStyle/>
+          <a:p>
+            <a:endParaRPr lang="en-IN"/>
+          </a:p>
+        </p:txBody>
+      </p:sp>
+      <p:sp>
+        <p:nvSpPr>
+          <p:cNvPr id="6" name="Slide Number Placeholder 5"/>
+          <p:cNvSpPr>
+            <a:spLocks noGrp="1"/>
+          </p:cNvSpPr>
+          <p:nvPr>
+            <p:ph type="sldNum" sz="quarter" idx="12"/>
+          </p:nvPr>
+        </p:nvSpPr>
+        <p:spPr/>
+        <p:txBody>
+          <a:bodyPr/>
+          <a:lstStyle/>
+          <a:p>
+            <a:fld id="{0BF716AE-35BD-432F-AD66-6EBF8C4E9BEB}" type="slidenum">
+              <a:rPr lang="en-IN" smtClean="0"/>
+              <a:t>‹#›</a:t>
+            </a:fld>
+            <a:endParaRPr lang="en-IN"/>
+          </a:p>
+        </p:txBody>
+      </p:sp>
+      <p:sp>
+        <p:nvSpPr>
+          <p:cNvPr id="20" name="TextBox 19"/>
+          <p:cNvSpPr txBox="1"/>
+          <p:nvPr/>
+        </p:nvSpPr>
+        <p:spPr>
+          <a:xfrm>
+            <a:off x="541870" y="790378"/>
+            <a:ext cx="609600" cy="584776"/>
+          </a:xfrm>
+          <a:prstGeom prst="rect">
+            <a:avLst/>
+          </a:prstGeom>
+        </p:spPr>
+        <p:txBody>
+          <a:bodyPr vert="horz" lIns="91440" tIns="45720" rIns="91440" bIns="45720" rtlCol="0" anchor="ctr">
+            <a:noAutofit/>
+          </a:bodyPr>
+          <a:lstStyle/>
+          <a:p>
+            <a:pPr lvl="0"/>
+            <a:r>
+              <a:rPr lang="en-US" sz="8000" baseline="0" dirty="0">
+                <a:ln w="3175" cmpd="sng">
+                  <a:noFill/>
+                </a:ln>
+                <a:solidFill>
+                  <a:schemeClr val="accent1"/>
+                </a:solidFill>
+                <a:effectLst/>
+                <a:latin typeface="Arial"/>
+              </a:rPr>
+              <a:t>“</a:t>
+            </a:r>
+          </a:p>
+        </p:txBody>
+      </p:sp>
+      <p:sp>
+        <p:nvSpPr>
+          <p:cNvPr id="22" name="TextBox 21"/>
+          <p:cNvSpPr txBox="1"/>
+          <p:nvPr/>
+        </p:nvSpPr>
+        <p:spPr>
+          <a:xfrm>
+            <a:off x="8893011" y="2886556"/>
+            <a:ext cx="609600" cy="584776"/>
+          </a:xfrm>
+          <a:prstGeom prst="rect">
+            <a:avLst/>
+          </a:prstGeom>
+        </p:spPr>
+        <p:txBody>
+          <a:bodyPr vert="horz" lIns="91440" tIns="45720" rIns="91440" bIns="45720" rtlCol="0" anchor="ctr">
+            <a:noAutofit/>
+          </a:bodyPr>
+          <a:lstStyle/>
+          <a:p>
+            <a:pPr lvl="0"/>
+            <a:r>
+              <a:rPr lang="en-US" sz="8000" baseline="0" dirty="0">
+                <a:ln w="3175" cmpd="sng">
+                  <a:noFill/>
+                </a:ln>
+                <a:solidFill>
+                  <a:schemeClr val="accent1"/>
+                </a:solidFill>
+                <a:effectLst/>
+                <a:latin typeface="Arial"/>
+              </a:rPr>
+              <a:t>”</a:t>
+            </a:r>
+          </a:p>
+        </p:txBody>
+      </p:sp>
+    </p:spTree>
+    <p:extLst>
+      <p:ext uri="{BB962C8B-B14F-4D97-AF65-F5344CB8AC3E}">
+        <p14:creationId xmlns:p14="http://schemas.microsoft.com/office/powerpoint/2010/main" val="2701509817"/>
+      </p:ext>
+    </p:extLst>
+  </p:cSld>
+  <p:clrMapOvr>
+    <a:masterClrMapping/>
+  </p:clrMapOvr>
+</p:sldLayout>
+</file>
+
+<file path=ppt/slideLayouts/slideLayout12.xml><?xml version="1.0" encoding="utf-8"?>
+<p:sldLayout xmlns:a="http://schemas.openxmlformats.org/drawingml/2006/main" xmlns:r="http://schemas.openxmlformats.org/officeDocument/2006/relationships" xmlns:p="http://schemas.openxmlformats.org/presentationml/2006/main" preserve="1">
+  <p:cSld name="Name Card">
+    <p:spTree>
+      <p:nvGrpSpPr>
+        <p:cNvPr id="1" name=""/>
+        <p:cNvGrpSpPr/>
+        <p:nvPr/>
+      </p:nvGrpSpPr>
+      <p:grpSpPr>
+        <a:xfrm>
+          <a:off x="0" y="0"/>
+          <a:ext cx="0" cy="0"/>
+          <a:chOff x="0" y="0"/>
+          <a:chExt cx="0" cy="0"/>
+        </a:xfrm>
+      </p:grpSpPr>
+      <p:sp>
+        <p:nvSpPr>
+          <p:cNvPr id="2" name="Title 1"/>
+          <p:cNvSpPr>
+            <a:spLocks noGrp="1"/>
+          </p:cNvSpPr>
+          <p:nvPr>
+            <p:ph type="title"/>
+          </p:nvPr>
+        </p:nvSpPr>
+        <p:spPr>
+          <a:xfrm>
+            <a:off x="677335" y="1931988"/>
+            <a:ext cx="8596668" cy="2595460"/>
+          </a:xfrm>
+        </p:spPr>
+        <p:txBody>
+          <a:bodyPr anchor="b">
+            <a:normAutofit/>
+          </a:bodyPr>
+          <a:lstStyle>
+            <a:lvl1pPr algn="l">
+              <a:defRPr sz="4400" b="0" cap="none"/>
+            </a:lvl1pPr>
+          </a:lstStyle>
+          <a:p>
+            <a:r>
+              <a:rPr lang="en-US"/>
+              <a:t>Click to edit Master title style</a:t>
+            </a:r>
+            <a:endParaRPr lang="en-US" dirty="0"/>
+          </a:p>
+        </p:txBody>
+      </p:sp>
+      <p:sp>
+        <p:nvSpPr>
+          <p:cNvPr id="3" name="Text Placeholder 2"/>
+          <p:cNvSpPr>
+            <a:spLocks noGrp="1"/>
+          </p:cNvSpPr>
+          <p:nvPr>
+            <p:ph type="body" idx="1"/>
+          </p:nvPr>
+        </p:nvSpPr>
+        <p:spPr>
+          <a:xfrm>
+            <a:off x="677335" y="4527448"/>
+            <a:ext cx="8596668" cy="1513914"/>
+          </a:xfrm>
+        </p:spPr>
+        <p:txBody>
+          <a:bodyPr anchor="t">
+            <a:normAutofit/>
+          </a:bodyPr>
+          <a:lstStyle>
+            <a:lvl1pPr marL="0" indent="0" algn="l">
+              <a:buNone/>
+              <a:defRPr sz="1800">
+                <a:solidFill>
+                  <a:schemeClr val="tx1">
+                    <a:lumMod val="75000"/>
+                    <a:lumOff val="25000"/>
+                  </a:schemeClr>
+                </a:solidFill>
+              </a:defRPr>
+            </a:lvl1pPr>
+            <a:lvl2pPr marL="457200" indent="0">
+              <a:buNone/>
+              <a:defRPr sz="1800">
+                <a:solidFill>
+                  <a:schemeClr val="tx1">
+                    <a:tint val="75000"/>
+                  </a:schemeClr>
+                </a:solidFill>
+              </a:defRPr>
+            </a:lvl2pPr>
+            <a:lvl3pPr marL="914400" indent="0">
+              <a:buNone/>
+              <a:defRPr sz="1600">
+                <a:solidFill>
+                  <a:schemeClr val="tx1">
+                    <a:tint val="75000"/>
+                  </a:schemeClr>
+                </a:solidFill>
+              </a:defRPr>
+            </a:lvl3pPr>
+            <a:lvl4pPr marL="1371600" indent="0">
+              <a:buNone/>
+              <a:defRPr sz="1400">
+                <a:solidFill>
+                  <a:schemeClr val="tx1">
+                    <a:tint val="75000"/>
+                  </a:schemeClr>
+                </a:solidFill>
+              </a:defRPr>
+            </a:lvl4pPr>
+            <a:lvl5pPr marL="1828800" indent="0">
+              <a:buNone/>
+              <a:defRPr sz="1400">
+                <a:solidFill>
+                  <a:schemeClr val="tx1">
+                    <a:tint val="75000"/>
+                  </a:schemeClr>
+                </a:solidFill>
+              </a:defRPr>
+            </a:lvl5pPr>
+            <a:lvl6pPr marL="2286000" indent="0">
+              <a:buNone/>
+              <a:defRPr sz="1400">
+                <a:solidFill>
+                  <a:schemeClr val="tx1">
+                    <a:tint val="75000"/>
+                  </a:schemeClr>
+                </a:solidFill>
+              </a:defRPr>
+            </a:lvl6pPr>
+            <a:lvl7pPr marL="2743200" indent="0">
+              <a:buNone/>
+              <a:defRPr sz="1400">
+                <a:solidFill>
+                  <a:schemeClr val="tx1">
+                    <a:tint val="75000"/>
+                  </a:schemeClr>
+                </a:solidFill>
+              </a:defRPr>
+            </a:lvl7pPr>
+            <a:lvl8pPr marL="3200400" indent="0">
+              <a:buNone/>
+              <a:defRPr sz="1400">
+                <a:solidFill>
+                  <a:schemeClr val="tx1">
+                    <a:tint val="75000"/>
+                  </a:schemeClr>
+                </a:solidFill>
+              </a:defRPr>
+            </a:lvl8pPr>
+            <a:lvl9pPr marL="3657600" indent="0">
+              <a:buNone/>
+              <a:defRPr sz="1400">
+                <a:solidFill>
+                  <a:schemeClr val="tx1">
+                    <a:tint val="75000"/>
+                  </a:schemeClr>
+                </a:solidFill>
+              </a:defRPr>
+            </a:lvl9pPr>
+          </a:lstStyle>
+          <a:p>
+            <a:pPr lvl="0"/>
+            <a:r>
+              <a:rPr lang="en-US"/>
+              <a:t>Edit Master text styles</a:t>
+            </a:r>
+          </a:p>
+        </p:txBody>
+      </p:sp>
+      <p:sp>
+        <p:nvSpPr>
+          <p:cNvPr id="4" name="Date Placeholder 3"/>
+          <p:cNvSpPr>
+            <a:spLocks noGrp="1"/>
+          </p:cNvSpPr>
+          <p:nvPr>
+            <p:ph type="dt" sz="half" idx="10"/>
+          </p:nvPr>
+        </p:nvSpPr>
+        <p:spPr/>
+        <p:txBody>
+          <a:bodyPr/>
+          <a:lstStyle/>
+          <a:p>
+            <a:fld id="{C318855C-2999-4B66-B01B-C34BC234F170}" type="datetimeFigureOut">
+              <a:rPr lang="en-IN" smtClean="0"/>
+              <a:t>27-07-2018</a:t>
+            </a:fld>
+            <a:endParaRPr lang="en-IN"/>
+          </a:p>
+        </p:txBody>
+      </p:sp>
+      <p:sp>
+        <p:nvSpPr>
+          <p:cNvPr id="5" name="Footer Placeholder 4"/>
+          <p:cNvSpPr>
+            <a:spLocks noGrp="1"/>
+          </p:cNvSpPr>
+          <p:nvPr>
+            <p:ph type="ftr" sz="quarter" idx="11"/>
+          </p:nvPr>
+        </p:nvSpPr>
+        <p:spPr/>
+        <p:txBody>
+          <a:bodyPr/>
+          <a:lstStyle/>
+          <a:p>
+            <a:endParaRPr lang="en-IN"/>
+          </a:p>
+        </p:txBody>
+      </p:sp>
+      <p:sp>
+        <p:nvSpPr>
+          <p:cNvPr id="6" name="Slide Number Placeholder 5"/>
+          <p:cNvSpPr>
+            <a:spLocks noGrp="1"/>
+          </p:cNvSpPr>
+          <p:nvPr>
+            <p:ph type="sldNum" sz="quarter" idx="12"/>
+          </p:nvPr>
+        </p:nvSpPr>
+        <p:spPr/>
+        <p:txBody>
+          <a:bodyPr/>
+          <a:lstStyle/>
+          <a:p>
+            <a:fld id="{0BF716AE-35BD-432F-AD66-6EBF8C4E9BEB}" type="slidenum">
+              <a:rPr lang="en-IN" smtClean="0"/>
+              <a:t>‹#›</a:t>
+            </a:fld>
+            <a:endParaRPr lang="en-IN"/>
+          </a:p>
+        </p:txBody>
+      </p:sp>
+    </p:spTree>
+    <p:extLst>
+      <p:ext uri="{BB962C8B-B14F-4D97-AF65-F5344CB8AC3E}">
+        <p14:creationId xmlns:p14="http://schemas.microsoft.com/office/powerpoint/2010/main" val="1283374071"/>
+      </p:ext>
+    </p:extLst>
+  </p:cSld>
+  <p:clrMapOvr>
+    <a:masterClrMapping/>
+  </p:clrMapOvr>
+</p:sldLayout>
+</file>
+
+<file path=ppt/slideLayouts/slideLayout13.xml><?xml version="1.0" encoding="utf-8"?>
+<p:sldLayout xmlns:a="http://schemas.openxmlformats.org/drawingml/2006/main" xmlns:r="http://schemas.openxmlformats.org/officeDocument/2006/relationships" xmlns:p="http://schemas.openxmlformats.org/presentationml/2006/main" preserve="1">
+  <p:cSld name="Quote Name Card">
+    <p:spTree>
+      <p:nvGrpSpPr>
+        <p:cNvPr id="1" name=""/>
+        <p:cNvGrpSpPr/>
+        <p:nvPr/>
+      </p:nvGrpSpPr>
+      <p:grpSpPr>
+        <a:xfrm>
+          <a:off x="0" y="0"/>
+          <a:ext cx="0" cy="0"/>
+          <a:chOff x="0" y="0"/>
+          <a:chExt cx="0" cy="0"/>
+        </a:xfrm>
+      </p:grpSpPr>
+      <p:sp>
+        <p:nvSpPr>
+          <p:cNvPr id="2" name="Title 1"/>
+          <p:cNvSpPr>
+            <a:spLocks noGrp="1"/>
+          </p:cNvSpPr>
+          <p:nvPr>
+            <p:ph type="title"/>
+          </p:nvPr>
+        </p:nvSpPr>
+        <p:spPr>
+          <a:xfrm>
+            <a:off x="931334" y="609600"/>
+            <a:ext cx="8094134" cy="3022600"/>
+          </a:xfrm>
+        </p:spPr>
+        <p:txBody>
+          <a:bodyPr anchor="ctr">
+            <a:normAutofit/>
+          </a:bodyPr>
+          <a:lstStyle>
+            <a:lvl1pPr algn="l">
+              <a:defRPr sz="4400" b="0" cap="none"/>
+            </a:lvl1pPr>
+          </a:lstStyle>
+          <a:p>
+            <a:r>
+              <a:rPr lang="en-US"/>
+              <a:t>Click to edit Master title style</a:t>
+            </a:r>
+            <a:endParaRPr lang="en-US" dirty="0"/>
+          </a:p>
+        </p:txBody>
+      </p:sp>
+      <p:sp>
+        <p:nvSpPr>
+          <p:cNvPr id="23" name="Text Placeholder 9"/>
+          <p:cNvSpPr>
+            <a:spLocks noGrp="1"/>
+          </p:cNvSpPr>
+          <p:nvPr>
+            <p:ph type="body" sz="quarter" idx="13"/>
+          </p:nvPr>
+        </p:nvSpPr>
+        <p:spPr>
+          <a:xfrm>
+            <a:off x="677332" y="4013200"/>
+            <a:ext cx="8596669" cy="514248"/>
+          </a:xfrm>
+        </p:spPr>
+        <p:txBody>
+          <a:bodyPr anchor="b">
+            <a:noAutofit/>
+          </a:bodyPr>
+          <a:lstStyle>
+            <a:lvl1pPr marL="0" indent="0">
+              <a:buFontTx/>
+              <a:buNone/>
+              <a:defRPr sz="2400">
+                <a:solidFill>
+                  <a:schemeClr val="tx1">
+                    <a:lumMod val="75000"/>
+                    <a:lumOff val="25000"/>
+                  </a:schemeClr>
+                </a:solidFill>
+              </a:defRPr>
+            </a:lvl1pPr>
+            <a:lvl2pPr marL="457200" indent="0">
+              <a:buFontTx/>
+              <a:buNone/>
+              <a:defRPr/>
+            </a:lvl2pPr>
+            <a:lvl3pPr marL="914400" indent="0">
+              <a:buFontTx/>
+              <a:buNone/>
+              <a:defRPr/>
+            </a:lvl3pPr>
+            <a:lvl4pPr marL="1371600" indent="0">
+              <a:buFontTx/>
+              <a:buNone/>
+              <a:defRPr/>
+            </a:lvl4pPr>
+            <a:lvl5pPr marL="1828800" indent="0">
+              <a:buFontTx/>
+              <a:buNone/>
+              <a:defRPr/>
+            </a:lvl5pPr>
+          </a:lstStyle>
+          <a:p>
+            <a:pPr lvl="0"/>
+            <a:r>
+              <a:rPr lang="en-US"/>
+              <a:t>Edit Master text styles</a:t>
+            </a:r>
+          </a:p>
+        </p:txBody>
+      </p:sp>
+      <p:sp>
+        <p:nvSpPr>
+          <p:cNvPr id="3" name="Text Placeholder 2"/>
+          <p:cNvSpPr>
+            <a:spLocks noGrp="1"/>
+          </p:cNvSpPr>
+          <p:nvPr>
+            <p:ph type="body" idx="1"/>
+          </p:nvPr>
+        </p:nvSpPr>
+        <p:spPr>
+          <a:xfrm>
+            <a:off x="677335" y="4527448"/>
+            <a:ext cx="8596668" cy="1513914"/>
+          </a:xfrm>
+        </p:spPr>
+        <p:txBody>
+          <a:bodyPr anchor="t">
+            <a:normAutofit/>
+          </a:bodyPr>
+          <a:lstStyle>
+            <a:lvl1pPr marL="0" indent="0" algn="l">
+              <a:buNone/>
+              <a:defRPr sz="1800">
+                <a:solidFill>
+                  <a:schemeClr val="tx1">
+                    <a:lumMod val="50000"/>
+                    <a:lumOff val="50000"/>
+                  </a:schemeClr>
+                </a:solidFill>
+              </a:defRPr>
+            </a:lvl1pPr>
+            <a:lvl2pPr marL="457200" indent="0">
+              <a:buNone/>
+              <a:defRPr sz="1800">
+                <a:solidFill>
+                  <a:schemeClr val="tx1">
+                    <a:tint val="75000"/>
+                  </a:schemeClr>
+                </a:solidFill>
+              </a:defRPr>
+            </a:lvl2pPr>
+            <a:lvl3pPr marL="914400" indent="0">
+              <a:buNone/>
+              <a:defRPr sz="1600">
+                <a:solidFill>
+                  <a:schemeClr val="tx1">
+                    <a:tint val="75000"/>
+                  </a:schemeClr>
+                </a:solidFill>
+              </a:defRPr>
+            </a:lvl3pPr>
+            <a:lvl4pPr marL="1371600" indent="0">
+              <a:buNone/>
+              <a:defRPr sz="1400">
+                <a:solidFill>
+                  <a:schemeClr val="tx1">
+                    <a:tint val="75000"/>
+                  </a:schemeClr>
+                </a:solidFill>
+              </a:defRPr>
+            </a:lvl4pPr>
+            <a:lvl5pPr marL="1828800" indent="0">
+              <a:buNone/>
+              <a:defRPr sz="1400">
+                <a:solidFill>
+                  <a:schemeClr val="tx1">
+                    <a:tint val="75000"/>
+                  </a:schemeClr>
+                </a:solidFill>
+              </a:defRPr>
+            </a:lvl5pPr>
+            <a:lvl6pPr marL="2286000" indent="0">
+              <a:buNone/>
+              <a:defRPr sz="1400">
+                <a:solidFill>
+                  <a:schemeClr val="tx1">
+                    <a:tint val="75000"/>
+                  </a:schemeClr>
+                </a:solidFill>
+              </a:defRPr>
+            </a:lvl6pPr>
+            <a:lvl7pPr marL="2743200" indent="0">
+              <a:buNone/>
+              <a:defRPr sz="1400">
+                <a:solidFill>
+                  <a:schemeClr val="tx1">
+                    <a:tint val="75000"/>
+                  </a:schemeClr>
+                </a:solidFill>
+              </a:defRPr>
+            </a:lvl7pPr>
+            <a:lvl8pPr marL="3200400" indent="0">
+              <a:buNone/>
+              <a:defRPr sz="1400">
+                <a:solidFill>
+                  <a:schemeClr val="tx1">
+                    <a:tint val="75000"/>
+                  </a:schemeClr>
+                </a:solidFill>
+              </a:defRPr>
+            </a:lvl8pPr>
+            <a:lvl9pPr marL="3657600" indent="0">
+              <a:buNone/>
+              <a:defRPr sz="1400">
+                <a:solidFill>
+                  <a:schemeClr val="tx1">
+                    <a:tint val="75000"/>
+                  </a:schemeClr>
+                </a:solidFill>
+              </a:defRPr>
+            </a:lvl9pPr>
+          </a:lstStyle>
+          <a:p>
+            <a:pPr lvl="0"/>
+            <a:r>
+              <a:rPr lang="en-US"/>
+              <a:t>Edit Master text styles</a:t>
+            </a:r>
+          </a:p>
+        </p:txBody>
+      </p:sp>
+      <p:sp>
+        <p:nvSpPr>
+          <p:cNvPr id="4" name="Date Placeholder 3"/>
+          <p:cNvSpPr>
+            <a:spLocks noGrp="1"/>
+          </p:cNvSpPr>
+          <p:nvPr>
+            <p:ph type="dt" sz="half" idx="10"/>
+          </p:nvPr>
+        </p:nvSpPr>
+        <p:spPr/>
+        <p:txBody>
+          <a:bodyPr/>
+          <a:lstStyle/>
+          <a:p>
+            <a:fld id="{C318855C-2999-4B66-B01B-C34BC234F170}" type="datetimeFigureOut">
+              <a:rPr lang="en-IN" smtClean="0"/>
+              <a:t>27-07-2018</a:t>
+            </a:fld>
+            <a:endParaRPr lang="en-IN"/>
+          </a:p>
+        </p:txBody>
+      </p:sp>
+      <p:sp>
+        <p:nvSpPr>
+          <p:cNvPr id="5" name="Footer Placeholder 4"/>
+          <p:cNvSpPr>
+            <a:spLocks noGrp="1"/>
+          </p:cNvSpPr>
+          <p:nvPr>
+            <p:ph type="ftr" sz="quarter" idx="11"/>
+          </p:nvPr>
+        </p:nvSpPr>
+        <p:spPr/>
+        <p:txBody>
+          <a:bodyPr/>
+          <a:lstStyle/>
+          <a:p>
+            <a:endParaRPr lang="en-IN"/>
+          </a:p>
+        </p:txBody>
+      </p:sp>
+      <p:sp>
+        <p:nvSpPr>
+          <p:cNvPr id="6" name="Slide Number Placeholder 5"/>
+          <p:cNvSpPr>
+            <a:spLocks noGrp="1"/>
+          </p:cNvSpPr>
+          <p:nvPr>
+            <p:ph type="sldNum" sz="quarter" idx="12"/>
+          </p:nvPr>
+        </p:nvSpPr>
+        <p:spPr/>
+        <p:txBody>
+          <a:bodyPr/>
+          <a:lstStyle/>
+          <a:p>
+            <a:fld id="{0BF716AE-35BD-432F-AD66-6EBF8C4E9BEB}" type="slidenum">
+              <a:rPr lang="en-IN" smtClean="0"/>
+              <a:t>‹#›</a:t>
+            </a:fld>
+            <a:endParaRPr lang="en-IN"/>
+          </a:p>
+        </p:txBody>
+      </p:sp>
+      <p:sp>
+        <p:nvSpPr>
+          <p:cNvPr id="24" name="TextBox 23"/>
+          <p:cNvSpPr txBox="1"/>
+          <p:nvPr/>
+        </p:nvSpPr>
+        <p:spPr>
+          <a:xfrm>
+            <a:off x="541870" y="790378"/>
+            <a:ext cx="609600" cy="584776"/>
+          </a:xfrm>
+          <a:prstGeom prst="rect">
+            <a:avLst/>
+          </a:prstGeom>
+        </p:spPr>
+        <p:txBody>
+          <a:bodyPr vert="horz" lIns="91440" tIns="45720" rIns="91440" bIns="45720" rtlCol="0" anchor="ctr">
+            <a:noAutofit/>
+          </a:bodyPr>
+          <a:lstStyle/>
+          <a:p>
+            <a:pPr lvl="0"/>
+            <a:r>
+              <a:rPr lang="en-US" sz="8000" baseline="0" dirty="0">
+                <a:ln w="3175" cmpd="sng">
+                  <a:noFill/>
+                </a:ln>
+                <a:solidFill>
+                  <a:schemeClr val="accent1"/>
+                </a:solidFill>
+                <a:effectLst/>
+                <a:latin typeface="Arial"/>
+              </a:rPr>
+              <a:t>“</a:t>
+            </a:r>
+          </a:p>
+        </p:txBody>
+      </p:sp>
+      <p:sp>
+        <p:nvSpPr>
+          <p:cNvPr id="25" name="TextBox 24"/>
+          <p:cNvSpPr txBox="1"/>
+          <p:nvPr/>
+        </p:nvSpPr>
+        <p:spPr>
+          <a:xfrm>
+            <a:off x="8893011" y="2886556"/>
+            <a:ext cx="609600" cy="584776"/>
+          </a:xfrm>
+          <a:prstGeom prst="rect">
+            <a:avLst/>
+          </a:prstGeom>
+        </p:spPr>
+        <p:txBody>
+          <a:bodyPr vert="horz" lIns="91440" tIns="45720" rIns="91440" bIns="45720" rtlCol="0" anchor="ctr">
+            <a:noAutofit/>
+          </a:bodyPr>
+          <a:lstStyle/>
+          <a:p>
+            <a:pPr lvl="0"/>
+            <a:r>
+              <a:rPr lang="en-US" sz="8000" baseline="0" dirty="0">
+                <a:ln w="3175" cmpd="sng">
+                  <a:noFill/>
+                </a:ln>
+                <a:solidFill>
+                  <a:schemeClr val="accent1"/>
+                </a:solidFill>
+                <a:effectLst/>
+                <a:latin typeface="Arial"/>
+              </a:rPr>
+              <a:t>”</a:t>
+            </a:r>
+          </a:p>
+        </p:txBody>
+      </p:sp>
+    </p:spTree>
+    <p:extLst>
+      <p:ext uri="{BB962C8B-B14F-4D97-AF65-F5344CB8AC3E}">
+        <p14:creationId xmlns:p14="http://schemas.microsoft.com/office/powerpoint/2010/main" val="222544650"/>
+      </p:ext>
+    </p:extLst>
+  </p:cSld>
+  <p:clrMapOvr>
+    <a:masterClrMapping/>
+  </p:clrMapOvr>
+</p:sldLayout>
+</file>
+
+<file path=ppt/slideLayouts/slideLayout14.xml><?xml version="1.0" encoding="utf-8"?>
+<p:sldLayout xmlns:a="http://schemas.openxmlformats.org/drawingml/2006/main" xmlns:r="http://schemas.openxmlformats.org/officeDocument/2006/relationships" xmlns:p="http://schemas.openxmlformats.org/presentationml/2006/main" preserve="1">
+  <p:cSld name="True or False">
+    <p:spTree>
+      <p:nvGrpSpPr>
+        <p:cNvPr id="1" name=""/>
+        <p:cNvGrpSpPr/>
+        <p:nvPr/>
+      </p:nvGrpSpPr>
+      <p:grpSpPr>
+        <a:xfrm>
+          <a:off x="0" y="0"/>
+          <a:ext cx="0" cy="0"/>
+          <a:chOff x="0" y="0"/>
+          <a:chExt cx="0" cy="0"/>
+        </a:xfrm>
+      </p:grpSpPr>
+      <p:sp>
+        <p:nvSpPr>
+          <p:cNvPr id="2" name="Title 1"/>
+          <p:cNvSpPr>
+            <a:spLocks noGrp="1"/>
+          </p:cNvSpPr>
+          <p:nvPr>
+            <p:ph type="title"/>
+          </p:nvPr>
+        </p:nvSpPr>
+        <p:spPr>
+          <a:xfrm>
+            <a:off x="685799" y="609600"/>
+            <a:ext cx="8588203" cy="3022600"/>
+          </a:xfrm>
+        </p:spPr>
+        <p:txBody>
+          <a:bodyPr anchor="ctr">
+            <a:normAutofit/>
+          </a:bodyPr>
+          <a:lstStyle>
+            <a:lvl1pPr algn="l">
+              <a:defRPr sz="4400" b="0" cap="none"/>
+            </a:lvl1pPr>
+          </a:lstStyle>
+          <a:p>
+            <a:r>
+              <a:rPr lang="en-US"/>
+              <a:t>Click to edit Master title style</a:t>
+            </a:r>
+            <a:endParaRPr lang="en-US" dirty="0"/>
+          </a:p>
+        </p:txBody>
+      </p:sp>
+      <p:sp>
+        <p:nvSpPr>
+          <p:cNvPr id="23" name="Text Placeholder 9"/>
+          <p:cNvSpPr>
+            <a:spLocks noGrp="1"/>
+          </p:cNvSpPr>
+          <p:nvPr>
+            <p:ph type="body" sz="quarter" idx="13"/>
+          </p:nvPr>
+        </p:nvSpPr>
+        <p:spPr>
+          <a:xfrm>
+            <a:off x="677332" y="4013200"/>
+            <a:ext cx="8596669" cy="514248"/>
+          </a:xfrm>
+        </p:spPr>
+        <p:txBody>
+          <a:bodyPr anchor="b">
+            <a:noAutofit/>
+          </a:bodyPr>
+          <a:lstStyle>
+            <a:lvl1pPr marL="0" indent="0">
+              <a:buFontTx/>
+              <a:buNone/>
+              <a:defRPr sz="2400">
+                <a:solidFill>
+                  <a:schemeClr val="accent1"/>
+                </a:solidFill>
+              </a:defRPr>
+            </a:lvl1pPr>
+            <a:lvl2pPr marL="457200" indent="0">
+              <a:buFontTx/>
+              <a:buNone/>
+              <a:defRPr/>
+            </a:lvl2pPr>
+            <a:lvl3pPr marL="914400" indent="0">
+              <a:buFontTx/>
+              <a:buNone/>
+              <a:defRPr/>
+            </a:lvl3pPr>
+            <a:lvl4pPr marL="1371600" indent="0">
+              <a:buFontTx/>
+              <a:buNone/>
+              <a:defRPr/>
+            </a:lvl4pPr>
+            <a:lvl5pPr marL="1828800" indent="0">
+              <a:buFontTx/>
+              <a:buNone/>
+              <a:defRPr/>
+            </a:lvl5pPr>
+          </a:lstStyle>
+          <a:p>
+            <a:pPr lvl="0"/>
+            <a:r>
+              <a:rPr lang="en-US"/>
+              <a:t>Edit Master text styles</a:t>
+            </a:r>
+          </a:p>
+        </p:txBody>
+      </p:sp>
+      <p:sp>
+        <p:nvSpPr>
+          <p:cNvPr id="3" name="Text Placeholder 2"/>
+          <p:cNvSpPr>
+            <a:spLocks noGrp="1"/>
+          </p:cNvSpPr>
+          <p:nvPr>
+            <p:ph type="body" idx="1"/>
+          </p:nvPr>
+        </p:nvSpPr>
+        <p:spPr>
+          <a:xfrm>
+            <a:off x="677335" y="4527448"/>
+            <a:ext cx="8596668" cy="1513914"/>
+          </a:xfrm>
+        </p:spPr>
+        <p:txBody>
+          <a:bodyPr anchor="t">
+            <a:normAutofit/>
+          </a:bodyPr>
+          <a:lstStyle>
+            <a:lvl1pPr marL="0" indent="0" algn="l">
+              <a:buNone/>
+              <a:defRPr sz="1800">
+                <a:solidFill>
+                  <a:schemeClr val="tx1">
+                    <a:lumMod val="50000"/>
+                    <a:lumOff val="50000"/>
+                  </a:schemeClr>
+                </a:solidFill>
+              </a:defRPr>
+            </a:lvl1pPr>
+            <a:lvl2pPr marL="457200" indent="0">
+              <a:buNone/>
+              <a:defRPr sz="1800">
+                <a:solidFill>
+                  <a:schemeClr val="tx1">
+                    <a:tint val="75000"/>
+                  </a:schemeClr>
+                </a:solidFill>
+              </a:defRPr>
+            </a:lvl2pPr>
+            <a:lvl3pPr marL="914400" indent="0">
+              <a:buNone/>
+              <a:defRPr sz="1600">
+                <a:solidFill>
+                  <a:schemeClr val="tx1">
+                    <a:tint val="75000"/>
+                  </a:schemeClr>
+                </a:solidFill>
+              </a:defRPr>
+            </a:lvl3pPr>
+            <a:lvl4pPr marL="1371600" indent="0">
+              <a:buNone/>
+              <a:defRPr sz="1400">
+                <a:solidFill>
+                  <a:schemeClr val="tx1">
+                    <a:tint val="75000"/>
+                  </a:schemeClr>
+                </a:solidFill>
+              </a:defRPr>
+            </a:lvl4pPr>
+            <a:lvl5pPr marL="1828800" indent="0">
+              <a:buNone/>
+              <a:defRPr sz="1400">
+                <a:solidFill>
+                  <a:schemeClr val="tx1">
+                    <a:tint val="75000"/>
+                  </a:schemeClr>
+                </a:solidFill>
+              </a:defRPr>
+            </a:lvl5pPr>
+            <a:lvl6pPr marL="2286000" indent="0">
+              <a:buNone/>
+              <a:defRPr sz="1400">
+                <a:solidFill>
+                  <a:schemeClr val="tx1">
+                    <a:tint val="75000"/>
+                  </a:schemeClr>
+                </a:solidFill>
+              </a:defRPr>
+            </a:lvl6pPr>
+            <a:lvl7pPr marL="2743200" indent="0">
+              <a:buNone/>
+              <a:defRPr sz="1400">
+                <a:solidFill>
+                  <a:schemeClr val="tx1">
+                    <a:tint val="75000"/>
+                  </a:schemeClr>
+                </a:solidFill>
+              </a:defRPr>
+            </a:lvl7pPr>
+            <a:lvl8pPr marL="3200400" indent="0">
+              <a:buNone/>
+              <a:defRPr sz="1400">
+                <a:solidFill>
+                  <a:schemeClr val="tx1">
+                    <a:tint val="75000"/>
+                  </a:schemeClr>
+                </a:solidFill>
+              </a:defRPr>
+            </a:lvl8pPr>
+            <a:lvl9pPr marL="3657600" indent="0">
+              <a:buNone/>
+              <a:defRPr sz="1400">
+                <a:solidFill>
+                  <a:schemeClr val="tx1">
+                    <a:tint val="75000"/>
+                  </a:schemeClr>
+                </a:solidFill>
+              </a:defRPr>
+            </a:lvl9pPr>
+          </a:lstStyle>
+          <a:p>
+            <a:pPr lvl="0"/>
+            <a:r>
+              <a:rPr lang="en-US"/>
+              <a:t>Edit Master text styles</a:t>
+            </a:r>
+          </a:p>
+        </p:txBody>
+      </p:sp>
+      <p:sp>
+        <p:nvSpPr>
+          <p:cNvPr id="4" name="Date Placeholder 3"/>
+          <p:cNvSpPr>
+            <a:spLocks noGrp="1"/>
+          </p:cNvSpPr>
+          <p:nvPr>
+            <p:ph type="dt" sz="half" idx="10"/>
+          </p:nvPr>
+        </p:nvSpPr>
+        <p:spPr/>
+        <p:txBody>
+          <a:bodyPr/>
+          <a:lstStyle/>
+          <a:p>
+            <a:fld id="{C318855C-2999-4B66-B01B-C34BC234F170}" type="datetimeFigureOut">
+              <a:rPr lang="en-IN" smtClean="0"/>
+              <a:t>27-07-2018</a:t>
+            </a:fld>
+            <a:endParaRPr lang="en-IN"/>
+          </a:p>
+        </p:txBody>
+      </p:sp>
+      <p:sp>
+        <p:nvSpPr>
+          <p:cNvPr id="5" name="Footer Placeholder 4"/>
+          <p:cNvSpPr>
+            <a:spLocks noGrp="1"/>
+          </p:cNvSpPr>
+          <p:nvPr>
+            <p:ph type="ftr" sz="quarter" idx="11"/>
+          </p:nvPr>
+        </p:nvSpPr>
+        <p:spPr/>
+        <p:txBody>
+          <a:bodyPr/>
+          <a:lstStyle/>
+          <a:p>
+            <a:endParaRPr lang="en-IN"/>
+          </a:p>
+        </p:txBody>
+      </p:sp>
+      <p:sp>
+        <p:nvSpPr>
+          <p:cNvPr id="6" name="Slide Number Placeholder 5"/>
+          <p:cNvSpPr>
+            <a:spLocks noGrp="1"/>
+          </p:cNvSpPr>
+          <p:nvPr>
+            <p:ph type="sldNum" sz="quarter" idx="12"/>
+          </p:nvPr>
+        </p:nvSpPr>
+        <p:spPr/>
+        <p:txBody>
+          <a:bodyPr/>
+          <a:lstStyle/>
+          <a:p>
+            <a:fld id="{0BF716AE-35BD-432F-AD66-6EBF8C4E9BEB}" type="slidenum">
+              <a:rPr lang="en-IN" smtClean="0"/>
+              <a:t>‹#›</a:t>
+            </a:fld>
+            <a:endParaRPr lang="en-IN"/>
+          </a:p>
+        </p:txBody>
+      </p:sp>
+    </p:spTree>
+    <p:extLst>
+      <p:ext uri="{BB962C8B-B14F-4D97-AF65-F5344CB8AC3E}">
+        <p14:creationId xmlns:p14="http://schemas.microsoft.com/office/powerpoint/2010/main" val="561984906"/>
+      </p:ext>
+    </p:extLst>
+  </p:cSld>
+  <p:clrMapOvr>
+    <a:masterClrMapping/>
+  </p:clrMapOvr>
+</p:sldLayout>
+</file>
+
+<file path=ppt/slideLayouts/slideLayout15.xml><?xml version="1.0" encoding="utf-8"?>
 <p:sldLayout xmlns:a="http://schemas.openxmlformats.org/drawingml/2006/main" xmlns:r="http://schemas.openxmlformats.org/officeDocument/2006/relationships" xmlns:p="http://schemas.openxmlformats.org/presentationml/2006/main" type="vertTx" preserve="1">
   <p:cSld name="Title and Vertical Text">
     <p:spTree>
@@ -348,13 +3904,7 @@
       </p:grpSpPr>
       <p:sp>
         <p:nvSpPr>
-          <p:cNvPr id="2" name="Title 1">
-            <a:extLst>
-              <a:ext uri="{FF2B5EF4-FFF2-40B4-BE49-F238E27FC236}">
-                <a16:creationId xmlns:a16="http://schemas.microsoft.com/office/drawing/2014/main" id="{2A6DE749-CFCC-4612-B1E9-3EDDC257560B}"/>
-              </a:ext>
-            </a:extLst>
-          </p:cNvPr>
+          <p:cNvPr id="2" name="Title 1"/>
           <p:cNvSpPr>
             <a:spLocks noGrp="1"/>
           </p:cNvSpPr>
@@ -371,19 +3921,13 @@
               <a:rPr lang="en-US"/>
               <a:t>Click to edit Master title style</a:t>
             </a:r>
-            <a:endParaRPr lang="en-IN"/>
-          </a:p>
-        </p:txBody>
-      </p:sp>
-      <p:sp>
-        <p:nvSpPr>
-          <p:cNvPr id="3" name="Vertical Text Placeholder 2">
-            <a:extLst>
-              <a:ext uri="{FF2B5EF4-FFF2-40B4-BE49-F238E27FC236}">
-                <a16:creationId xmlns:a16="http://schemas.microsoft.com/office/drawing/2014/main" id="{7164FE1A-5C09-473A-B85A-5C863CE9FAA1}"/>
-              </a:ext>
-            </a:extLst>
-          </p:cNvPr>
+            <a:endParaRPr lang="en-US" dirty="0"/>
+          </a:p>
+        </p:txBody>
+      </p:sp>
+      <p:sp>
+        <p:nvSpPr>
+          <p:cNvPr id="3" name="Vertical Text Placeholder 2"/>
           <p:cNvSpPr>
             <a:spLocks noGrp="1"/>
           </p:cNvSpPr>
@@ -429,19 +3973,13 @@
               <a:rPr lang="en-US"/>
               <a:t>Fifth level</a:t>
             </a:r>
-            <a:endParaRPr lang="en-IN"/>
-          </a:p>
-        </p:txBody>
-      </p:sp>
-      <p:sp>
-        <p:nvSpPr>
-          <p:cNvPr id="4" name="Date Placeholder 3">
-            <a:extLst>
-              <a:ext uri="{FF2B5EF4-FFF2-40B4-BE49-F238E27FC236}">
-                <a16:creationId xmlns:a16="http://schemas.microsoft.com/office/drawing/2014/main" id="{AD5F2F86-1755-4B22-922E-9F233CF55F5B}"/>
-              </a:ext>
-            </a:extLst>
-          </p:cNvPr>
+            <a:endParaRPr lang="en-US" dirty="0"/>
+          </a:p>
+        </p:txBody>
+      </p:sp>
+      <p:sp>
+        <p:nvSpPr>
+          <p:cNvPr id="4" name="Date Placeholder 3"/>
           <p:cNvSpPr>
             <a:spLocks noGrp="1"/>
           </p:cNvSpPr>
@@ -454,7 +3992,7 @@
           <a:bodyPr/>
           <a:lstStyle/>
           <a:p>
-            <a:fld id="{2C58F57C-0C34-416F-8BC3-5668CEDF0D07}" type="datetimeFigureOut">
+            <a:fld id="{C318855C-2999-4B66-B01B-C34BC234F170}" type="datetimeFigureOut">
               <a:rPr lang="en-IN" smtClean="0"/>
               <a:t>27-07-2018</a:t>
             </a:fld>
@@ -464,13 +4002,7 @@
       </p:sp>
       <p:sp>
         <p:nvSpPr>
-          <p:cNvPr id="5" name="Footer Placeholder 4">
-            <a:extLst>
-              <a:ext uri="{FF2B5EF4-FFF2-40B4-BE49-F238E27FC236}">
-                <a16:creationId xmlns:a16="http://schemas.microsoft.com/office/drawing/2014/main" id="{18311725-1708-44DB-A6CE-3675A2877AA2}"/>
-              </a:ext>
-            </a:extLst>
-          </p:cNvPr>
+          <p:cNvPr id="5" name="Footer Placeholder 4"/>
           <p:cNvSpPr>
             <a:spLocks noGrp="1"/>
           </p:cNvSpPr>
@@ -489,13 +4021,7 @@
       </p:sp>
       <p:sp>
         <p:nvSpPr>
-          <p:cNvPr id="6" name="Slide Number Placeholder 5">
-            <a:extLst>
-              <a:ext uri="{FF2B5EF4-FFF2-40B4-BE49-F238E27FC236}">
-                <a16:creationId xmlns:a16="http://schemas.microsoft.com/office/drawing/2014/main" id="{18A9AC5C-EE69-42D3-AED9-B56AE12AE032}"/>
-              </a:ext>
-            </a:extLst>
-          </p:cNvPr>
+          <p:cNvPr id="6" name="Slide Number Placeholder 5"/>
           <p:cNvSpPr>
             <a:spLocks noGrp="1"/>
           </p:cNvSpPr>
@@ -508,7 +4034,7 @@
           <a:bodyPr/>
           <a:lstStyle/>
           <a:p>
-            <a:fld id="{0838B286-9604-4422-B5F2-367DB04C1B7A}" type="slidenum">
+            <a:fld id="{0BF716AE-35BD-432F-AD66-6EBF8C4E9BEB}" type="slidenum">
               <a:rPr lang="en-IN" smtClean="0"/>
               <a:t>‹#›</a:t>
             </a:fld>
@@ -519,7 +4045,7 @@
     </p:spTree>
     <p:extLst>
       <p:ext uri="{BB962C8B-B14F-4D97-AF65-F5344CB8AC3E}">
-        <p14:creationId xmlns:p14="http://schemas.microsoft.com/office/powerpoint/2010/main" val="2632793428"/>
+        <p14:creationId xmlns:p14="http://schemas.microsoft.com/office/powerpoint/2010/main" val="3641079613"/>
       </p:ext>
     </p:extLst>
   </p:cSld>
@@ -529,7 +4055,7 @@
 </p:sldLayout>
 </file>
 
-<file path=ppt/slideLayouts/slideLayout11.xml><?xml version="1.0" encoding="utf-8"?>
+<file path=ppt/slideLayouts/slideLayout16.xml><?xml version="1.0" encoding="utf-8"?>
 <p:sldLayout xmlns:a="http://schemas.openxmlformats.org/drawingml/2006/main" xmlns:r="http://schemas.openxmlformats.org/officeDocument/2006/relationships" xmlns:p="http://schemas.openxmlformats.org/presentationml/2006/main" type="vertTitleAndTx" preserve="1">
   <p:cSld name="Vertical Title and Text">
     <p:spTree>
@@ -548,13 +4074,7 @@
       </p:grpSpPr>
       <p:sp>
         <p:nvSpPr>
-          <p:cNvPr id="2" name="Vertical Title 1">
-            <a:extLst>
-              <a:ext uri="{FF2B5EF4-FFF2-40B4-BE49-F238E27FC236}">
-                <a16:creationId xmlns:a16="http://schemas.microsoft.com/office/drawing/2014/main" id="{D4B2EBB4-4B4C-469C-824A-EB40A0F3F828}"/>
-              </a:ext>
-            </a:extLst>
-          </p:cNvPr>
+          <p:cNvPr id="2" name="Vertical Title 1"/>
           <p:cNvSpPr>
             <a:spLocks noGrp="1"/>
           </p:cNvSpPr>
@@ -564,31 +4084,25 @@
         </p:nvSpPr>
         <p:spPr>
           <a:xfrm>
-            <a:off x="8724900" y="365125"/>
-            <a:ext cx="2628900" cy="5811838"/>
+            <a:off x="7967673" y="609599"/>
+            <a:ext cx="1304743" cy="5251451"/>
           </a:xfrm>
         </p:spPr>
         <p:txBody>
-          <a:bodyPr vert="eaVert"/>
+          <a:bodyPr vert="eaVert" anchor="ctr"/>
           <a:lstStyle/>
           <a:p>
             <a:r>
               <a:rPr lang="en-US"/>
               <a:t>Click to edit Master title style</a:t>
             </a:r>
-            <a:endParaRPr lang="en-IN"/>
-          </a:p>
-        </p:txBody>
-      </p:sp>
-      <p:sp>
-        <p:nvSpPr>
-          <p:cNvPr id="3" name="Vertical Text Placeholder 2">
-            <a:extLst>
-              <a:ext uri="{FF2B5EF4-FFF2-40B4-BE49-F238E27FC236}">
-                <a16:creationId xmlns:a16="http://schemas.microsoft.com/office/drawing/2014/main" id="{22CAF6DA-9668-47F2-A6A5-998B5F86565C}"/>
-              </a:ext>
-            </a:extLst>
-          </p:cNvPr>
+            <a:endParaRPr lang="en-US" dirty="0"/>
+          </a:p>
+        </p:txBody>
+      </p:sp>
+      <p:sp>
+        <p:nvSpPr>
+          <p:cNvPr id="3" name="Vertical Text Placeholder 2"/>
           <p:cNvSpPr>
             <a:spLocks noGrp="1"/>
           </p:cNvSpPr>
@@ -598,8 +4112,8 @@
         </p:nvSpPr>
         <p:spPr>
           <a:xfrm>
-            <a:off x="838200" y="365125"/>
-            <a:ext cx="7734300" cy="5811838"/>
+            <a:off x="677335" y="609600"/>
+            <a:ext cx="7060150" cy="5251450"/>
           </a:xfrm>
         </p:spPr>
         <p:txBody>
@@ -639,19 +4153,13 @@
               <a:rPr lang="en-US"/>
               <a:t>Fifth level</a:t>
             </a:r>
-            <a:endParaRPr lang="en-IN"/>
-          </a:p>
-        </p:txBody>
-      </p:sp>
-      <p:sp>
-        <p:nvSpPr>
-          <p:cNvPr id="4" name="Date Placeholder 3">
-            <a:extLst>
-              <a:ext uri="{FF2B5EF4-FFF2-40B4-BE49-F238E27FC236}">
-                <a16:creationId xmlns:a16="http://schemas.microsoft.com/office/drawing/2014/main" id="{9D171CE8-2025-4FC6-9CD8-21053A45C74E}"/>
-              </a:ext>
-            </a:extLst>
-          </p:cNvPr>
+            <a:endParaRPr lang="en-US" dirty="0"/>
+          </a:p>
+        </p:txBody>
+      </p:sp>
+      <p:sp>
+        <p:nvSpPr>
+          <p:cNvPr id="4" name="Date Placeholder 3"/>
           <p:cNvSpPr>
             <a:spLocks noGrp="1"/>
           </p:cNvSpPr>
@@ -664,7 +4172,7 @@
           <a:bodyPr/>
           <a:lstStyle/>
           <a:p>
-            <a:fld id="{2C58F57C-0C34-416F-8BC3-5668CEDF0D07}" type="datetimeFigureOut">
+            <a:fld id="{C318855C-2999-4B66-B01B-C34BC234F170}" type="datetimeFigureOut">
               <a:rPr lang="en-IN" smtClean="0"/>
               <a:t>27-07-2018</a:t>
             </a:fld>
@@ -674,13 +4182,7 @@
       </p:sp>
       <p:sp>
         <p:nvSpPr>
-          <p:cNvPr id="5" name="Footer Placeholder 4">
-            <a:extLst>
-              <a:ext uri="{FF2B5EF4-FFF2-40B4-BE49-F238E27FC236}">
-                <a16:creationId xmlns:a16="http://schemas.microsoft.com/office/drawing/2014/main" id="{C80769F8-4EF5-4951-829A-A1C11DFA1C66}"/>
-              </a:ext>
-            </a:extLst>
-          </p:cNvPr>
+          <p:cNvPr id="5" name="Footer Placeholder 4"/>
           <p:cNvSpPr>
             <a:spLocks noGrp="1"/>
           </p:cNvSpPr>
@@ -699,13 +4201,7 @@
       </p:sp>
       <p:sp>
         <p:nvSpPr>
-          <p:cNvPr id="6" name="Slide Number Placeholder 5">
-            <a:extLst>
-              <a:ext uri="{FF2B5EF4-FFF2-40B4-BE49-F238E27FC236}">
-                <a16:creationId xmlns:a16="http://schemas.microsoft.com/office/drawing/2014/main" id="{AB05808F-1FE0-4227-BDED-7D1A4A5CCC4F}"/>
-              </a:ext>
-            </a:extLst>
-          </p:cNvPr>
+          <p:cNvPr id="6" name="Slide Number Placeholder 5"/>
           <p:cNvSpPr>
             <a:spLocks noGrp="1"/>
           </p:cNvSpPr>
@@ -718,7 +4214,7 @@
           <a:bodyPr/>
           <a:lstStyle/>
           <a:p>
-            <a:fld id="{0838B286-9604-4422-B5F2-367DB04C1B7A}" type="slidenum">
+            <a:fld id="{0BF716AE-35BD-432F-AD66-6EBF8C4E9BEB}" type="slidenum">
               <a:rPr lang="en-IN" smtClean="0"/>
               <a:t>‹#›</a:t>
             </a:fld>
@@ -729,7 +4225,7 @@
     </p:spTree>
     <p:extLst>
       <p:ext uri="{BB962C8B-B14F-4D97-AF65-F5344CB8AC3E}">
-        <p14:creationId xmlns:p14="http://schemas.microsoft.com/office/powerpoint/2010/main" val="3872796896"/>
+        <p14:creationId xmlns:p14="http://schemas.microsoft.com/office/powerpoint/2010/main" val="2357153323"/>
       </p:ext>
     </p:extLst>
   </p:cSld>
@@ -758,13 +4254,7 @@
       </p:grpSpPr>
       <p:sp>
         <p:nvSpPr>
-          <p:cNvPr id="2" name="Title 1">
-            <a:extLst>
-              <a:ext uri="{FF2B5EF4-FFF2-40B4-BE49-F238E27FC236}">
-                <a16:creationId xmlns:a16="http://schemas.microsoft.com/office/drawing/2014/main" id="{103D6AA3-DC4E-4DAB-9B02-5711EB90E4F4}"/>
-              </a:ext>
-            </a:extLst>
-          </p:cNvPr>
+          <p:cNvPr id="2" name="Title 1"/>
           <p:cNvSpPr>
             <a:spLocks noGrp="1"/>
           </p:cNvSpPr>
@@ -774,26 +4264,26 @@
         </p:nvSpPr>
         <p:spPr/>
         <p:txBody>
-          <a:bodyPr/>
-          <a:lstStyle/>
+          <a:bodyPr>
+            <a:normAutofit/>
+          </a:bodyPr>
+          <a:lstStyle>
+            <a:lvl1pPr>
+              <a:defRPr sz="3600"/>
+            </a:lvl1pPr>
+          </a:lstStyle>
           <a:p>
             <a:r>
               <a:rPr lang="en-US"/>
               <a:t>Click to edit Master title style</a:t>
             </a:r>
-            <a:endParaRPr lang="en-IN"/>
-          </a:p>
-        </p:txBody>
-      </p:sp>
-      <p:sp>
-        <p:nvSpPr>
-          <p:cNvPr id="3" name="Content Placeholder 2">
-            <a:extLst>
-              <a:ext uri="{FF2B5EF4-FFF2-40B4-BE49-F238E27FC236}">
-                <a16:creationId xmlns:a16="http://schemas.microsoft.com/office/drawing/2014/main" id="{955D3868-FA96-4061-A0C2-261F730C8B26}"/>
-              </a:ext>
-            </a:extLst>
-          </p:cNvPr>
+            <a:endParaRPr lang="en-US" dirty="0"/>
+          </a:p>
+        </p:txBody>
+      </p:sp>
+      <p:sp>
+        <p:nvSpPr>
+          <p:cNvPr id="3" name="Content Placeholder 2"/>
           <p:cNvSpPr>
             <a:spLocks noGrp="1"/>
           </p:cNvSpPr>
@@ -839,19 +4329,13 @@
               <a:rPr lang="en-US"/>
               <a:t>Fifth level</a:t>
             </a:r>
-            <a:endParaRPr lang="en-IN"/>
-          </a:p>
-        </p:txBody>
-      </p:sp>
-      <p:sp>
-        <p:nvSpPr>
-          <p:cNvPr id="4" name="Date Placeholder 3">
-            <a:extLst>
-              <a:ext uri="{FF2B5EF4-FFF2-40B4-BE49-F238E27FC236}">
-                <a16:creationId xmlns:a16="http://schemas.microsoft.com/office/drawing/2014/main" id="{619E7324-866A-4259-A88F-FAEA246D6F85}"/>
-              </a:ext>
-            </a:extLst>
-          </p:cNvPr>
+            <a:endParaRPr lang="en-US" dirty="0"/>
+          </a:p>
+        </p:txBody>
+      </p:sp>
+      <p:sp>
+        <p:nvSpPr>
+          <p:cNvPr id="4" name="Date Placeholder 3"/>
           <p:cNvSpPr>
             <a:spLocks noGrp="1"/>
           </p:cNvSpPr>
@@ -864,7 +4348,7 @@
           <a:bodyPr/>
           <a:lstStyle/>
           <a:p>
-            <a:fld id="{2C58F57C-0C34-416F-8BC3-5668CEDF0D07}" type="datetimeFigureOut">
+            <a:fld id="{C318855C-2999-4B66-B01B-C34BC234F170}" type="datetimeFigureOut">
               <a:rPr lang="en-IN" smtClean="0"/>
               <a:t>27-07-2018</a:t>
             </a:fld>
@@ -874,13 +4358,7 @@
       </p:sp>
       <p:sp>
         <p:nvSpPr>
-          <p:cNvPr id="5" name="Footer Placeholder 4">
-            <a:extLst>
-              <a:ext uri="{FF2B5EF4-FFF2-40B4-BE49-F238E27FC236}">
-                <a16:creationId xmlns:a16="http://schemas.microsoft.com/office/drawing/2014/main" id="{F5EE5E1C-29ED-4293-8C6D-FFAEFC6DA245}"/>
-              </a:ext>
-            </a:extLst>
-          </p:cNvPr>
+          <p:cNvPr id="5" name="Footer Placeholder 4"/>
           <p:cNvSpPr>
             <a:spLocks noGrp="1"/>
           </p:cNvSpPr>
@@ -899,13 +4377,7 @@
       </p:sp>
       <p:sp>
         <p:nvSpPr>
-          <p:cNvPr id="6" name="Slide Number Placeholder 5">
-            <a:extLst>
-              <a:ext uri="{FF2B5EF4-FFF2-40B4-BE49-F238E27FC236}">
-                <a16:creationId xmlns:a16="http://schemas.microsoft.com/office/drawing/2014/main" id="{2BD8AF9B-F6B3-4D71-A2CA-3A0134158845}"/>
-              </a:ext>
-            </a:extLst>
-          </p:cNvPr>
+          <p:cNvPr id="6" name="Slide Number Placeholder 5"/>
           <p:cNvSpPr>
             <a:spLocks noGrp="1"/>
           </p:cNvSpPr>
@@ -918,7 +4390,7 @@
           <a:bodyPr/>
           <a:lstStyle/>
           <a:p>
-            <a:fld id="{0838B286-9604-4422-B5F2-367DB04C1B7A}" type="slidenum">
+            <a:fld id="{0BF716AE-35BD-432F-AD66-6EBF8C4E9BEB}" type="slidenum">
               <a:rPr lang="en-IN" smtClean="0"/>
               <a:t>‹#›</a:t>
             </a:fld>
@@ -929,7 +4401,7 @@
     </p:spTree>
     <p:extLst>
       <p:ext uri="{BB962C8B-B14F-4D97-AF65-F5344CB8AC3E}">
-        <p14:creationId xmlns:p14="http://schemas.microsoft.com/office/powerpoint/2010/main" val="3961010474"/>
+        <p14:creationId xmlns:p14="http://schemas.microsoft.com/office/powerpoint/2010/main" val="1391889343"/>
       </p:ext>
     </p:extLst>
   </p:cSld>
@@ -958,13 +4430,7 @@
       </p:grpSpPr>
       <p:sp>
         <p:nvSpPr>
-          <p:cNvPr id="2" name="Title 1">
-            <a:extLst>
-              <a:ext uri="{FF2B5EF4-FFF2-40B4-BE49-F238E27FC236}">
-                <a16:creationId xmlns:a16="http://schemas.microsoft.com/office/drawing/2014/main" id="{F39448E1-7911-4129-86B7-2D0B8593B456}"/>
-              </a:ext>
-            </a:extLst>
-          </p:cNvPr>
+          <p:cNvPr id="2" name="Title 1"/>
           <p:cNvSpPr>
             <a:spLocks noGrp="1"/>
           </p:cNvSpPr>
@@ -974,15 +4440,15 @@
         </p:nvSpPr>
         <p:spPr>
           <a:xfrm>
-            <a:off x="831850" y="1709738"/>
-            <a:ext cx="10515600" cy="2852737"/>
+            <a:off x="677335" y="2700867"/>
+            <a:ext cx="8596668" cy="1826581"/>
           </a:xfrm>
         </p:spPr>
         <p:txBody>
           <a:bodyPr anchor="b"/>
           <a:lstStyle>
-            <a:lvl1pPr>
-              <a:defRPr sz="6000"/>
+            <a:lvl1pPr algn="l">
+              <a:defRPr sz="4000" b="0" cap="none"/>
             </a:lvl1pPr>
           </a:lstStyle>
           <a:p>
@@ -990,19 +4456,13 @@
               <a:rPr lang="en-US"/>
               <a:t>Click to edit Master title style</a:t>
             </a:r>
-            <a:endParaRPr lang="en-IN"/>
-          </a:p>
-        </p:txBody>
-      </p:sp>
-      <p:sp>
-        <p:nvSpPr>
-          <p:cNvPr id="3" name="Text Placeholder 2">
-            <a:extLst>
-              <a:ext uri="{FF2B5EF4-FFF2-40B4-BE49-F238E27FC236}">
-                <a16:creationId xmlns:a16="http://schemas.microsoft.com/office/drawing/2014/main" id="{68E64793-3BA6-47B6-847E-8F7870CE9A86}"/>
-              </a:ext>
-            </a:extLst>
-          </p:cNvPr>
+            <a:endParaRPr lang="en-US" dirty="0"/>
+          </a:p>
+        </p:txBody>
+      </p:sp>
+      <p:sp>
+        <p:nvSpPr>
+          <p:cNvPr id="3" name="Text Placeholder 2"/>
           <p:cNvSpPr>
             <a:spLocks noGrp="1"/>
           </p:cNvSpPr>
@@ -1012,26 +4472,27 @@
         </p:nvSpPr>
         <p:spPr>
           <a:xfrm>
-            <a:off x="831850" y="4589463"/>
-            <a:ext cx="10515600" cy="1500187"/>
+            <a:off x="677335" y="4527448"/>
+            <a:ext cx="8596668" cy="860400"/>
           </a:xfrm>
         </p:spPr>
         <p:txBody>
-          <a:bodyPr/>
+          <a:bodyPr anchor="t"/>
           <a:lstStyle>
-            <a:lvl1pPr marL="0" indent="0">
-              <a:buNone/>
-              <a:defRPr sz="2400">
+            <a:lvl1pPr marL="0" indent="0" algn="l">
+              <a:buNone/>
+              <a:defRPr sz="2000">
                 <a:solidFill>
                   <a:schemeClr val="tx1">
-                    <a:tint val="75000"/>
+                    <a:lumMod val="50000"/>
+                    <a:lumOff val="50000"/>
                   </a:schemeClr>
                 </a:solidFill>
               </a:defRPr>
             </a:lvl1pPr>
             <a:lvl2pPr marL="457200" indent="0">
               <a:buNone/>
-              <a:defRPr sz="2000">
+              <a:defRPr sz="1800">
                 <a:solidFill>
                   <a:schemeClr val="tx1">
                     <a:tint val="75000"/>
@@ -1041,7 +4502,7 @@
             </a:lvl2pPr>
             <a:lvl3pPr marL="914400" indent="0">
               <a:buNone/>
-              <a:defRPr sz="1800">
+              <a:defRPr sz="1600">
                 <a:solidFill>
                   <a:schemeClr val="tx1">
                     <a:tint val="75000"/>
@@ -1051,7 +4512,7 @@
             </a:lvl3pPr>
             <a:lvl4pPr marL="1371600" indent="0">
               <a:buNone/>
-              <a:defRPr sz="1600">
+              <a:defRPr sz="1400">
                 <a:solidFill>
                   <a:schemeClr val="tx1">
                     <a:tint val="75000"/>
@@ -1061,7 +4522,7 @@
             </a:lvl4pPr>
             <a:lvl5pPr marL="1828800" indent="0">
               <a:buNone/>
-              <a:defRPr sz="1600">
+              <a:defRPr sz="1400">
                 <a:solidFill>
                   <a:schemeClr val="tx1">
                     <a:tint val="75000"/>
@@ -1071,7 +4532,7 @@
             </a:lvl5pPr>
             <a:lvl6pPr marL="2286000" indent="0">
               <a:buNone/>
-              <a:defRPr sz="1600">
+              <a:defRPr sz="1400">
                 <a:solidFill>
                   <a:schemeClr val="tx1">
                     <a:tint val="75000"/>
@@ -1081,7 +4542,7 @@
             </a:lvl6pPr>
             <a:lvl7pPr marL="2743200" indent="0">
               <a:buNone/>
-              <a:defRPr sz="1600">
+              <a:defRPr sz="1400">
                 <a:solidFill>
                   <a:schemeClr val="tx1">
                     <a:tint val="75000"/>
@@ -1091,7 +4552,7 @@
             </a:lvl7pPr>
             <a:lvl8pPr marL="3200400" indent="0">
               <a:buNone/>
-              <a:defRPr sz="1600">
+              <a:defRPr sz="1400">
                 <a:solidFill>
                   <a:schemeClr val="tx1">
                     <a:tint val="75000"/>
@@ -1101,7 +4562,7 @@
             </a:lvl8pPr>
             <a:lvl9pPr marL="3657600" indent="0">
               <a:buNone/>
-              <a:defRPr sz="1600">
+              <a:defRPr sz="1400">
                 <a:solidFill>
                   <a:schemeClr val="tx1">
                     <a:tint val="75000"/>
@@ -1121,13 +4582,7 @@
       </p:sp>
       <p:sp>
         <p:nvSpPr>
-          <p:cNvPr id="4" name="Date Placeholder 3">
-            <a:extLst>
-              <a:ext uri="{FF2B5EF4-FFF2-40B4-BE49-F238E27FC236}">
-                <a16:creationId xmlns:a16="http://schemas.microsoft.com/office/drawing/2014/main" id="{A032FE2E-CCDB-4093-9B24-0558996C5E01}"/>
-              </a:ext>
-            </a:extLst>
-          </p:cNvPr>
+          <p:cNvPr id="4" name="Date Placeholder 3"/>
           <p:cNvSpPr>
             <a:spLocks noGrp="1"/>
           </p:cNvSpPr>
@@ -1140,7 +4595,7 @@
           <a:bodyPr/>
           <a:lstStyle/>
           <a:p>
-            <a:fld id="{2C58F57C-0C34-416F-8BC3-5668CEDF0D07}" type="datetimeFigureOut">
+            <a:fld id="{C318855C-2999-4B66-B01B-C34BC234F170}" type="datetimeFigureOut">
               <a:rPr lang="en-IN" smtClean="0"/>
               <a:t>27-07-2018</a:t>
             </a:fld>
@@ -1150,13 +4605,7 @@
       </p:sp>
       <p:sp>
         <p:nvSpPr>
-          <p:cNvPr id="5" name="Footer Placeholder 4">
-            <a:extLst>
-              <a:ext uri="{FF2B5EF4-FFF2-40B4-BE49-F238E27FC236}">
-                <a16:creationId xmlns:a16="http://schemas.microsoft.com/office/drawing/2014/main" id="{C4E93A01-EC40-480A-B584-19547FB1C4C1}"/>
-              </a:ext>
-            </a:extLst>
-          </p:cNvPr>
+          <p:cNvPr id="5" name="Footer Placeholder 4"/>
           <p:cNvSpPr>
             <a:spLocks noGrp="1"/>
           </p:cNvSpPr>
@@ -1175,13 +4624,7 @@
       </p:sp>
       <p:sp>
         <p:nvSpPr>
-          <p:cNvPr id="6" name="Slide Number Placeholder 5">
-            <a:extLst>
-              <a:ext uri="{FF2B5EF4-FFF2-40B4-BE49-F238E27FC236}">
-                <a16:creationId xmlns:a16="http://schemas.microsoft.com/office/drawing/2014/main" id="{188C52F3-D7F3-43A9-962A-E29752BCD7BE}"/>
-              </a:ext>
-            </a:extLst>
-          </p:cNvPr>
+          <p:cNvPr id="6" name="Slide Number Placeholder 5"/>
           <p:cNvSpPr>
             <a:spLocks noGrp="1"/>
           </p:cNvSpPr>
@@ -1194,7 +4637,7 @@
           <a:bodyPr/>
           <a:lstStyle/>
           <a:p>
-            <a:fld id="{0838B286-9604-4422-B5F2-367DB04C1B7A}" type="slidenum">
+            <a:fld id="{0BF716AE-35BD-432F-AD66-6EBF8C4E9BEB}" type="slidenum">
               <a:rPr lang="en-IN" smtClean="0"/>
               <a:t>‹#›</a:t>
             </a:fld>
@@ -1205,7 +4648,7 @@
     </p:spTree>
     <p:extLst>
       <p:ext uri="{BB962C8B-B14F-4D97-AF65-F5344CB8AC3E}">
-        <p14:creationId xmlns:p14="http://schemas.microsoft.com/office/powerpoint/2010/main" val="2240316017"/>
+        <p14:creationId xmlns:p14="http://schemas.microsoft.com/office/powerpoint/2010/main" val="2568620960"/>
       </p:ext>
     </p:extLst>
   </p:cSld>
@@ -1234,13 +4677,7 @@
       </p:grpSpPr>
       <p:sp>
         <p:nvSpPr>
-          <p:cNvPr id="2" name="Title 1">
-            <a:extLst>
-              <a:ext uri="{FF2B5EF4-FFF2-40B4-BE49-F238E27FC236}">
-                <a16:creationId xmlns:a16="http://schemas.microsoft.com/office/drawing/2014/main" id="{486A4AD0-FE90-4582-9AFA-4E111518EC22}"/>
-              </a:ext>
-            </a:extLst>
-          </p:cNvPr>
+          <p:cNvPr id="2" name="Title 1"/>
           <p:cNvSpPr>
             <a:spLocks noGrp="1"/>
           </p:cNvSpPr>
@@ -1257,19 +4694,13 @@
               <a:rPr lang="en-US"/>
               <a:t>Click to edit Master title style</a:t>
             </a:r>
-            <a:endParaRPr lang="en-IN"/>
-          </a:p>
-        </p:txBody>
-      </p:sp>
-      <p:sp>
-        <p:nvSpPr>
-          <p:cNvPr id="3" name="Content Placeholder 2">
-            <a:extLst>
-              <a:ext uri="{FF2B5EF4-FFF2-40B4-BE49-F238E27FC236}">
-                <a16:creationId xmlns:a16="http://schemas.microsoft.com/office/drawing/2014/main" id="{13769667-78F8-4B07-90F1-3E861ED009E1}"/>
-              </a:ext>
-            </a:extLst>
-          </p:cNvPr>
+            <a:endParaRPr lang="en-US" dirty="0"/>
+          </a:p>
+        </p:txBody>
+      </p:sp>
+      <p:sp>
+        <p:nvSpPr>
+          <p:cNvPr id="3" name="Content Placeholder 2"/>
           <p:cNvSpPr>
             <a:spLocks noGrp="1"/>
           </p:cNvSpPr>
@@ -1279,8 +4710,8 @@
         </p:nvSpPr>
         <p:spPr>
           <a:xfrm>
-            <a:off x="838200" y="1825625"/>
-            <a:ext cx="5181600" cy="4351338"/>
+            <a:off x="677334" y="2160589"/>
+            <a:ext cx="4184035" cy="3880772"/>
           </a:xfrm>
         </p:spPr>
         <p:txBody>
@@ -1320,19 +4751,13 @@
               <a:rPr lang="en-US"/>
               <a:t>Fifth level</a:t>
             </a:r>
-            <a:endParaRPr lang="en-IN"/>
-          </a:p>
-        </p:txBody>
-      </p:sp>
-      <p:sp>
-        <p:nvSpPr>
-          <p:cNvPr id="4" name="Content Placeholder 3">
-            <a:extLst>
-              <a:ext uri="{FF2B5EF4-FFF2-40B4-BE49-F238E27FC236}">
-                <a16:creationId xmlns:a16="http://schemas.microsoft.com/office/drawing/2014/main" id="{FE874A93-E19B-43D3-8E13-06EBDB8F1EFC}"/>
-              </a:ext>
-            </a:extLst>
-          </p:cNvPr>
+            <a:endParaRPr lang="en-US" dirty="0"/>
+          </a:p>
+        </p:txBody>
+      </p:sp>
+      <p:sp>
+        <p:nvSpPr>
+          <p:cNvPr id="4" name="Content Placeholder 3"/>
           <p:cNvSpPr>
             <a:spLocks noGrp="1"/>
           </p:cNvSpPr>
@@ -1342,8 +4767,8 @@
         </p:nvSpPr>
         <p:spPr>
           <a:xfrm>
-            <a:off x="6172200" y="1825625"/>
-            <a:ext cx="5181600" cy="4351338"/>
+            <a:off x="5089970" y="2160589"/>
+            <a:ext cx="4184034" cy="3880773"/>
           </a:xfrm>
         </p:spPr>
         <p:txBody>
@@ -1383,19 +4808,13 @@
               <a:rPr lang="en-US"/>
               <a:t>Fifth level</a:t>
             </a:r>
-            <a:endParaRPr lang="en-IN"/>
-          </a:p>
-        </p:txBody>
-      </p:sp>
-      <p:sp>
-        <p:nvSpPr>
-          <p:cNvPr id="5" name="Date Placeholder 4">
-            <a:extLst>
-              <a:ext uri="{FF2B5EF4-FFF2-40B4-BE49-F238E27FC236}">
-                <a16:creationId xmlns:a16="http://schemas.microsoft.com/office/drawing/2014/main" id="{BDBB27BD-7928-4F1A-A4FB-D631A3FC4331}"/>
-              </a:ext>
-            </a:extLst>
-          </p:cNvPr>
+            <a:endParaRPr lang="en-US" dirty="0"/>
+          </a:p>
+        </p:txBody>
+      </p:sp>
+      <p:sp>
+        <p:nvSpPr>
+          <p:cNvPr id="5" name="Date Placeholder 4"/>
           <p:cNvSpPr>
             <a:spLocks noGrp="1"/>
           </p:cNvSpPr>
@@ -1408,7 +4827,7 @@
           <a:bodyPr/>
           <a:lstStyle/>
           <a:p>
-            <a:fld id="{2C58F57C-0C34-416F-8BC3-5668CEDF0D07}" type="datetimeFigureOut">
+            <a:fld id="{C318855C-2999-4B66-B01B-C34BC234F170}" type="datetimeFigureOut">
               <a:rPr lang="en-IN" smtClean="0"/>
               <a:t>27-07-2018</a:t>
             </a:fld>
@@ -1418,13 +4837,7 @@
       </p:sp>
       <p:sp>
         <p:nvSpPr>
-          <p:cNvPr id="6" name="Footer Placeholder 5">
-            <a:extLst>
-              <a:ext uri="{FF2B5EF4-FFF2-40B4-BE49-F238E27FC236}">
-                <a16:creationId xmlns:a16="http://schemas.microsoft.com/office/drawing/2014/main" id="{5F2603D9-74D1-4403-BC32-E5E0B41371F7}"/>
-              </a:ext>
-            </a:extLst>
-          </p:cNvPr>
+          <p:cNvPr id="6" name="Footer Placeholder 5"/>
           <p:cNvSpPr>
             <a:spLocks noGrp="1"/>
           </p:cNvSpPr>
@@ -1443,13 +4856,7 @@
       </p:sp>
       <p:sp>
         <p:nvSpPr>
-          <p:cNvPr id="7" name="Slide Number Placeholder 6">
-            <a:extLst>
-              <a:ext uri="{FF2B5EF4-FFF2-40B4-BE49-F238E27FC236}">
-                <a16:creationId xmlns:a16="http://schemas.microsoft.com/office/drawing/2014/main" id="{5D74F3FB-BB30-4E92-9741-04A273ED42C0}"/>
-              </a:ext>
-            </a:extLst>
-          </p:cNvPr>
+          <p:cNvPr id="7" name="Slide Number Placeholder 6"/>
           <p:cNvSpPr>
             <a:spLocks noGrp="1"/>
           </p:cNvSpPr>
@@ -1462,7 +4869,7 @@
           <a:bodyPr/>
           <a:lstStyle/>
           <a:p>
-            <a:fld id="{0838B286-9604-4422-B5F2-367DB04C1B7A}" type="slidenum">
+            <a:fld id="{0BF716AE-35BD-432F-AD66-6EBF8C4E9BEB}" type="slidenum">
               <a:rPr lang="en-IN" smtClean="0"/>
               <a:t>‹#›</a:t>
             </a:fld>
@@ -1473,7 +4880,7 @@
     </p:spTree>
     <p:extLst>
       <p:ext uri="{BB962C8B-B14F-4D97-AF65-F5344CB8AC3E}">
-        <p14:creationId xmlns:p14="http://schemas.microsoft.com/office/powerpoint/2010/main" val="3584411517"/>
+        <p14:creationId xmlns:p14="http://schemas.microsoft.com/office/powerpoint/2010/main" val="1146264453"/>
       </p:ext>
     </p:extLst>
   </p:cSld>
@@ -1502,66 +4909,55 @@
       </p:grpSpPr>
       <p:sp>
         <p:nvSpPr>
-          <p:cNvPr id="2" name="Title 1">
-            <a:extLst>
-              <a:ext uri="{FF2B5EF4-FFF2-40B4-BE49-F238E27FC236}">
-                <a16:creationId xmlns:a16="http://schemas.microsoft.com/office/drawing/2014/main" id="{4DEE9F34-B6E2-4C04-BD82-A7263B8D26BB}"/>
-              </a:ext>
-            </a:extLst>
-          </p:cNvPr>
+          <p:cNvPr id="2" name="Title 1"/>
           <p:cNvSpPr>
             <a:spLocks noGrp="1"/>
           </p:cNvSpPr>
           <p:nvPr>
             <p:ph type="title"/>
+          </p:nvPr>
+        </p:nvSpPr>
+        <p:spPr/>
+        <p:txBody>
+          <a:bodyPr/>
+          <a:lstStyle>
+            <a:lvl1pPr>
+              <a:defRPr/>
+            </a:lvl1pPr>
+          </a:lstStyle>
+          <a:p>
+            <a:r>
+              <a:rPr lang="en-US"/>
+              <a:t>Click to edit Master title style</a:t>
+            </a:r>
+            <a:endParaRPr lang="en-US" dirty="0"/>
+          </a:p>
+        </p:txBody>
+      </p:sp>
+      <p:sp>
+        <p:nvSpPr>
+          <p:cNvPr id="3" name="Text Placeholder 2"/>
+          <p:cNvSpPr>
+            <a:spLocks noGrp="1"/>
+          </p:cNvSpPr>
+          <p:nvPr>
+            <p:ph type="body" idx="1"/>
           </p:nvPr>
         </p:nvSpPr>
         <p:spPr>
           <a:xfrm>
-            <a:off x="839788" y="365125"/>
-            <a:ext cx="10515600" cy="1325563"/>
+            <a:off x="675745" y="2160983"/>
+            <a:ext cx="4185623" cy="576262"/>
           </a:xfrm>
         </p:spPr>
         <p:txBody>
-          <a:bodyPr/>
-          <a:lstStyle/>
-          <a:p>
-            <a:r>
-              <a:rPr lang="en-US"/>
-              <a:t>Click to edit Master title style</a:t>
-            </a:r>
-            <a:endParaRPr lang="en-IN"/>
-          </a:p>
-        </p:txBody>
-      </p:sp>
-      <p:sp>
-        <p:nvSpPr>
-          <p:cNvPr id="3" name="Text Placeholder 2">
-            <a:extLst>
-              <a:ext uri="{FF2B5EF4-FFF2-40B4-BE49-F238E27FC236}">
-                <a16:creationId xmlns:a16="http://schemas.microsoft.com/office/drawing/2014/main" id="{0C3B44E8-D30D-4D61-B394-B87980C8BD6B}"/>
-              </a:ext>
-            </a:extLst>
-          </p:cNvPr>
-          <p:cNvSpPr>
-            <a:spLocks noGrp="1"/>
-          </p:cNvSpPr>
-          <p:nvPr>
-            <p:ph type="body" idx="1"/>
-          </p:nvPr>
-        </p:nvSpPr>
-        <p:spPr>
-          <a:xfrm>
-            <a:off x="839788" y="1681163"/>
-            <a:ext cx="5157787" cy="823912"/>
-          </a:xfrm>
-        </p:spPr>
-        <p:txBody>
-          <a:bodyPr anchor="b"/>
+          <a:bodyPr anchor="b">
+            <a:noAutofit/>
+          </a:bodyPr>
           <a:lstStyle>
             <a:lvl1pPr marL="0" indent="0">
               <a:buNone/>
-              <a:defRPr sz="2400" b="1"/>
+              <a:defRPr sz="2400" b="0"/>
             </a:lvl1pPr>
             <a:lvl2pPr marL="457200" indent="0">
               <a:buNone/>
@@ -1607,13 +5003,7 @@
       </p:sp>
       <p:sp>
         <p:nvSpPr>
-          <p:cNvPr id="4" name="Content Placeholder 3">
-            <a:extLst>
-              <a:ext uri="{FF2B5EF4-FFF2-40B4-BE49-F238E27FC236}">
-                <a16:creationId xmlns:a16="http://schemas.microsoft.com/office/drawing/2014/main" id="{36A161D6-C0CA-4877-AC5B-58D80934C78C}"/>
-              </a:ext>
-            </a:extLst>
-          </p:cNvPr>
+          <p:cNvPr id="4" name="Content Placeholder 3"/>
           <p:cNvSpPr>
             <a:spLocks noGrp="1"/>
           </p:cNvSpPr>
@@ -1623,12 +5013,14 @@
         </p:nvSpPr>
         <p:spPr>
           <a:xfrm>
-            <a:off x="839788" y="2505075"/>
-            <a:ext cx="5157787" cy="3684588"/>
+            <a:off x="675745" y="2737245"/>
+            <a:ext cx="4185623" cy="3304117"/>
           </a:xfrm>
         </p:spPr>
         <p:txBody>
-          <a:bodyPr/>
+          <a:bodyPr>
+            <a:normAutofit/>
+          </a:bodyPr>
           <a:lstStyle/>
           <a:p>
             <a:pPr lvl="0"/>
@@ -1664,19 +5056,13 @@
               <a:rPr lang="en-US"/>
               <a:t>Fifth level</a:t>
             </a:r>
-            <a:endParaRPr lang="en-IN"/>
-          </a:p>
-        </p:txBody>
-      </p:sp>
-      <p:sp>
-        <p:nvSpPr>
-          <p:cNvPr id="5" name="Text Placeholder 4">
-            <a:extLst>
-              <a:ext uri="{FF2B5EF4-FFF2-40B4-BE49-F238E27FC236}">
-                <a16:creationId xmlns:a16="http://schemas.microsoft.com/office/drawing/2014/main" id="{C9F771B2-A473-4EAB-9D77-F439158AA6FF}"/>
-              </a:ext>
-            </a:extLst>
-          </p:cNvPr>
+            <a:endParaRPr lang="en-US" dirty="0"/>
+          </a:p>
+        </p:txBody>
+      </p:sp>
+      <p:sp>
+        <p:nvSpPr>
+          <p:cNvPr id="5" name="Text Placeholder 4"/>
           <p:cNvSpPr>
             <a:spLocks noGrp="1"/>
           </p:cNvSpPr>
@@ -1686,16 +5072,18 @@
         </p:nvSpPr>
         <p:spPr>
           <a:xfrm>
-            <a:off x="6172200" y="1681163"/>
-            <a:ext cx="5183188" cy="823912"/>
+            <a:off x="5088383" y="2160983"/>
+            <a:ext cx="4185618" cy="576262"/>
           </a:xfrm>
         </p:spPr>
         <p:txBody>
-          <a:bodyPr anchor="b"/>
+          <a:bodyPr anchor="b">
+            <a:noAutofit/>
+          </a:bodyPr>
           <a:lstStyle>
             <a:lvl1pPr marL="0" indent="0">
               <a:buNone/>
-              <a:defRPr sz="2400" b="1"/>
+              <a:defRPr sz="2400" b="0"/>
             </a:lvl1pPr>
             <a:lvl2pPr marL="457200" indent="0">
               <a:buNone/>
@@ -1741,13 +5129,7 @@
       </p:sp>
       <p:sp>
         <p:nvSpPr>
-          <p:cNvPr id="6" name="Content Placeholder 5">
-            <a:extLst>
-              <a:ext uri="{FF2B5EF4-FFF2-40B4-BE49-F238E27FC236}">
-                <a16:creationId xmlns:a16="http://schemas.microsoft.com/office/drawing/2014/main" id="{9BB39EF9-D213-4A73-9132-2FAFDB44B80A}"/>
-              </a:ext>
-            </a:extLst>
-          </p:cNvPr>
+          <p:cNvPr id="6" name="Content Placeholder 5"/>
           <p:cNvSpPr>
             <a:spLocks noGrp="1"/>
           </p:cNvSpPr>
@@ -1757,12 +5139,14 @@
         </p:nvSpPr>
         <p:spPr>
           <a:xfrm>
-            <a:off x="6172200" y="2505075"/>
-            <a:ext cx="5183188" cy="3684588"/>
+            <a:off x="5088384" y="2737245"/>
+            <a:ext cx="4185617" cy="3304117"/>
           </a:xfrm>
         </p:spPr>
         <p:txBody>
-          <a:bodyPr/>
+          <a:bodyPr>
+            <a:normAutofit/>
+          </a:bodyPr>
           <a:lstStyle/>
           <a:p>
             <a:pPr lvl="0"/>
@@ -1798,19 +5182,13 @@
               <a:rPr lang="en-US"/>
               <a:t>Fifth level</a:t>
             </a:r>
-            <a:endParaRPr lang="en-IN"/>
-          </a:p>
-        </p:txBody>
-      </p:sp>
-      <p:sp>
-        <p:nvSpPr>
-          <p:cNvPr id="7" name="Date Placeholder 6">
-            <a:extLst>
-              <a:ext uri="{FF2B5EF4-FFF2-40B4-BE49-F238E27FC236}">
-                <a16:creationId xmlns:a16="http://schemas.microsoft.com/office/drawing/2014/main" id="{3DCD242E-ACCC-47D4-9FA0-CCCB81F9C653}"/>
-              </a:ext>
-            </a:extLst>
-          </p:cNvPr>
+            <a:endParaRPr lang="en-US" dirty="0"/>
+          </a:p>
+        </p:txBody>
+      </p:sp>
+      <p:sp>
+        <p:nvSpPr>
+          <p:cNvPr id="7" name="Date Placeholder 6"/>
           <p:cNvSpPr>
             <a:spLocks noGrp="1"/>
           </p:cNvSpPr>
@@ -1823,7 +5201,7 @@
           <a:bodyPr/>
           <a:lstStyle/>
           <a:p>
-            <a:fld id="{2C58F57C-0C34-416F-8BC3-5668CEDF0D07}" type="datetimeFigureOut">
+            <a:fld id="{C318855C-2999-4B66-B01B-C34BC234F170}" type="datetimeFigureOut">
               <a:rPr lang="en-IN" smtClean="0"/>
               <a:t>27-07-2018</a:t>
             </a:fld>
@@ -1833,13 +5211,7 @@
       </p:sp>
       <p:sp>
         <p:nvSpPr>
-          <p:cNvPr id="8" name="Footer Placeholder 7">
-            <a:extLst>
-              <a:ext uri="{FF2B5EF4-FFF2-40B4-BE49-F238E27FC236}">
-                <a16:creationId xmlns:a16="http://schemas.microsoft.com/office/drawing/2014/main" id="{DADDA021-32F7-4D7A-88F5-12FE52945482}"/>
-              </a:ext>
-            </a:extLst>
-          </p:cNvPr>
+          <p:cNvPr id="8" name="Footer Placeholder 7"/>
           <p:cNvSpPr>
             <a:spLocks noGrp="1"/>
           </p:cNvSpPr>
@@ -1858,13 +5230,7 @@
       </p:sp>
       <p:sp>
         <p:nvSpPr>
-          <p:cNvPr id="9" name="Slide Number Placeholder 8">
-            <a:extLst>
-              <a:ext uri="{FF2B5EF4-FFF2-40B4-BE49-F238E27FC236}">
-                <a16:creationId xmlns:a16="http://schemas.microsoft.com/office/drawing/2014/main" id="{67F54E1C-CB5B-470A-8EE7-6E6A6961F5B0}"/>
-              </a:ext>
-            </a:extLst>
-          </p:cNvPr>
+          <p:cNvPr id="9" name="Slide Number Placeholder 8"/>
           <p:cNvSpPr>
             <a:spLocks noGrp="1"/>
           </p:cNvSpPr>
@@ -1877,7 +5243,7 @@
           <a:bodyPr/>
           <a:lstStyle/>
           <a:p>
-            <a:fld id="{0838B286-9604-4422-B5F2-367DB04C1B7A}" type="slidenum">
+            <a:fld id="{0BF716AE-35BD-432F-AD66-6EBF8C4E9BEB}" type="slidenum">
               <a:rPr lang="en-IN" smtClean="0"/>
               <a:t>‹#›</a:t>
             </a:fld>
@@ -1888,7 +5254,7 @@
     </p:spTree>
     <p:extLst>
       <p:ext uri="{BB962C8B-B14F-4D97-AF65-F5344CB8AC3E}">
-        <p14:creationId xmlns:p14="http://schemas.microsoft.com/office/powerpoint/2010/main" val="2910627989"/>
+        <p14:creationId xmlns:p14="http://schemas.microsoft.com/office/powerpoint/2010/main" val="2851891088"/>
       </p:ext>
     </p:extLst>
   </p:cSld>
@@ -1917,13 +5283,7 @@
       </p:grpSpPr>
       <p:sp>
         <p:nvSpPr>
-          <p:cNvPr id="2" name="Title 1">
-            <a:extLst>
-              <a:ext uri="{FF2B5EF4-FFF2-40B4-BE49-F238E27FC236}">
-                <a16:creationId xmlns:a16="http://schemas.microsoft.com/office/drawing/2014/main" id="{7E3B4CD6-3275-46F2-9335-0CBECA2894F5}"/>
-              </a:ext>
-            </a:extLst>
-          </p:cNvPr>
+          <p:cNvPr id="2" name="Title 1"/>
           <p:cNvSpPr>
             <a:spLocks noGrp="1"/>
           </p:cNvSpPr>
@@ -1931,7 +5291,12 @@
             <p:ph type="title"/>
           </p:nvPr>
         </p:nvSpPr>
-        <p:spPr/>
+        <p:spPr>
+          <a:xfrm>
+            <a:off x="677334" y="609600"/>
+            <a:ext cx="8596668" cy="1320800"/>
+          </a:xfrm>
+        </p:spPr>
         <p:txBody>
           <a:bodyPr/>
           <a:lstStyle/>
@@ -1940,19 +5305,13 @@
               <a:rPr lang="en-US"/>
               <a:t>Click to edit Master title style</a:t>
             </a:r>
-            <a:endParaRPr lang="en-IN"/>
-          </a:p>
-        </p:txBody>
-      </p:sp>
-      <p:sp>
-        <p:nvSpPr>
-          <p:cNvPr id="3" name="Date Placeholder 2">
-            <a:extLst>
-              <a:ext uri="{FF2B5EF4-FFF2-40B4-BE49-F238E27FC236}">
-                <a16:creationId xmlns:a16="http://schemas.microsoft.com/office/drawing/2014/main" id="{72679E24-0B51-4478-AA1A-73E0E97E8519}"/>
-              </a:ext>
-            </a:extLst>
-          </p:cNvPr>
+            <a:endParaRPr lang="en-US" dirty="0"/>
+          </a:p>
+        </p:txBody>
+      </p:sp>
+      <p:sp>
+        <p:nvSpPr>
+          <p:cNvPr id="3" name="Date Placeholder 2"/>
           <p:cNvSpPr>
             <a:spLocks noGrp="1"/>
           </p:cNvSpPr>
@@ -1965,7 +5324,7 @@
           <a:bodyPr/>
           <a:lstStyle/>
           <a:p>
-            <a:fld id="{2C58F57C-0C34-416F-8BC3-5668CEDF0D07}" type="datetimeFigureOut">
+            <a:fld id="{C318855C-2999-4B66-B01B-C34BC234F170}" type="datetimeFigureOut">
               <a:rPr lang="en-IN" smtClean="0"/>
               <a:t>27-07-2018</a:t>
             </a:fld>
@@ -1975,13 +5334,7 @@
       </p:sp>
       <p:sp>
         <p:nvSpPr>
-          <p:cNvPr id="4" name="Footer Placeholder 3">
-            <a:extLst>
-              <a:ext uri="{FF2B5EF4-FFF2-40B4-BE49-F238E27FC236}">
-                <a16:creationId xmlns:a16="http://schemas.microsoft.com/office/drawing/2014/main" id="{D92C400C-273F-4AB7-BC1C-578A5C52DC49}"/>
-              </a:ext>
-            </a:extLst>
-          </p:cNvPr>
+          <p:cNvPr id="4" name="Footer Placeholder 3"/>
           <p:cNvSpPr>
             <a:spLocks noGrp="1"/>
           </p:cNvSpPr>
@@ -2000,13 +5353,7 @@
       </p:sp>
       <p:sp>
         <p:nvSpPr>
-          <p:cNvPr id="5" name="Slide Number Placeholder 4">
-            <a:extLst>
-              <a:ext uri="{FF2B5EF4-FFF2-40B4-BE49-F238E27FC236}">
-                <a16:creationId xmlns:a16="http://schemas.microsoft.com/office/drawing/2014/main" id="{0BC00BAF-79D8-497F-BAB8-A44A85DD6E68}"/>
-              </a:ext>
-            </a:extLst>
-          </p:cNvPr>
+          <p:cNvPr id="5" name="Slide Number Placeholder 4"/>
           <p:cNvSpPr>
             <a:spLocks noGrp="1"/>
           </p:cNvSpPr>
@@ -2019,7 +5366,7 @@
           <a:bodyPr/>
           <a:lstStyle/>
           <a:p>
-            <a:fld id="{0838B286-9604-4422-B5F2-367DB04C1B7A}" type="slidenum">
+            <a:fld id="{0BF716AE-35BD-432F-AD66-6EBF8C4E9BEB}" type="slidenum">
               <a:rPr lang="en-IN" smtClean="0"/>
               <a:t>‹#›</a:t>
             </a:fld>
@@ -2030,7 +5377,7 @@
     </p:spTree>
     <p:extLst>
       <p:ext uri="{BB962C8B-B14F-4D97-AF65-F5344CB8AC3E}">
-        <p14:creationId xmlns:p14="http://schemas.microsoft.com/office/powerpoint/2010/main" val="1015005271"/>
+        <p14:creationId xmlns:p14="http://schemas.microsoft.com/office/powerpoint/2010/main" val="3042467228"/>
       </p:ext>
     </p:extLst>
   </p:cSld>
@@ -2059,13 +5406,7 @@
       </p:grpSpPr>
       <p:sp>
         <p:nvSpPr>
-          <p:cNvPr id="2" name="Date Placeholder 1">
-            <a:extLst>
-              <a:ext uri="{FF2B5EF4-FFF2-40B4-BE49-F238E27FC236}">
-                <a16:creationId xmlns:a16="http://schemas.microsoft.com/office/drawing/2014/main" id="{F36BBD09-E4FD-40EB-9C08-25BF443E1F25}"/>
-              </a:ext>
-            </a:extLst>
-          </p:cNvPr>
+          <p:cNvPr id="2" name="Date Placeholder 1"/>
           <p:cNvSpPr>
             <a:spLocks noGrp="1"/>
           </p:cNvSpPr>
@@ -2078,7 +5419,7 @@
           <a:bodyPr/>
           <a:lstStyle/>
           <a:p>
-            <a:fld id="{2C58F57C-0C34-416F-8BC3-5668CEDF0D07}" type="datetimeFigureOut">
+            <a:fld id="{C318855C-2999-4B66-B01B-C34BC234F170}" type="datetimeFigureOut">
               <a:rPr lang="en-IN" smtClean="0"/>
               <a:t>27-07-2018</a:t>
             </a:fld>
@@ -2088,13 +5429,7 @@
       </p:sp>
       <p:sp>
         <p:nvSpPr>
-          <p:cNvPr id="3" name="Footer Placeholder 2">
-            <a:extLst>
-              <a:ext uri="{FF2B5EF4-FFF2-40B4-BE49-F238E27FC236}">
-                <a16:creationId xmlns:a16="http://schemas.microsoft.com/office/drawing/2014/main" id="{F0494665-5A5A-4F55-B6A3-89E50CC84E12}"/>
-              </a:ext>
-            </a:extLst>
-          </p:cNvPr>
+          <p:cNvPr id="3" name="Footer Placeholder 2"/>
           <p:cNvSpPr>
             <a:spLocks noGrp="1"/>
           </p:cNvSpPr>
@@ -2113,13 +5448,7 @@
       </p:sp>
       <p:sp>
         <p:nvSpPr>
-          <p:cNvPr id="4" name="Slide Number Placeholder 3">
-            <a:extLst>
-              <a:ext uri="{FF2B5EF4-FFF2-40B4-BE49-F238E27FC236}">
-                <a16:creationId xmlns:a16="http://schemas.microsoft.com/office/drawing/2014/main" id="{B3D028A9-7CF4-48FD-984F-134828B07174}"/>
-              </a:ext>
-            </a:extLst>
-          </p:cNvPr>
+          <p:cNvPr id="4" name="Slide Number Placeholder 3"/>
           <p:cNvSpPr>
             <a:spLocks noGrp="1"/>
           </p:cNvSpPr>
@@ -2132,7 +5461,7 @@
           <a:bodyPr/>
           <a:lstStyle/>
           <a:p>
-            <a:fld id="{0838B286-9604-4422-B5F2-367DB04C1B7A}" type="slidenum">
+            <a:fld id="{0BF716AE-35BD-432F-AD66-6EBF8C4E9BEB}" type="slidenum">
               <a:rPr lang="en-IN" smtClean="0"/>
               <a:t>‹#›</a:t>
             </a:fld>
@@ -2143,13 +5472,18 @@
     </p:spTree>
     <p:extLst>
       <p:ext uri="{BB962C8B-B14F-4D97-AF65-F5344CB8AC3E}">
-        <p14:creationId xmlns:p14="http://schemas.microsoft.com/office/powerpoint/2010/main" val="2894062487"/>
+        <p14:creationId xmlns:p14="http://schemas.microsoft.com/office/powerpoint/2010/main" val="703226429"/>
       </p:ext>
     </p:extLst>
   </p:cSld>
   <p:clrMapOvr>
     <a:masterClrMapping/>
   </p:clrMapOvr>
+  <p:extLst>
+    <p:ext uri="{DCECCB84-F9BA-43D5-87BE-67443E8EF086}">
+      <p15:sldGuideLst xmlns:p15="http://schemas.microsoft.com/office/powerpoint/2012/main"/>
+    </p:ext>
+  </p:extLst>
 </p:sldLayout>
 </file>
 
@@ -2172,13 +5506,7 @@
       </p:grpSpPr>
       <p:sp>
         <p:nvSpPr>
-          <p:cNvPr id="2" name="Title 1">
-            <a:extLst>
-              <a:ext uri="{FF2B5EF4-FFF2-40B4-BE49-F238E27FC236}">
-                <a16:creationId xmlns:a16="http://schemas.microsoft.com/office/drawing/2014/main" id="{BEB4779F-6C81-4FFF-9C67-6920C2A35BF4}"/>
-              </a:ext>
-            </a:extLst>
-          </p:cNvPr>
+          <p:cNvPr id="2" name="Title 1"/>
           <p:cNvSpPr>
             <a:spLocks noGrp="1"/>
           </p:cNvSpPr>
@@ -2188,15 +5516,17 @@
         </p:nvSpPr>
         <p:spPr>
           <a:xfrm>
-            <a:off x="839788" y="457200"/>
-            <a:ext cx="3932237" cy="1600200"/>
+            <a:off x="677334" y="1498604"/>
+            <a:ext cx="3854528" cy="1278466"/>
           </a:xfrm>
         </p:spPr>
         <p:txBody>
-          <a:bodyPr anchor="b"/>
+          <a:bodyPr anchor="b">
+            <a:normAutofit/>
+          </a:bodyPr>
           <a:lstStyle>
             <a:lvl1pPr>
-              <a:defRPr sz="3200"/>
+              <a:defRPr sz="2000"/>
             </a:lvl1pPr>
           </a:lstStyle>
           <a:p>
@@ -2204,19 +5534,13 @@
               <a:rPr lang="en-US"/>
               <a:t>Click to edit Master title style</a:t>
             </a:r>
-            <a:endParaRPr lang="en-IN"/>
-          </a:p>
-        </p:txBody>
-      </p:sp>
-      <p:sp>
-        <p:nvSpPr>
-          <p:cNvPr id="3" name="Content Placeholder 2">
-            <a:extLst>
-              <a:ext uri="{FF2B5EF4-FFF2-40B4-BE49-F238E27FC236}">
-                <a16:creationId xmlns:a16="http://schemas.microsoft.com/office/drawing/2014/main" id="{BF3084A7-F4D4-41D8-9A79-3ACA9946D805}"/>
-              </a:ext>
-            </a:extLst>
-          </p:cNvPr>
+            <a:endParaRPr lang="en-US" dirty="0"/>
+          </a:p>
+        </p:txBody>
+      </p:sp>
+      <p:sp>
+        <p:nvSpPr>
+          <p:cNvPr id="3" name="Content Placeholder 2"/>
           <p:cNvSpPr>
             <a:spLocks noGrp="1"/>
           </p:cNvSpPr>
@@ -2226,41 +5550,15 @@
         </p:nvSpPr>
         <p:spPr>
           <a:xfrm>
-            <a:off x="5183188" y="987425"/>
-            <a:ext cx="6172200" cy="4873625"/>
+            <a:off x="4760461" y="514924"/>
+            <a:ext cx="4513541" cy="5526437"/>
           </a:xfrm>
         </p:spPr>
         <p:txBody>
-          <a:bodyPr/>
-          <a:lstStyle>
-            <a:lvl1pPr>
-              <a:defRPr sz="3200"/>
-            </a:lvl1pPr>
-            <a:lvl2pPr>
-              <a:defRPr sz="2800"/>
-            </a:lvl2pPr>
-            <a:lvl3pPr>
-              <a:defRPr sz="2400"/>
-            </a:lvl3pPr>
-            <a:lvl4pPr>
-              <a:defRPr sz="2000"/>
-            </a:lvl4pPr>
-            <a:lvl5pPr>
-              <a:defRPr sz="2000"/>
-            </a:lvl5pPr>
-            <a:lvl6pPr>
-              <a:defRPr sz="2000"/>
-            </a:lvl6pPr>
-            <a:lvl7pPr>
-              <a:defRPr sz="2000"/>
-            </a:lvl7pPr>
-            <a:lvl8pPr>
-              <a:defRPr sz="2000"/>
-            </a:lvl8pPr>
-            <a:lvl9pPr>
-              <a:defRPr sz="2000"/>
-            </a:lvl9pPr>
-          </a:lstStyle>
+          <a:bodyPr>
+            <a:normAutofit/>
+          </a:bodyPr>
+          <a:lstStyle/>
           <a:p>
             <a:pPr lvl="0"/>
             <a:r>
@@ -2295,19 +5593,13 @@
               <a:rPr lang="en-US"/>
               <a:t>Fifth level</a:t>
             </a:r>
-            <a:endParaRPr lang="en-IN"/>
-          </a:p>
-        </p:txBody>
-      </p:sp>
-      <p:sp>
-        <p:nvSpPr>
-          <p:cNvPr id="4" name="Text Placeholder 3">
-            <a:extLst>
-              <a:ext uri="{FF2B5EF4-FFF2-40B4-BE49-F238E27FC236}">
-                <a16:creationId xmlns:a16="http://schemas.microsoft.com/office/drawing/2014/main" id="{07ED4899-15E2-4AB2-B8AF-64AA09380998}"/>
-              </a:ext>
-            </a:extLst>
-          </p:cNvPr>
+            <a:endParaRPr lang="en-US" dirty="0"/>
+          </a:p>
+        </p:txBody>
+      </p:sp>
+      <p:sp>
+        <p:nvSpPr>
+          <p:cNvPr id="4" name="Text Placeholder 3"/>
           <p:cNvSpPr>
             <a:spLocks noGrp="1"/>
           </p:cNvSpPr>
@@ -2317,46 +5609,48 @@
         </p:nvSpPr>
         <p:spPr>
           <a:xfrm>
-            <a:off x="839788" y="2057400"/>
-            <a:ext cx="3932237" cy="3811588"/>
+            <a:off x="677334" y="2777069"/>
+            <a:ext cx="3854528" cy="2584449"/>
           </a:xfrm>
         </p:spPr>
         <p:txBody>
-          <a:bodyPr/>
+          <a:bodyPr>
+            <a:normAutofit/>
+          </a:bodyPr>
           <a:lstStyle>
             <a:lvl1pPr marL="0" indent="0">
               <a:buNone/>
-              <a:defRPr sz="1600"/>
+              <a:defRPr sz="1400"/>
             </a:lvl1pPr>
-            <a:lvl2pPr marL="457200" indent="0">
+            <a:lvl2pPr marL="457063" indent="0">
               <a:buNone/>
               <a:defRPr sz="1400"/>
             </a:lvl2pPr>
-            <a:lvl3pPr marL="914400" indent="0">
+            <a:lvl3pPr marL="914126" indent="0">
               <a:buNone/>
               <a:defRPr sz="1200"/>
             </a:lvl3pPr>
-            <a:lvl4pPr marL="1371600" indent="0">
+            <a:lvl4pPr marL="1371189" indent="0">
               <a:buNone/>
               <a:defRPr sz="1000"/>
             </a:lvl4pPr>
-            <a:lvl5pPr marL="1828800" indent="0">
+            <a:lvl5pPr marL="1828251" indent="0">
               <a:buNone/>
               <a:defRPr sz="1000"/>
             </a:lvl5pPr>
-            <a:lvl6pPr marL="2286000" indent="0">
+            <a:lvl6pPr marL="2285314" indent="0">
               <a:buNone/>
               <a:defRPr sz="1000"/>
             </a:lvl6pPr>
-            <a:lvl7pPr marL="2743200" indent="0">
+            <a:lvl7pPr marL="2742377" indent="0">
               <a:buNone/>
               <a:defRPr sz="1000"/>
             </a:lvl7pPr>
-            <a:lvl8pPr marL="3200400" indent="0">
+            <a:lvl8pPr marL="3199440" indent="0">
               <a:buNone/>
               <a:defRPr sz="1000"/>
             </a:lvl8pPr>
-            <a:lvl9pPr marL="3657600" indent="0">
+            <a:lvl9pPr marL="3656503" indent="0">
               <a:buNone/>
               <a:defRPr sz="1000"/>
             </a:lvl9pPr>
@@ -2372,13 +5666,7 @@
       </p:sp>
       <p:sp>
         <p:nvSpPr>
-          <p:cNvPr id="5" name="Date Placeholder 4">
-            <a:extLst>
-              <a:ext uri="{FF2B5EF4-FFF2-40B4-BE49-F238E27FC236}">
-                <a16:creationId xmlns:a16="http://schemas.microsoft.com/office/drawing/2014/main" id="{D3E71F80-C3B5-4C5B-BD5D-9A9ADF5A8161}"/>
-              </a:ext>
-            </a:extLst>
-          </p:cNvPr>
+          <p:cNvPr id="5" name="Date Placeholder 4"/>
           <p:cNvSpPr>
             <a:spLocks noGrp="1"/>
           </p:cNvSpPr>
@@ -2391,7 +5679,7 @@
           <a:bodyPr/>
           <a:lstStyle/>
           <a:p>
-            <a:fld id="{2C58F57C-0C34-416F-8BC3-5668CEDF0D07}" type="datetimeFigureOut">
+            <a:fld id="{C318855C-2999-4B66-B01B-C34BC234F170}" type="datetimeFigureOut">
               <a:rPr lang="en-IN" smtClean="0"/>
               <a:t>27-07-2018</a:t>
             </a:fld>
@@ -2401,13 +5689,7 @@
       </p:sp>
       <p:sp>
         <p:nvSpPr>
-          <p:cNvPr id="6" name="Footer Placeholder 5">
-            <a:extLst>
-              <a:ext uri="{FF2B5EF4-FFF2-40B4-BE49-F238E27FC236}">
-                <a16:creationId xmlns:a16="http://schemas.microsoft.com/office/drawing/2014/main" id="{A48CECA8-C018-41E8-84CA-58D03B53707A}"/>
-              </a:ext>
-            </a:extLst>
-          </p:cNvPr>
+          <p:cNvPr id="6" name="Footer Placeholder 5"/>
           <p:cNvSpPr>
             <a:spLocks noGrp="1"/>
           </p:cNvSpPr>
@@ -2426,13 +5708,7 @@
       </p:sp>
       <p:sp>
         <p:nvSpPr>
-          <p:cNvPr id="7" name="Slide Number Placeholder 6">
-            <a:extLst>
-              <a:ext uri="{FF2B5EF4-FFF2-40B4-BE49-F238E27FC236}">
-                <a16:creationId xmlns:a16="http://schemas.microsoft.com/office/drawing/2014/main" id="{443223A9-643B-4DF3-84EA-2A662512C3D1}"/>
-              </a:ext>
-            </a:extLst>
-          </p:cNvPr>
+          <p:cNvPr id="7" name="Slide Number Placeholder 6"/>
           <p:cNvSpPr>
             <a:spLocks noGrp="1"/>
           </p:cNvSpPr>
@@ -2445,7 +5721,7 @@
           <a:bodyPr/>
           <a:lstStyle/>
           <a:p>
-            <a:fld id="{0838B286-9604-4422-B5F2-367DB04C1B7A}" type="slidenum">
+            <a:fld id="{0BF716AE-35BD-432F-AD66-6EBF8C4E9BEB}" type="slidenum">
               <a:rPr lang="en-IN" smtClean="0"/>
               <a:t>‹#›</a:t>
             </a:fld>
@@ -2456,13 +5732,18 @@
     </p:spTree>
     <p:extLst>
       <p:ext uri="{BB962C8B-B14F-4D97-AF65-F5344CB8AC3E}">
-        <p14:creationId xmlns:p14="http://schemas.microsoft.com/office/powerpoint/2010/main" val="2808703158"/>
+        <p14:creationId xmlns:p14="http://schemas.microsoft.com/office/powerpoint/2010/main" val="1346146516"/>
       </p:ext>
     </p:extLst>
   </p:cSld>
   <p:clrMapOvr>
     <a:masterClrMapping/>
   </p:clrMapOvr>
+  <p:extLst>
+    <p:ext uri="{DCECCB84-F9BA-43D5-87BE-67443E8EF086}">
+      <p15:sldGuideLst xmlns:p15="http://schemas.microsoft.com/office/powerpoint/2012/main"/>
+    </p:ext>
+  </p:extLst>
 </p:sldLayout>
 </file>
 
@@ -2485,13 +5766,7 @@
       </p:grpSpPr>
       <p:sp>
         <p:nvSpPr>
-          <p:cNvPr id="2" name="Title 1">
-            <a:extLst>
-              <a:ext uri="{FF2B5EF4-FFF2-40B4-BE49-F238E27FC236}">
-                <a16:creationId xmlns:a16="http://schemas.microsoft.com/office/drawing/2014/main" id="{E9C2BE20-BECA-460C-AE4B-9C81B5DD4316}"/>
-              </a:ext>
-            </a:extLst>
-          </p:cNvPr>
+          <p:cNvPr id="2" name="Title 1"/>
           <p:cNvSpPr>
             <a:spLocks noGrp="1"/>
           </p:cNvSpPr>
@@ -2501,15 +5776,17 @@
         </p:nvSpPr>
         <p:spPr>
           <a:xfrm>
-            <a:off x="839788" y="457200"/>
-            <a:ext cx="3932237" cy="1600200"/>
+            <a:off x="677334" y="4800600"/>
+            <a:ext cx="8596667" cy="566738"/>
           </a:xfrm>
         </p:spPr>
         <p:txBody>
-          <a:bodyPr anchor="b"/>
+          <a:bodyPr anchor="b">
+            <a:normAutofit/>
+          </a:bodyPr>
           <a:lstStyle>
-            <a:lvl1pPr>
-              <a:defRPr sz="3200"/>
+            <a:lvl1pPr algn="l">
+              <a:defRPr sz="2400" b="0"/>
             </a:lvl1pPr>
           </a:lstStyle>
           <a:p>
@@ -2517,21 +5794,15 @@
               <a:rPr lang="en-US"/>
               <a:t>Click to edit Master title style</a:t>
             </a:r>
-            <a:endParaRPr lang="en-IN"/>
-          </a:p>
-        </p:txBody>
-      </p:sp>
-      <p:sp>
-        <p:nvSpPr>
-          <p:cNvPr id="3" name="Picture Placeholder 2">
-            <a:extLst>
-              <a:ext uri="{FF2B5EF4-FFF2-40B4-BE49-F238E27FC236}">
-                <a16:creationId xmlns:a16="http://schemas.microsoft.com/office/drawing/2014/main" id="{06972272-8108-4442-965D-007CBDE9FAB9}"/>
-              </a:ext>
-            </a:extLst>
-          </p:cNvPr>
-          <p:cNvSpPr>
-            <a:spLocks noGrp="1"/>
+            <a:endParaRPr lang="en-US" dirty="0"/>
+          </a:p>
+        </p:txBody>
+      </p:sp>
+      <p:sp>
+        <p:nvSpPr>
+          <p:cNvPr id="3" name="Picture Placeholder 2"/>
+          <p:cNvSpPr>
+            <a:spLocks noGrp="1" noChangeAspect="1"/>
           </p:cNvSpPr>
           <p:nvPr>
             <p:ph type="pic" idx="1"/>
@@ -2539,118 +5810,120 @@
         </p:nvSpPr>
         <p:spPr>
           <a:xfrm>
-            <a:off x="5183188" y="987425"/>
-            <a:ext cx="6172200" cy="4873625"/>
+            <a:off x="677334" y="609600"/>
+            <a:ext cx="8596668" cy="3845718"/>
           </a:xfrm>
         </p:spPr>
         <p:txBody>
-          <a:bodyPr/>
+          <a:bodyPr anchor="t">
+            <a:normAutofit/>
+          </a:bodyPr>
           <a:lstStyle>
-            <a:lvl1pPr marL="0" indent="0">
-              <a:buNone/>
-              <a:defRPr sz="3200"/>
-            </a:lvl1pPr>
-            <a:lvl2pPr marL="457200" indent="0">
-              <a:buNone/>
-              <a:defRPr sz="2800"/>
-            </a:lvl2pPr>
-            <a:lvl3pPr marL="914400" indent="0">
-              <a:buNone/>
-              <a:defRPr sz="2400"/>
-            </a:lvl3pPr>
-            <a:lvl4pPr marL="1371600" indent="0">
-              <a:buNone/>
-              <a:defRPr sz="2000"/>
-            </a:lvl4pPr>
-            <a:lvl5pPr marL="1828800" indent="0">
-              <a:buNone/>
-              <a:defRPr sz="2000"/>
-            </a:lvl5pPr>
-            <a:lvl6pPr marL="2286000" indent="0">
-              <a:buNone/>
-              <a:defRPr sz="2000"/>
-            </a:lvl6pPr>
-            <a:lvl7pPr marL="2743200" indent="0">
-              <a:buNone/>
-              <a:defRPr sz="2000"/>
-            </a:lvl7pPr>
-            <a:lvl8pPr marL="3200400" indent="0">
-              <a:buNone/>
-              <a:defRPr sz="2000"/>
-            </a:lvl8pPr>
-            <a:lvl9pPr marL="3657600" indent="0">
-              <a:buNone/>
-              <a:defRPr sz="2000"/>
-            </a:lvl9pPr>
-          </a:lstStyle>
-          <a:p>
-            <a:endParaRPr lang="en-IN"/>
-          </a:p>
-        </p:txBody>
-      </p:sp>
-      <p:sp>
-        <p:nvSpPr>
-          <p:cNvPr id="4" name="Text Placeholder 3">
-            <a:extLst>
-              <a:ext uri="{FF2B5EF4-FFF2-40B4-BE49-F238E27FC236}">
-                <a16:creationId xmlns:a16="http://schemas.microsoft.com/office/drawing/2014/main" id="{C76840FF-48FE-4330-AAC4-4A2DC4289292}"/>
-              </a:ext>
-            </a:extLst>
-          </p:cNvPr>
-          <p:cNvSpPr>
-            <a:spLocks noGrp="1"/>
-          </p:cNvSpPr>
-          <p:nvPr>
-            <p:ph type="body" sz="half" idx="2"/>
-          </p:nvPr>
-        </p:nvSpPr>
-        <p:spPr>
-          <a:xfrm>
-            <a:off x="839788" y="2057400"/>
-            <a:ext cx="3932237" cy="3811588"/>
-          </a:xfrm>
-        </p:spPr>
-        <p:txBody>
-          <a:bodyPr/>
-          <a:lstStyle>
-            <a:lvl1pPr marL="0" indent="0">
+            <a:lvl1pPr marL="0" indent="0" algn="ctr">
               <a:buNone/>
               <a:defRPr sz="1600"/>
             </a:lvl1pPr>
             <a:lvl2pPr marL="457200" indent="0">
               <a:buNone/>
-              <a:defRPr sz="1400"/>
+              <a:defRPr sz="1600"/>
             </a:lvl2pPr>
             <a:lvl3pPr marL="914400" indent="0">
               <a:buNone/>
-              <a:defRPr sz="1200"/>
+              <a:defRPr sz="1600"/>
             </a:lvl3pPr>
             <a:lvl4pPr marL="1371600" indent="0">
               <a:buNone/>
-              <a:defRPr sz="1000"/>
+              <a:defRPr sz="1600"/>
             </a:lvl4pPr>
             <a:lvl5pPr marL="1828800" indent="0">
               <a:buNone/>
-              <a:defRPr sz="1000"/>
+              <a:defRPr sz="1600"/>
             </a:lvl5pPr>
             <a:lvl6pPr marL="2286000" indent="0">
               <a:buNone/>
-              <a:defRPr sz="1000"/>
+              <a:defRPr sz="1600"/>
             </a:lvl6pPr>
             <a:lvl7pPr marL="2743200" indent="0">
               <a:buNone/>
-              <a:defRPr sz="1000"/>
+              <a:defRPr sz="1600"/>
             </a:lvl7pPr>
             <a:lvl8pPr marL="3200400" indent="0">
               <a:buNone/>
-              <a:defRPr sz="1000"/>
+              <a:defRPr sz="1600"/>
             </a:lvl8pPr>
             <a:lvl9pPr marL="3657600" indent="0">
               <a:buNone/>
-              <a:defRPr sz="1000"/>
+              <a:defRPr sz="1600"/>
             </a:lvl9pPr>
           </a:lstStyle>
           <a:p>
+            <a:r>
+              <a:rPr lang="en-US"/>
+              <a:t>Click icon to add picture</a:t>
+            </a:r>
+            <a:endParaRPr lang="en-US" dirty="0"/>
+          </a:p>
+        </p:txBody>
+      </p:sp>
+      <p:sp>
+        <p:nvSpPr>
+          <p:cNvPr id="4" name="Text Placeholder 3"/>
+          <p:cNvSpPr>
+            <a:spLocks noGrp="1"/>
+          </p:cNvSpPr>
+          <p:nvPr>
+            <p:ph type="body" sz="half" idx="2"/>
+          </p:nvPr>
+        </p:nvSpPr>
+        <p:spPr>
+          <a:xfrm>
+            <a:off x="677334" y="5367338"/>
+            <a:ext cx="8596667" cy="674024"/>
+          </a:xfrm>
+        </p:spPr>
+        <p:txBody>
+          <a:bodyPr>
+            <a:normAutofit/>
+          </a:bodyPr>
+          <a:lstStyle>
+            <a:lvl1pPr marL="0" indent="0">
+              <a:buNone/>
+              <a:defRPr sz="1200"/>
+            </a:lvl1pPr>
+            <a:lvl2pPr marL="457200" indent="0">
+              <a:buNone/>
+              <a:defRPr sz="1200"/>
+            </a:lvl2pPr>
+            <a:lvl3pPr marL="914400" indent="0">
+              <a:buNone/>
+              <a:defRPr sz="1000"/>
+            </a:lvl3pPr>
+            <a:lvl4pPr marL="1371600" indent="0">
+              <a:buNone/>
+              <a:defRPr sz="900"/>
+            </a:lvl4pPr>
+            <a:lvl5pPr marL="1828800" indent="0">
+              <a:buNone/>
+              <a:defRPr sz="900"/>
+            </a:lvl5pPr>
+            <a:lvl6pPr marL="2286000" indent="0">
+              <a:buNone/>
+              <a:defRPr sz="900"/>
+            </a:lvl6pPr>
+            <a:lvl7pPr marL="2743200" indent="0">
+              <a:buNone/>
+              <a:defRPr sz="900"/>
+            </a:lvl7pPr>
+            <a:lvl8pPr marL="3200400" indent="0">
+              <a:buNone/>
+              <a:defRPr sz="900"/>
+            </a:lvl8pPr>
+            <a:lvl9pPr marL="3657600" indent="0">
+              <a:buNone/>
+              <a:defRPr sz="900"/>
+            </a:lvl9pPr>
+          </a:lstStyle>
+          <a:p>
             <a:pPr lvl="0"/>
             <a:r>
               <a:rPr lang="en-US"/>
@@ -2661,13 +5934,7 @@
       </p:sp>
       <p:sp>
         <p:nvSpPr>
-          <p:cNvPr id="5" name="Date Placeholder 4">
-            <a:extLst>
-              <a:ext uri="{FF2B5EF4-FFF2-40B4-BE49-F238E27FC236}">
-                <a16:creationId xmlns:a16="http://schemas.microsoft.com/office/drawing/2014/main" id="{FE23EF43-D6CB-4C1D-9F9C-11F4F970E7B4}"/>
-              </a:ext>
-            </a:extLst>
-          </p:cNvPr>
+          <p:cNvPr id="5" name="Date Placeholder 4"/>
           <p:cNvSpPr>
             <a:spLocks noGrp="1"/>
           </p:cNvSpPr>
@@ -2680,7 +5947,7 @@
           <a:bodyPr/>
           <a:lstStyle/>
           <a:p>
-            <a:fld id="{2C58F57C-0C34-416F-8BC3-5668CEDF0D07}" type="datetimeFigureOut">
+            <a:fld id="{C318855C-2999-4B66-B01B-C34BC234F170}" type="datetimeFigureOut">
               <a:rPr lang="en-IN" smtClean="0"/>
               <a:t>27-07-2018</a:t>
             </a:fld>
@@ -2690,13 +5957,7 @@
       </p:sp>
       <p:sp>
         <p:nvSpPr>
-          <p:cNvPr id="6" name="Footer Placeholder 5">
-            <a:extLst>
-              <a:ext uri="{FF2B5EF4-FFF2-40B4-BE49-F238E27FC236}">
-                <a16:creationId xmlns:a16="http://schemas.microsoft.com/office/drawing/2014/main" id="{1A67DD48-1FD1-487B-8B90-31AB0038AB78}"/>
-              </a:ext>
-            </a:extLst>
-          </p:cNvPr>
+          <p:cNvPr id="6" name="Footer Placeholder 5"/>
           <p:cNvSpPr>
             <a:spLocks noGrp="1"/>
           </p:cNvSpPr>
@@ -2715,13 +5976,7 @@
       </p:sp>
       <p:sp>
         <p:nvSpPr>
-          <p:cNvPr id="7" name="Slide Number Placeholder 6">
-            <a:extLst>
-              <a:ext uri="{FF2B5EF4-FFF2-40B4-BE49-F238E27FC236}">
-                <a16:creationId xmlns:a16="http://schemas.microsoft.com/office/drawing/2014/main" id="{0BA90E10-972D-45E2-9324-D3B1E785B1F8}"/>
-              </a:ext>
-            </a:extLst>
-          </p:cNvPr>
+          <p:cNvPr id="7" name="Slide Number Placeholder 6"/>
           <p:cNvSpPr>
             <a:spLocks noGrp="1"/>
           </p:cNvSpPr>
@@ -2734,7 +5989,7 @@
           <a:bodyPr/>
           <a:lstStyle/>
           <a:p>
-            <a:fld id="{0838B286-9604-4422-B5F2-367DB04C1B7A}" type="slidenum">
+            <a:fld id="{0BF716AE-35BD-432F-AD66-6EBF8C4E9BEB}" type="slidenum">
               <a:rPr lang="en-IN" smtClean="0"/>
               <a:t>‹#›</a:t>
             </a:fld>
@@ -2745,7 +6000,7 @@
     </p:spTree>
     <p:extLst>
       <p:ext uri="{BB962C8B-B14F-4D97-AF65-F5344CB8AC3E}">
-        <p14:creationId xmlns:p14="http://schemas.microsoft.com/office/powerpoint/2010/main" val="4191418055"/>
+        <p14:creationId xmlns:p14="http://schemas.microsoft.com/office/powerpoint/2010/main" val="1504985563"/>
       </p:ext>
     </p:extLst>
   </p:cSld>
@@ -2760,7 +6015,7 @@
   <p:cSld>
     <p:bg>
       <p:bgRef idx="1001">
-        <a:schemeClr val="bg1"/>
+        <a:schemeClr val="bg2"/>
       </p:bgRef>
     </p:bg>
     <p:spTree>
@@ -2777,15 +6032,541 @@
           <a:chExt cx="0" cy="0"/>
         </a:xfrm>
       </p:grpSpPr>
-      <p:sp>
-        <p:nvSpPr>
-          <p:cNvPr id="2" name="Title Placeholder 1">
-            <a:extLst>
-              <a:ext uri="{FF2B5EF4-FFF2-40B4-BE49-F238E27FC236}">
-                <a16:creationId xmlns:a16="http://schemas.microsoft.com/office/drawing/2014/main" id="{C88026CD-794D-4B4C-8EE7-41F7CB7F0611}"/>
-              </a:ext>
-            </a:extLst>
-          </p:cNvPr>
+      <p:grpSp>
+        <p:nvGrpSpPr>
+          <p:cNvPr id="8" name="Group 7"/>
+          <p:cNvGrpSpPr/>
+          <p:nvPr/>
+        </p:nvGrpSpPr>
+        <p:grpSpPr>
+          <a:xfrm>
+            <a:off x="0" y="-8467"/>
+            <a:ext cx="12192000" cy="6866467"/>
+            <a:chOff x="0" y="-8467"/>
+            <a:chExt cx="12192000" cy="6866467"/>
+          </a:xfrm>
+        </p:grpSpPr>
+        <p:cxnSp>
+          <p:nvCxnSpPr>
+            <p:cNvPr id="20" name="Straight Connector 19"/>
+            <p:cNvCxnSpPr/>
+            <p:nvPr/>
+          </p:nvCxnSpPr>
+          <p:spPr>
+            <a:xfrm>
+              <a:off x="9371012" y="0"/>
+              <a:ext cx="1219200" cy="6858000"/>
+            </a:xfrm>
+            <a:prstGeom prst="line">
+              <a:avLst/>
+            </a:prstGeom>
+            <a:ln w="9525">
+              <a:solidFill>
+                <a:schemeClr val="bg1">
+                  <a:lumMod val="85000"/>
+                  <a:lumOff val="15000"/>
+                </a:schemeClr>
+              </a:solidFill>
+            </a:ln>
+          </p:spPr>
+          <p:style>
+            <a:lnRef idx="2">
+              <a:schemeClr val="accent1"/>
+            </a:lnRef>
+            <a:fillRef idx="0">
+              <a:schemeClr val="accent1"/>
+            </a:fillRef>
+            <a:effectRef idx="1">
+              <a:schemeClr val="accent1"/>
+            </a:effectRef>
+            <a:fontRef idx="minor">
+              <a:schemeClr val="tx1"/>
+            </a:fontRef>
+          </p:style>
+        </p:cxnSp>
+        <p:cxnSp>
+          <p:nvCxnSpPr>
+            <p:cNvPr id="21" name="Straight Connector 20"/>
+            <p:cNvCxnSpPr/>
+            <p:nvPr/>
+          </p:nvCxnSpPr>
+          <p:spPr>
+            <a:xfrm flipH="1">
+              <a:off x="7425267" y="3681413"/>
+              <a:ext cx="4763558" cy="3176587"/>
+            </a:xfrm>
+            <a:prstGeom prst="line">
+              <a:avLst/>
+            </a:prstGeom>
+            <a:ln w="9525">
+              <a:solidFill>
+                <a:schemeClr val="bg1">
+                  <a:lumMod val="85000"/>
+                  <a:lumOff val="15000"/>
+                </a:schemeClr>
+              </a:solidFill>
+            </a:ln>
+          </p:spPr>
+          <p:style>
+            <a:lnRef idx="2">
+              <a:schemeClr val="accent1"/>
+            </a:lnRef>
+            <a:fillRef idx="0">
+              <a:schemeClr val="accent1"/>
+            </a:fillRef>
+            <a:effectRef idx="1">
+              <a:schemeClr val="accent1"/>
+            </a:effectRef>
+            <a:fontRef idx="minor">
+              <a:schemeClr val="tx1"/>
+            </a:fontRef>
+          </p:style>
+        </p:cxnSp>
+        <p:sp>
+          <p:nvSpPr>
+            <p:cNvPr id="22" name="Rectangle 23"/>
+            <p:cNvSpPr/>
+            <p:nvPr/>
+          </p:nvSpPr>
+          <p:spPr>
+            <a:xfrm>
+              <a:off x="9181476" y="-8467"/>
+              <a:ext cx="3007349" cy="6866467"/>
+            </a:xfrm>
+            <a:custGeom>
+              <a:avLst/>
+              <a:gdLst/>
+              <a:ahLst/>
+              <a:cxnLst/>
+              <a:rect l="l" t="t" r="r" b="b"/>
+              <a:pathLst>
+                <a:path w="3007349" h="6866467">
+                  <a:moveTo>
+                    <a:pt x="2045532" y="0"/>
+                  </a:moveTo>
+                  <a:lnTo>
+                    <a:pt x="3007349" y="0"/>
+                  </a:lnTo>
+                  <a:lnTo>
+                    <a:pt x="3007349" y="6866467"/>
+                  </a:lnTo>
+                  <a:lnTo>
+                    <a:pt x="0" y="6866467"/>
+                  </a:lnTo>
+                  <a:lnTo>
+                    <a:pt x="2045532" y="0"/>
+                  </a:lnTo>
+                  <a:close/>
+                </a:path>
+              </a:pathLst>
+            </a:custGeom>
+            <a:solidFill>
+              <a:schemeClr val="accent1">
+                <a:alpha val="30000"/>
+              </a:schemeClr>
+            </a:solidFill>
+            <a:ln>
+              <a:noFill/>
+            </a:ln>
+            <a:effectLst/>
+          </p:spPr>
+          <p:style>
+            <a:lnRef idx="1">
+              <a:schemeClr val="accent1"/>
+            </a:lnRef>
+            <a:fillRef idx="3">
+              <a:schemeClr val="accent1"/>
+            </a:fillRef>
+            <a:effectRef idx="2">
+              <a:schemeClr val="accent1"/>
+            </a:effectRef>
+            <a:fontRef idx="minor">
+              <a:schemeClr val="lt1"/>
+            </a:fontRef>
+          </p:style>
+        </p:sp>
+        <p:sp>
+          <p:nvSpPr>
+            <p:cNvPr id="23" name="Rectangle 25"/>
+            <p:cNvSpPr/>
+            <p:nvPr/>
+          </p:nvSpPr>
+          <p:spPr>
+            <a:xfrm>
+              <a:off x="9603442" y="-8467"/>
+              <a:ext cx="2588558" cy="6866467"/>
+            </a:xfrm>
+            <a:custGeom>
+              <a:avLst/>
+              <a:gdLst/>
+              <a:ahLst/>
+              <a:cxnLst/>
+              <a:rect l="l" t="t" r="r" b="b"/>
+              <a:pathLst>
+                <a:path w="2573311" h="6866467">
+                  <a:moveTo>
+                    <a:pt x="0" y="0"/>
+                  </a:moveTo>
+                  <a:lnTo>
+                    <a:pt x="2573311" y="0"/>
+                  </a:lnTo>
+                  <a:lnTo>
+                    <a:pt x="2573311" y="6866467"/>
+                  </a:lnTo>
+                  <a:lnTo>
+                    <a:pt x="1202336" y="6866467"/>
+                  </a:lnTo>
+                  <a:lnTo>
+                    <a:pt x="0" y="0"/>
+                  </a:lnTo>
+                  <a:close/>
+                </a:path>
+              </a:pathLst>
+            </a:custGeom>
+            <a:solidFill>
+              <a:schemeClr val="accent1">
+                <a:alpha val="20000"/>
+              </a:schemeClr>
+            </a:solidFill>
+            <a:ln>
+              <a:noFill/>
+            </a:ln>
+            <a:effectLst/>
+          </p:spPr>
+          <p:style>
+            <a:lnRef idx="1">
+              <a:schemeClr val="accent1"/>
+            </a:lnRef>
+            <a:fillRef idx="3">
+              <a:schemeClr val="accent1"/>
+            </a:fillRef>
+            <a:effectRef idx="2">
+              <a:schemeClr val="accent1"/>
+            </a:effectRef>
+            <a:fontRef idx="minor">
+              <a:schemeClr val="lt1"/>
+            </a:fontRef>
+          </p:style>
+        </p:sp>
+        <p:sp>
+          <p:nvSpPr>
+            <p:cNvPr id="24" name="Isosceles Triangle 23"/>
+            <p:cNvSpPr/>
+            <p:nvPr/>
+          </p:nvSpPr>
+          <p:spPr>
+            <a:xfrm>
+              <a:off x="8932333" y="3048000"/>
+              <a:ext cx="3259667" cy="3810000"/>
+            </a:xfrm>
+            <a:prstGeom prst="triangle">
+              <a:avLst>
+                <a:gd name="adj" fmla="val 100000"/>
+              </a:avLst>
+            </a:prstGeom>
+            <a:solidFill>
+              <a:schemeClr val="accent2">
+                <a:alpha val="72000"/>
+              </a:schemeClr>
+            </a:solidFill>
+            <a:ln>
+              <a:noFill/>
+            </a:ln>
+            <a:effectLst/>
+          </p:spPr>
+          <p:style>
+            <a:lnRef idx="1">
+              <a:schemeClr val="accent1"/>
+            </a:lnRef>
+            <a:fillRef idx="3">
+              <a:schemeClr val="accent1"/>
+            </a:fillRef>
+            <a:effectRef idx="2">
+              <a:schemeClr val="accent1"/>
+            </a:effectRef>
+            <a:fontRef idx="minor">
+              <a:schemeClr val="lt1"/>
+            </a:fontRef>
+          </p:style>
+        </p:sp>
+        <p:sp>
+          <p:nvSpPr>
+            <p:cNvPr id="25" name="Rectangle 27"/>
+            <p:cNvSpPr/>
+            <p:nvPr/>
+          </p:nvSpPr>
+          <p:spPr>
+            <a:xfrm>
+              <a:off x="9334500" y="-8467"/>
+              <a:ext cx="2854326" cy="6866467"/>
+            </a:xfrm>
+            <a:custGeom>
+              <a:avLst/>
+              <a:gdLst/>
+              <a:ahLst/>
+              <a:cxnLst/>
+              <a:rect l="l" t="t" r="r" b="b"/>
+              <a:pathLst>
+                <a:path w="2858013" h="6866467">
+                  <a:moveTo>
+                    <a:pt x="0" y="0"/>
+                  </a:moveTo>
+                  <a:lnTo>
+                    <a:pt x="2858013" y="0"/>
+                  </a:lnTo>
+                  <a:lnTo>
+                    <a:pt x="2858013" y="6866467"/>
+                  </a:lnTo>
+                  <a:lnTo>
+                    <a:pt x="2473942" y="6866467"/>
+                  </a:lnTo>
+                  <a:lnTo>
+                    <a:pt x="0" y="0"/>
+                  </a:lnTo>
+                  <a:close/>
+                </a:path>
+              </a:pathLst>
+            </a:custGeom>
+            <a:solidFill>
+              <a:schemeClr val="accent2">
+                <a:lumMod val="75000"/>
+                <a:alpha val="70000"/>
+              </a:schemeClr>
+            </a:solidFill>
+            <a:ln>
+              <a:noFill/>
+            </a:ln>
+            <a:effectLst/>
+          </p:spPr>
+          <p:style>
+            <a:lnRef idx="1">
+              <a:schemeClr val="accent1"/>
+            </a:lnRef>
+            <a:fillRef idx="3">
+              <a:schemeClr val="accent1"/>
+            </a:fillRef>
+            <a:effectRef idx="2">
+              <a:schemeClr val="accent1"/>
+            </a:effectRef>
+            <a:fontRef idx="minor">
+              <a:schemeClr val="lt1"/>
+            </a:fontRef>
+          </p:style>
+        </p:sp>
+        <p:sp>
+          <p:nvSpPr>
+            <p:cNvPr id="26" name="Rectangle 28"/>
+            <p:cNvSpPr/>
+            <p:nvPr/>
+          </p:nvSpPr>
+          <p:spPr>
+            <a:xfrm>
+              <a:off x="10898730" y="-8467"/>
+              <a:ext cx="1290094" cy="6866467"/>
+            </a:xfrm>
+            <a:custGeom>
+              <a:avLst/>
+              <a:gdLst/>
+              <a:ahLst/>
+              <a:cxnLst/>
+              <a:rect l="l" t="t" r="r" b="b"/>
+              <a:pathLst>
+                <a:path w="1290094" h="6858000">
+                  <a:moveTo>
+                    <a:pt x="1019735" y="0"/>
+                  </a:moveTo>
+                  <a:lnTo>
+                    <a:pt x="1290094" y="0"/>
+                  </a:lnTo>
+                  <a:lnTo>
+                    <a:pt x="1290094" y="6858000"/>
+                  </a:lnTo>
+                  <a:lnTo>
+                    <a:pt x="0" y="6858000"/>
+                  </a:lnTo>
+                  <a:lnTo>
+                    <a:pt x="1019735" y="0"/>
+                  </a:lnTo>
+                  <a:close/>
+                </a:path>
+              </a:pathLst>
+            </a:custGeom>
+            <a:solidFill>
+              <a:schemeClr val="accent1">
+                <a:lumMod val="60000"/>
+                <a:lumOff val="40000"/>
+                <a:alpha val="70000"/>
+              </a:schemeClr>
+            </a:solidFill>
+            <a:ln>
+              <a:noFill/>
+            </a:ln>
+            <a:effectLst/>
+          </p:spPr>
+          <p:style>
+            <a:lnRef idx="1">
+              <a:schemeClr val="accent1"/>
+            </a:lnRef>
+            <a:fillRef idx="3">
+              <a:schemeClr val="accent1"/>
+            </a:fillRef>
+            <a:effectRef idx="2">
+              <a:schemeClr val="accent1"/>
+            </a:effectRef>
+            <a:fontRef idx="minor">
+              <a:schemeClr val="lt1"/>
+            </a:fontRef>
+          </p:style>
+        </p:sp>
+        <p:sp>
+          <p:nvSpPr>
+            <p:cNvPr id="27" name="Rectangle 29"/>
+            <p:cNvSpPr/>
+            <p:nvPr/>
+          </p:nvSpPr>
+          <p:spPr>
+            <a:xfrm>
+              <a:off x="10938999" y="-8467"/>
+              <a:ext cx="1249825" cy="6866467"/>
+            </a:xfrm>
+            <a:custGeom>
+              <a:avLst/>
+              <a:gdLst/>
+              <a:ahLst/>
+              <a:cxnLst/>
+              <a:rect l="l" t="t" r="r" b="b"/>
+              <a:pathLst>
+                <a:path w="1249825" h="6858000">
+                  <a:moveTo>
+                    <a:pt x="0" y="0"/>
+                  </a:moveTo>
+                  <a:lnTo>
+                    <a:pt x="1249825" y="0"/>
+                  </a:lnTo>
+                  <a:lnTo>
+                    <a:pt x="1249825" y="6858000"/>
+                  </a:lnTo>
+                  <a:lnTo>
+                    <a:pt x="1109382" y="6858000"/>
+                  </a:lnTo>
+                  <a:lnTo>
+                    <a:pt x="0" y="0"/>
+                  </a:lnTo>
+                  <a:close/>
+                </a:path>
+              </a:pathLst>
+            </a:custGeom>
+            <a:solidFill>
+              <a:schemeClr val="accent1">
+                <a:alpha val="65000"/>
+              </a:schemeClr>
+            </a:solidFill>
+            <a:ln>
+              <a:noFill/>
+            </a:ln>
+            <a:effectLst/>
+          </p:spPr>
+          <p:style>
+            <a:lnRef idx="1">
+              <a:schemeClr val="accent1"/>
+            </a:lnRef>
+            <a:fillRef idx="3">
+              <a:schemeClr val="accent1"/>
+            </a:fillRef>
+            <a:effectRef idx="2">
+              <a:schemeClr val="accent1"/>
+            </a:effectRef>
+            <a:fontRef idx="minor">
+              <a:schemeClr val="lt1"/>
+            </a:fontRef>
+          </p:style>
+        </p:sp>
+        <p:sp>
+          <p:nvSpPr>
+            <p:cNvPr id="28" name="Isosceles Triangle 27"/>
+            <p:cNvSpPr/>
+            <p:nvPr/>
+          </p:nvSpPr>
+          <p:spPr>
+            <a:xfrm>
+              <a:off x="10371666" y="3589867"/>
+              <a:ext cx="1817159" cy="3268133"/>
+            </a:xfrm>
+            <a:prstGeom prst="triangle">
+              <a:avLst>
+                <a:gd name="adj" fmla="val 100000"/>
+              </a:avLst>
+            </a:prstGeom>
+            <a:solidFill>
+              <a:schemeClr val="accent1">
+                <a:alpha val="80000"/>
+              </a:schemeClr>
+            </a:solidFill>
+            <a:ln>
+              <a:noFill/>
+            </a:ln>
+            <a:effectLst/>
+          </p:spPr>
+          <p:style>
+            <a:lnRef idx="1">
+              <a:schemeClr val="accent1"/>
+            </a:lnRef>
+            <a:fillRef idx="3">
+              <a:schemeClr val="accent1"/>
+            </a:fillRef>
+            <a:effectRef idx="2">
+              <a:schemeClr val="accent1"/>
+            </a:effectRef>
+            <a:fontRef idx="minor">
+              <a:schemeClr val="lt1"/>
+            </a:fontRef>
+          </p:style>
+        </p:sp>
+        <p:sp>
+          <p:nvSpPr>
+            <p:cNvPr id="29" name="Isosceles Triangle 28"/>
+            <p:cNvSpPr/>
+            <p:nvPr/>
+          </p:nvSpPr>
+          <p:spPr>
+            <a:xfrm>
+              <a:off x="0" y="4013200"/>
+              <a:ext cx="448733" cy="2844800"/>
+            </a:xfrm>
+            <a:prstGeom prst="triangle">
+              <a:avLst>
+                <a:gd name="adj" fmla="val 0"/>
+              </a:avLst>
+            </a:prstGeom>
+            <a:solidFill>
+              <a:schemeClr val="accent1">
+                <a:alpha val="85000"/>
+              </a:schemeClr>
+            </a:solidFill>
+            <a:ln>
+              <a:noFill/>
+            </a:ln>
+            <a:effectLst/>
+          </p:spPr>
+          <p:style>
+            <a:lnRef idx="1">
+              <a:schemeClr val="accent1"/>
+            </a:lnRef>
+            <a:fillRef idx="3">
+              <a:schemeClr val="accent1"/>
+            </a:fillRef>
+            <a:effectRef idx="2">
+              <a:schemeClr val="accent1"/>
+            </a:effectRef>
+            <a:fontRef idx="minor">
+              <a:schemeClr val="lt1"/>
+            </a:fontRef>
+          </p:style>
+        </p:sp>
+      </p:grpSp>
+      <p:sp>
+        <p:nvSpPr>
+          <p:cNvPr id="2" name="Title Placeholder 1"/>
           <p:cNvSpPr>
             <a:spLocks noGrp="1"/>
           </p:cNvSpPr>
@@ -2795,15 +6576,15 @@
         </p:nvSpPr>
         <p:spPr>
           <a:xfrm>
-            <a:off x="838200" y="365125"/>
-            <a:ext cx="10515600" cy="1325563"/>
+            <a:off x="677334" y="609600"/>
+            <a:ext cx="8596668" cy="1320800"/>
           </a:xfrm>
           <a:prstGeom prst="rect">
             <a:avLst/>
           </a:prstGeom>
         </p:spPr>
         <p:txBody>
-          <a:bodyPr vert="horz" lIns="91440" tIns="45720" rIns="91440" bIns="45720" rtlCol="0" anchor="ctr">
+          <a:bodyPr vert="horz" lIns="91440" tIns="45720" rIns="91440" bIns="45720" rtlCol="0" anchor="t">
             <a:normAutofit/>
           </a:bodyPr>
           <a:lstStyle/>
@@ -2812,19 +6593,13 @@
               <a:rPr lang="en-US"/>
               <a:t>Click to edit Master title style</a:t>
             </a:r>
-            <a:endParaRPr lang="en-IN"/>
-          </a:p>
-        </p:txBody>
-      </p:sp>
-      <p:sp>
-        <p:nvSpPr>
-          <p:cNvPr id="3" name="Text Placeholder 2">
-            <a:extLst>
-              <a:ext uri="{FF2B5EF4-FFF2-40B4-BE49-F238E27FC236}">
-                <a16:creationId xmlns:a16="http://schemas.microsoft.com/office/drawing/2014/main" id="{33E4E9F2-58C8-43D9-8D3F-D339BE4B2AB4}"/>
-              </a:ext>
-            </a:extLst>
-          </p:cNvPr>
+            <a:endParaRPr lang="en-US" dirty="0"/>
+          </a:p>
+        </p:txBody>
+      </p:sp>
+      <p:sp>
+        <p:nvSpPr>
+          <p:cNvPr id="3" name="Text Placeholder 2"/>
           <p:cNvSpPr>
             <a:spLocks noGrp="1"/>
           </p:cNvSpPr>
@@ -2834,8 +6609,8 @@
         </p:nvSpPr>
         <p:spPr>
           <a:xfrm>
-            <a:off x="838200" y="1825625"/>
-            <a:ext cx="10515600" cy="4351338"/>
+            <a:off x="677334" y="2160589"/>
+            <a:ext cx="8596668" cy="3880773"/>
           </a:xfrm>
           <a:prstGeom prst="rect">
             <a:avLst/>
@@ -2880,19 +6655,13 @@
               <a:rPr lang="en-US"/>
               <a:t>Fifth level</a:t>
             </a:r>
-            <a:endParaRPr lang="en-IN"/>
-          </a:p>
-        </p:txBody>
-      </p:sp>
-      <p:sp>
-        <p:nvSpPr>
-          <p:cNvPr id="4" name="Date Placeholder 3">
-            <a:extLst>
-              <a:ext uri="{FF2B5EF4-FFF2-40B4-BE49-F238E27FC236}">
-                <a16:creationId xmlns:a16="http://schemas.microsoft.com/office/drawing/2014/main" id="{E1693919-E7F5-4240-93F7-2B873D90E6BA}"/>
-              </a:ext>
-            </a:extLst>
-          </p:cNvPr>
+            <a:endParaRPr lang="en-US" dirty="0"/>
+          </a:p>
+        </p:txBody>
+      </p:sp>
+      <p:sp>
+        <p:nvSpPr>
+          <p:cNvPr id="4" name="Date Placeholder 3"/>
           <p:cNvSpPr>
             <a:spLocks noGrp="1"/>
           </p:cNvSpPr>
@@ -2902,8 +6671,8 @@
         </p:nvSpPr>
         <p:spPr>
           <a:xfrm>
-            <a:off x="838200" y="6356350"/>
-            <a:ext cx="2743200" cy="365125"/>
+            <a:off x="7205133" y="6041362"/>
+            <a:ext cx="911939" cy="365125"/>
           </a:xfrm>
           <a:prstGeom prst="rect">
             <a:avLst/>
@@ -2912,8 +6681,8 @@
         <p:txBody>
           <a:bodyPr vert="horz" lIns="91440" tIns="45720" rIns="91440" bIns="45720" rtlCol="0" anchor="ctr"/>
           <a:lstStyle>
-            <a:lvl1pPr algn="l">
-              <a:defRPr sz="1200">
+            <a:lvl1pPr algn="r">
+              <a:defRPr sz="900">
                 <a:solidFill>
                   <a:schemeClr val="tx1">
                     <a:tint val="75000"/>
@@ -2923,7 +6692,7 @@
             </a:lvl1pPr>
           </a:lstStyle>
           <a:p>
-            <a:fld id="{2C58F57C-0C34-416F-8BC3-5668CEDF0D07}" type="datetimeFigureOut">
+            <a:fld id="{C318855C-2999-4B66-B01B-C34BC234F170}" type="datetimeFigureOut">
               <a:rPr lang="en-IN" smtClean="0"/>
               <a:t>27-07-2018</a:t>
             </a:fld>
@@ -2933,13 +6702,7 @@
       </p:sp>
       <p:sp>
         <p:nvSpPr>
-          <p:cNvPr id="5" name="Footer Placeholder 4">
-            <a:extLst>
-              <a:ext uri="{FF2B5EF4-FFF2-40B4-BE49-F238E27FC236}">
-                <a16:creationId xmlns:a16="http://schemas.microsoft.com/office/drawing/2014/main" id="{6C73766D-A772-4084-B727-E1D2111ACF58}"/>
-              </a:ext>
-            </a:extLst>
-          </p:cNvPr>
+          <p:cNvPr id="5" name="Footer Placeholder 4"/>
           <p:cNvSpPr>
             <a:spLocks noGrp="1"/>
           </p:cNvSpPr>
@@ -2949,8 +6712,8 @@
         </p:nvSpPr>
         <p:spPr>
           <a:xfrm>
-            <a:off x="4038600" y="6356350"/>
-            <a:ext cx="4114800" cy="365125"/>
+            <a:off x="677334" y="6041362"/>
+            <a:ext cx="6297612" cy="365125"/>
           </a:xfrm>
           <a:prstGeom prst="rect">
             <a:avLst/>
@@ -2959,8 +6722,8 @@
         <p:txBody>
           <a:bodyPr vert="horz" lIns="91440" tIns="45720" rIns="91440" bIns="45720" rtlCol="0" anchor="ctr"/>
           <a:lstStyle>
-            <a:lvl1pPr algn="ctr">
-              <a:defRPr sz="1200">
+            <a:lvl1pPr algn="l">
+              <a:defRPr sz="900">
                 <a:solidFill>
                   <a:schemeClr val="tx1">
                     <a:tint val="75000"/>
@@ -2976,13 +6739,7 @@
       </p:sp>
       <p:sp>
         <p:nvSpPr>
-          <p:cNvPr id="6" name="Slide Number Placeholder 5">
-            <a:extLst>
-              <a:ext uri="{FF2B5EF4-FFF2-40B4-BE49-F238E27FC236}">
-                <a16:creationId xmlns:a16="http://schemas.microsoft.com/office/drawing/2014/main" id="{DEFF9972-5BEA-48D4-AAD8-84AD85EEDDF4}"/>
-              </a:ext>
-            </a:extLst>
-          </p:cNvPr>
+          <p:cNvPr id="6" name="Slide Number Placeholder 5"/>
           <p:cNvSpPr>
             <a:spLocks noGrp="1"/>
           </p:cNvSpPr>
@@ -2992,8 +6749,8 @@
         </p:nvSpPr>
         <p:spPr>
           <a:xfrm>
-            <a:off x="8610600" y="6356350"/>
-            <a:ext cx="2743200" cy="365125"/>
+            <a:off x="8590663" y="6041362"/>
+            <a:ext cx="683339" cy="365125"/>
           </a:xfrm>
           <a:prstGeom prst="rect">
             <a:avLst/>
@@ -3003,17 +6760,15 @@
           <a:bodyPr vert="horz" lIns="91440" tIns="45720" rIns="91440" bIns="45720" rtlCol="0" anchor="ctr"/>
           <a:lstStyle>
             <a:lvl1pPr algn="r">
-              <a:defRPr sz="1200">
+              <a:defRPr sz="900">
                 <a:solidFill>
-                  <a:schemeClr val="tx1">
-                    <a:tint val="75000"/>
-                  </a:schemeClr>
+                  <a:schemeClr val="accent1"/>
                 </a:solidFill>
               </a:defRPr>
             </a:lvl1pPr>
           </a:lstStyle>
           <a:p>
-            <a:fld id="{0838B286-9604-4422-B5F2-367DB04C1B7A}" type="slidenum">
+            <a:fld id="{0BF716AE-35BD-432F-AD66-6EBF8C4E9BEB}" type="slidenum">
               <a:rPr lang="en-IN" smtClean="0"/>
               <a:t>‹#›</a:t>
             </a:fld>
@@ -3024,201 +6779,322 @@
     </p:spTree>
     <p:extLst>
       <p:ext uri="{BB962C8B-B14F-4D97-AF65-F5344CB8AC3E}">
-        <p14:creationId xmlns:p14="http://schemas.microsoft.com/office/powerpoint/2010/main" val="212899132"/>
+        <p14:creationId xmlns:p14="http://schemas.microsoft.com/office/powerpoint/2010/main" val="2664166986"/>
       </p:ext>
     </p:extLst>
   </p:cSld>
-  <p:clrMap bg1="lt1" tx1="dk1" bg2="lt2" tx2="dk2" accent1="accent1" accent2="accent2" accent3="accent3" accent4="accent4" accent5="accent5" accent6="accent6" hlink="hlink" folHlink="folHlink"/>
+  <p:clrMap bg1="dk1" tx1="lt1" bg2="dk2" tx2="lt2" accent1="accent1" accent2="accent2" accent3="accent3" accent4="accent4" accent5="accent5" accent6="accent6" hlink="hlink" folHlink="folHlink"/>
   <p:sldLayoutIdLst>
-    <p:sldLayoutId id="2147483649" r:id="rId1"/>
-    <p:sldLayoutId id="2147483650" r:id="rId2"/>
-    <p:sldLayoutId id="2147483651" r:id="rId3"/>
-    <p:sldLayoutId id="2147483652" r:id="rId4"/>
-    <p:sldLayoutId id="2147483653" r:id="rId5"/>
-    <p:sldLayoutId id="2147483654" r:id="rId6"/>
-    <p:sldLayoutId id="2147483655" r:id="rId7"/>
-    <p:sldLayoutId id="2147483656" r:id="rId8"/>
-    <p:sldLayoutId id="2147483657" r:id="rId9"/>
-    <p:sldLayoutId id="2147483658" r:id="rId10"/>
-    <p:sldLayoutId id="2147483659" r:id="rId11"/>
+    <p:sldLayoutId id="2147483866" r:id="rId1"/>
+    <p:sldLayoutId id="2147483867" r:id="rId2"/>
+    <p:sldLayoutId id="2147483868" r:id="rId3"/>
+    <p:sldLayoutId id="2147483869" r:id="rId4"/>
+    <p:sldLayoutId id="2147483870" r:id="rId5"/>
+    <p:sldLayoutId id="2147483871" r:id="rId6"/>
+    <p:sldLayoutId id="2147483872" r:id="rId7"/>
+    <p:sldLayoutId id="2147483873" r:id="rId8"/>
+    <p:sldLayoutId id="2147483874" r:id="rId9"/>
+    <p:sldLayoutId id="2147483875" r:id="rId10"/>
+    <p:sldLayoutId id="2147483876" r:id="rId11"/>
+    <p:sldLayoutId id="2147483877" r:id="rId12"/>
+    <p:sldLayoutId id="2147483878" r:id="rId13"/>
+    <p:sldLayoutId id="2147483879" r:id="rId14"/>
+    <p:sldLayoutId id="2147483880" r:id="rId15"/>
+    <p:sldLayoutId id="2147483881" r:id="rId16"/>
   </p:sldLayoutIdLst>
   <p:txStyles>
     <p:titleStyle>
-      <a:lvl1pPr algn="l" defTabSz="914400" rtl="0" eaLnBrk="1" latinLnBrk="0" hangingPunct="1">
-        <a:lnSpc>
-          <a:spcPct val="90000"/>
-        </a:lnSpc>
+      <a:lvl1pPr algn="l" defTabSz="457200" rtl="0" eaLnBrk="1" latinLnBrk="0" hangingPunct="1">
         <a:spcBef>
           <a:spcPct val="0"/>
         </a:spcBef>
         <a:buNone/>
-        <a:defRPr sz="4400" kern="1200">
+        <a:defRPr sz="3600" kern="1200">
           <a:solidFill>
-            <a:schemeClr val="tx1"/>
+            <a:schemeClr val="accent1"/>
           </a:solidFill>
           <a:latin typeface="+mj-lt"/>
           <a:ea typeface="+mj-ea"/>
           <a:cs typeface="+mj-cs"/>
         </a:defRPr>
       </a:lvl1pPr>
+      <a:lvl2pPr eaLnBrk="1" hangingPunct="1">
+        <a:defRPr>
+          <a:solidFill>
+            <a:schemeClr val="tx2"/>
+          </a:solidFill>
+        </a:defRPr>
+      </a:lvl2pPr>
+      <a:lvl3pPr eaLnBrk="1" hangingPunct="1">
+        <a:defRPr>
+          <a:solidFill>
+            <a:schemeClr val="tx2"/>
+          </a:solidFill>
+        </a:defRPr>
+      </a:lvl3pPr>
+      <a:lvl4pPr eaLnBrk="1" hangingPunct="1">
+        <a:defRPr>
+          <a:solidFill>
+            <a:schemeClr val="tx2"/>
+          </a:solidFill>
+        </a:defRPr>
+      </a:lvl4pPr>
+      <a:lvl5pPr eaLnBrk="1" hangingPunct="1">
+        <a:defRPr>
+          <a:solidFill>
+            <a:schemeClr val="tx2"/>
+          </a:solidFill>
+        </a:defRPr>
+      </a:lvl5pPr>
+      <a:lvl6pPr eaLnBrk="1" hangingPunct="1">
+        <a:defRPr>
+          <a:solidFill>
+            <a:schemeClr val="tx2"/>
+          </a:solidFill>
+        </a:defRPr>
+      </a:lvl6pPr>
+      <a:lvl7pPr eaLnBrk="1" hangingPunct="1">
+        <a:defRPr>
+          <a:solidFill>
+            <a:schemeClr val="tx2"/>
+          </a:solidFill>
+        </a:defRPr>
+      </a:lvl7pPr>
+      <a:lvl8pPr eaLnBrk="1" hangingPunct="1">
+        <a:defRPr>
+          <a:solidFill>
+            <a:schemeClr val="tx2"/>
+          </a:solidFill>
+        </a:defRPr>
+      </a:lvl8pPr>
+      <a:lvl9pPr eaLnBrk="1" hangingPunct="1">
+        <a:defRPr>
+          <a:solidFill>
+            <a:schemeClr val="tx2"/>
+          </a:solidFill>
+        </a:defRPr>
+      </a:lvl9pPr>
     </p:titleStyle>
     <p:bodyStyle>
-      <a:lvl1pPr marL="228600" indent="-228600" algn="l" defTabSz="914400" rtl="0" eaLnBrk="1" latinLnBrk="0" hangingPunct="1">
-        <a:lnSpc>
-          <a:spcPct val="90000"/>
-        </a:lnSpc>
+      <a:lvl1pPr marL="342900" indent="-342900" algn="l" defTabSz="457200" rtl="0" eaLnBrk="1" latinLnBrk="0" hangingPunct="1">
         <a:spcBef>
           <a:spcPts val="1000"/>
         </a:spcBef>
-        <a:buFont typeface="Arial" panose="020B0604020202020204" pitchFamily="34" charset="0"/>
-        <a:buChar char="•"/>
-        <a:defRPr sz="2800" kern="1200">
+        <a:spcAft>
+          <a:spcPts val="0"/>
+        </a:spcAft>
+        <a:buClr>
+          <a:schemeClr val="accent1"/>
+        </a:buClr>
+        <a:buSzPct val="80000"/>
+        <a:buFont typeface="Wingdings 3" charset="2"/>
+        <a:buChar char=""/>
+        <a:defRPr sz="1800" kern="1200">
           <a:solidFill>
-            <a:schemeClr val="tx1"/>
+            <a:schemeClr val="tx1">
+              <a:lumMod val="75000"/>
+              <a:lumOff val="25000"/>
+            </a:schemeClr>
           </a:solidFill>
           <a:latin typeface="+mn-lt"/>
           <a:ea typeface="+mn-ea"/>
           <a:cs typeface="+mn-cs"/>
         </a:defRPr>
       </a:lvl1pPr>
-      <a:lvl2pPr marL="685800" indent="-228600" algn="l" defTabSz="914400" rtl="0" eaLnBrk="1" latinLnBrk="0" hangingPunct="1">
-        <a:lnSpc>
-          <a:spcPct val="90000"/>
-        </a:lnSpc>
+      <a:lvl2pPr marL="742950" indent="-285750" algn="l" defTabSz="457200" rtl="0" eaLnBrk="1" latinLnBrk="0" hangingPunct="1">
         <a:spcBef>
-          <a:spcPts val="500"/>
+          <a:spcPts val="1000"/>
         </a:spcBef>
-        <a:buFont typeface="Arial" panose="020B0604020202020204" pitchFamily="34" charset="0"/>
-        <a:buChar char="•"/>
-        <a:defRPr sz="2400" kern="1200">
+        <a:spcAft>
+          <a:spcPts val="0"/>
+        </a:spcAft>
+        <a:buClr>
+          <a:schemeClr val="accent1"/>
+        </a:buClr>
+        <a:buSzPct val="80000"/>
+        <a:buFont typeface="Wingdings 3" charset="2"/>
+        <a:buChar char=""/>
+        <a:defRPr sz="1600" kern="1200">
           <a:solidFill>
-            <a:schemeClr val="tx1"/>
+            <a:schemeClr val="tx1">
+              <a:lumMod val="75000"/>
+              <a:lumOff val="25000"/>
+            </a:schemeClr>
           </a:solidFill>
           <a:latin typeface="+mn-lt"/>
           <a:ea typeface="+mn-ea"/>
           <a:cs typeface="+mn-cs"/>
         </a:defRPr>
       </a:lvl2pPr>
-      <a:lvl3pPr marL="1143000" indent="-228600" algn="l" defTabSz="914400" rtl="0" eaLnBrk="1" latinLnBrk="0" hangingPunct="1">
-        <a:lnSpc>
-          <a:spcPct val="90000"/>
-        </a:lnSpc>
+      <a:lvl3pPr marL="1143000" indent="-228600" algn="l" defTabSz="457200" rtl="0" eaLnBrk="1" latinLnBrk="0" hangingPunct="1">
         <a:spcBef>
-          <a:spcPts val="500"/>
+          <a:spcPts val="1000"/>
         </a:spcBef>
-        <a:buFont typeface="Arial" panose="020B0604020202020204" pitchFamily="34" charset="0"/>
-        <a:buChar char="•"/>
-        <a:defRPr sz="2000" kern="1200">
+        <a:spcAft>
+          <a:spcPts val="0"/>
+        </a:spcAft>
+        <a:buClr>
+          <a:schemeClr val="accent1"/>
+        </a:buClr>
+        <a:buSzPct val="80000"/>
+        <a:buFont typeface="Wingdings 3" charset="2"/>
+        <a:buChar char=""/>
+        <a:defRPr sz="1400" kern="1200">
           <a:solidFill>
-            <a:schemeClr val="tx1"/>
+            <a:schemeClr val="tx1">
+              <a:lumMod val="75000"/>
+              <a:lumOff val="25000"/>
+            </a:schemeClr>
           </a:solidFill>
           <a:latin typeface="+mn-lt"/>
           <a:ea typeface="+mn-ea"/>
           <a:cs typeface="+mn-cs"/>
         </a:defRPr>
       </a:lvl3pPr>
-      <a:lvl4pPr marL="1600200" indent="-228600" algn="l" defTabSz="914400" rtl="0" eaLnBrk="1" latinLnBrk="0" hangingPunct="1">
-        <a:lnSpc>
-          <a:spcPct val="90000"/>
-        </a:lnSpc>
+      <a:lvl4pPr marL="1600200" indent="-228600" algn="l" defTabSz="457200" rtl="0" eaLnBrk="1" latinLnBrk="0" hangingPunct="1">
         <a:spcBef>
-          <a:spcPts val="500"/>
+          <a:spcPts val="1000"/>
         </a:spcBef>
-        <a:buFont typeface="Arial" panose="020B0604020202020204" pitchFamily="34" charset="0"/>
-        <a:buChar char="•"/>
-        <a:defRPr sz="1800" kern="1200">
+        <a:spcAft>
+          <a:spcPts val="0"/>
+        </a:spcAft>
+        <a:buClr>
+          <a:schemeClr val="accent1"/>
+        </a:buClr>
+        <a:buSzPct val="80000"/>
+        <a:buFont typeface="Wingdings 3" charset="2"/>
+        <a:buChar char=""/>
+        <a:defRPr sz="1200" kern="1200">
           <a:solidFill>
-            <a:schemeClr val="tx1"/>
+            <a:schemeClr val="tx1">
+              <a:lumMod val="75000"/>
+              <a:lumOff val="25000"/>
+            </a:schemeClr>
           </a:solidFill>
           <a:latin typeface="+mn-lt"/>
           <a:ea typeface="+mn-ea"/>
           <a:cs typeface="+mn-cs"/>
         </a:defRPr>
       </a:lvl4pPr>
-      <a:lvl5pPr marL="2057400" indent="-228600" algn="l" defTabSz="914400" rtl="0" eaLnBrk="1" latinLnBrk="0" hangingPunct="1">
-        <a:lnSpc>
-          <a:spcPct val="90000"/>
-        </a:lnSpc>
+      <a:lvl5pPr marL="2057400" indent="-228600" algn="l" defTabSz="457200" rtl="0" eaLnBrk="1" latinLnBrk="0" hangingPunct="1">
         <a:spcBef>
-          <a:spcPts val="500"/>
+          <a:spcPts val="1000"/>
         </a:spcBef>
-        <a:buFont typeface="Arial" panose="020B0604020202020204" pitchFamily="34" charset="0"/>
-        <a:buChar char="•"/>
-        <a:defRPr sz="1800" kern="1200">
+        <a:spcAft>
+          <a:spcPts val="0"/>
+        </a:spcAft>
+        <a:buClr>
+          <a:schemeClr val="accent1"/>
+        </a:buClr>
+        <a:buSzPct val="80000"/>
+        <a:buFont typeface="Wingdings 3" charset="2"/>
+        <a:buChar char=""/>
+        <a:defRPr sz="1200" kern="1200">
           <a:solidFill>
-            <a:schemeClr val="tx1"/>
+            <a:schemeClr val="tx1">
+              <a:lumMod val="75000"/>
+              <a:lumOff val="25000"/>
+            </a:schemeClr>
           </a:solidFill>
           <a:latin typeface="+mn-lt"/>
           <a:ea typeface="+mn-ea"/>
           <a:cs typeface="+mn-cs"/>
         </a:defRPr>
       </a:lvl5pPr>
-      <a:lvl6pPr marL="2514600" indent="-228600" algn="l" defTabSz="914400" rtl="0" eaLnBrk="1" latinLnBrk="0" hangingPunct="1">
-        <a:lnSpc>
-          <a:spcPct val="90000"/>
-        </a:lnSpc>
+      <a:lvl6pPr marL="2514600" indent="-228600" algn="l" defTabSz="457200" rtl="0" eaLnBrk="1" latinLnBrk="0" hangingPunct="1">
         <a:spcBef>
-          <a:spcPts val="500"/>
+          <a:spcPts val="1000"/>
         </a:spcBef>
-        <a:buFont typeface="Arial" panose="020B0604020202020204" pitchFamily="34" charset="0"/>
-        <a:buChar char="•"/>
-        <a:defRPr sz="1800" kern="1200">
+        <a:spcAft>
+          <a:spcPts val="0"/>
+        </a:spcAft>
+        <a:buClr>
+          <a:schemeClr val="accent1"/>
+        </a:buClr>
+        <a:buSzPct val="80000"/>
+        <a:buFont typeface="Wingdings 3" charset="2"/>
+        <a:buChar char=""/>
+        <a:defRPr sz="1200" kern="1200">
           <a:solidFill>
-            <a:schemeClr val="tx1"/>
+            <a:schemeClr val="tx1">
+              <a:lumMod val="75000"/>
+              <a:lumOff val="25000"/>
+            </a:schemeClr>
           </a:solidFill>
           <a:latin typeface="+mn-lt"/>
           <a:ea typeface="+mn-ea"/>
           <a:cs typeface="+mn-cs"/>
         </a:defRPr>
       </a:lvl6pPr>
-      <a:lvl7pPr marL="2971800" indent="-228600" algn="l" defTabSz="914400" rtl="0" eaLnBrk="1" latinLnBrk="0" hangingPunct="1">
-        <a:lnSpc>
-          <a:spcPct val="90000"/>
-        </a:lnSpc>
+      <a:lvl7pPr marL="2971800" indent="-228600" algn="l" defTabSz="457200" rtl="0" eaLnBrk="1" latinLnBrk="0" hangingPunct="1">
         <a:spcBef>
-          <a:spcPts val="500"/>
+          <a:spcPts val="1000"/>
         </a:spcBef>
-        <a:buFont typeface="Arial" panose="020B0604020202020204" pitchFamily="34" charset="0"/>
-        <a:buChar char="•"/>
-        <a:defRPr sz="1800" kern="1200">
+        <a:spcAft>
+          <a:spcPts val="0"/>
+        </a:spcAft>
+        <a:buClr>
+          <a:schemeClr val="accent1"/>
+        </a:buClr>
+        <a:buSzPct val="80000"/>
+        <a:buFont typeface="Wingdings 3" charset="2"/>
+        <a:buChar char=""/>
+        <a:defRPr sz="1200" kern="1200">
           <a:solidFill>
-            <a:schemeClr val="tx1"/>
+            <a:schemeClr val="tx1">
+              <a:lumMod val="75000"/>
+              <a:lumOff val="25000"/>
+            </a:schemeClr>
           </a:solidFill>
           <a:latin typeface="+mn-lt"/>
           <a:ea typeface="+mn-ea"/>
           <a:cs typeface="+mn-cs"/>
         </a:defRPr>
       </a:lvl7pPr>
-      <a:lvl8pPr marL="3429000" indent="-228600" algn="l" defTabSz="914400" rtl="0" eaLnBrk="1" latinLnBrk="0" hangingPunct="1">
-        <a:lnSpc>
-          <a:spcPct val="90000"/>
-        </a:lnSpc>
+      <a:lvl8pPr marL="3429000" indent="-228600" algn="l" defTabSz="457200" rtl="0" eaLnBrk="1" latinLnBrk="0" hangingPunct="1">
         <a:spcBef>
-          <a:spcPts val="500"/>
+          <a:spcPts val="1000"/>
         </a:spcBef>
-        <a:buFont typeface="Arial" panose="020B0604020202020204" pitchFamily="34" charset="0"/>
-        <a:buChar char="•"/>
-        <a:defRPr sz="1800" kern="1200">
+        <a:spcAft>
+          <a:spcPts val="0"/>
+        </a:spcAft>
+        <a:buClr>
+          <a:schemeClr val="accent1"/>
+        </a:buClr>
+        <a:buSzPct val="80000"/>
+        <a:buFont typeface="Wingdings 3" charset="2"/>
+        <a:buChar char=""/>
+        <a:defRPr sz="1200" kern="1200">
           <a:solidFill>
-            <a:schemeClr val="tx1"/>
+            <a:schemeClr val="tx1">
+              <a:lumMod val="75000"/>
+              <a:lumOff val="25000"/>
+            </a:schemeClr>
           </a:solidFill>
           <a:latin typeface="+mn-lt"/>
           <a:ea typeface="+mn-ea"/>
           <a:cs typeface="+mn-cs"/>
         </a:defRPr>
       </a:lvl8pPr>
-      <a:lvl9pPr marL="3886200" indent="-228600" algn="l" defTabSz="914400" rtl="0" eaLnBrk="1" latinLnBrk="0" hangingPunct="1">
-        <a:lnSpc>
-          <a:spcPct val="90000"/>
-        </a:lnSpc>
+      <a:lvl9pPr marL="3886200" indent="-228600" algn="l" defTabSz="457200" rtl="0" eaLnBrk="1" latinLnBrk="0" hangingPunct="1">
         <a:spcBef>
-          <a:spcPts val="500"/>
+          <a:spcPts val="1000"/>
         </a:spcBef>
-        <a:buFont typeface="Arial" panose="020B0604020202020204" pitchFamily="34" charset="0"/>
-        <a:buChar char="•"/>
-        <a:defRPr sz="1800" kern="1200">
+        <a:spcAft>
+          <a:spcPts val="0"/>
+        </a:spcAft>
+        <a:buClr>
+          <a:schemeClr val="accent1"/>
+        </a:buClr>
+        <a:buSzPct val="80000"/>
+        <a:buFont typeface="Wingdings 3" charset="2"/>
+        <a:buChar char=""/>
+        <a:defRPr sz="1200" kern="1200">
           <a:solidFill>
-            <a:schemeClr val="tx1"/>
+            <a:schemeClr val="tx1">
+              <a:lumMod val="75000"/>
+              <a:lumOff val="25000"/>
+            </a:schemeClr>
           </a:solidFill>
           <a:latin typeface="+mn-lt"/>
           <a:ea typeface="+mn-ea"/>
@@ -3230,7 +7106,7 @@
       <a:defPPr>
         <a:defRPr lang="en-US"/>
       </a:defPPr>
-      <a:lvl1pPr marL="0" algn="l" defTabSz="914400" rtl="0" eaLnBrk="1" latinLnBrk="0" hangingPunct="1">
+      <a:lvl1pPr marL="0" algn="l" defTabSz="457200" rtl="0" eaLnBrk="1" latinLnBrk="0" hangingPunct="1">
         <a:defRPr sz="1800" kern="1200">
           <a:solidFill>
             <a:schemeClr val="tx1"/>
@@ -3240,7 +7116,7 @@
           <a:cs typeface="+mn-cs"/>
         </a:defRPr>
       </a:lvl1pPr>
-      <a:lvl2pPr marL="457200" algn="l" defTabSz="914400" rtl="0" eaLnBrk="1" latinLnBrk="0" hangingPunct="1">
+      <a:lvl2pPr marL="457200" algn="l" defTabSz="457200" rtl="0" eaLnBrk="1" latinLnBrk="0" hangingPunct="1">
         <a:defRPr sz="1800" kern="1200">
           <a:solidFill>
             <a:schemeClr val="tx1"/>
@@ -3250,7 +7126,7 @@
           <a:cs typeface="+mn-cs"/>
         </a:defRPr>
       </a:lvl2pPr>
-      <a:lvl3pPr marL="914400" algn="l" defTabSz="914400" rtl="0" eaLnBrk="1" latinLnBrk="0" hangingPunct="1">
+      <a:lvl3pPr marL="914400" algn="l" defTabSz="457200" rtl="0" eaLnBrk="1" latinLnBrk="0" hangingPunct="1">
         <a:defRPr sz="1800" kern="1200">
           <a:solidFill>
             <a:schemeClr val="tx1"/>
@@ -3260,7 +7136,7 @@
           <a:cs typeface="+mn-cs"/>
         </a:defRPr>
       </a:lvl3pPr>
-      <a:lvl4pPr marL="1371600" algn="l" defTabSz="914400" rtl="0" eaLnBrk="1" latinLnBrk="0" hangingPunct="1">
+      <a:lvl4pPr marL="1371600" algn="l" defTabSz="457200" rtl="0" eaLnBrk="1" latinLnBrk="0" hangingPunct="1">
         <a:defRPr sz="1800" kern="1200">
           <a:solidFill>
             <a:schemeClr val="tx1"/>
@@ -3270,7 +7146,7 @@
           <a:cs typeface="+mn-cs"/>
         </a:defRPr>
       </a:lvl4pPr>
-      <a:lvl5pPr marL="1828800" algn="l" defTabSz="914400" rtl="0" eaLnBrk="1" latinLnBrk="0" hangingPunct="1">
+      <a:lvl5pPr marL="1828800" algn="l" defTabSz="457200" rtl="0" eaLnBrk="1" latinLnBrk="0" hangingPunct="1">
         <a:defRPr sz="1800" kern="1200">
           <a:solidFill>
             <a:schemeClr val="tx1"/>
@@ -3280,7 +7156,7 @@
           <a:cs typeface="+mn-cs"/>
         </a:defRPr>
       </a:lvl5pPr>
-      <a:lvl6pPr marL="2286000" algn="l" defTabSz="914400" rtl="0" eaLnBrk="1" latinLnBrk="0" hangingPunct="1">
+      <a:lvl6pPr marL="2286000" algn="l" defTabSz="457200" rtl="0" eaLnBrk="1" latinLnBrk="0" hangingPunct="1">
         <a:defRPr sz="1800" kern="1200">
           <a:solidFill>
             <a:schemeClr val="tx1"/>
@@ -3290,7 +7166,7 @@
           <a:cs typeface="+mn-cs"/>
         </a:defRPr>
       </a:lvl6pPr>
-      <a:lvl7pPr marL="2743200" algn="l" defTabSz="914400" rtl="0" eaLnBrk="1" latinLnBrk="0" hangingPunct="1">
+      <a:lvl7pPr marL="2743200" algn="l" defTabSz="457200" rtl="0" eaLnBrk="1" latinLnBrk="0" hangingPunct="1">
         <a:defRPr sz="1800" kern="1200">
           <a:solidFill>
             <a:schemeClr val="tx1"/>
@@ -3300,7 +7176,7 @@
           <a:cs typeface="+mn-cs"/>
         </a:defRPr>
       </a:lvl7pPr>
-      <a:lvl8pPr marL="3200400" algn="l" defTabSz="914400" rtl="0" eaLnBrk="1" latinLnBrk="0" hangingPunct="1">
+      <a:lvl8pPr marL="3200400" algn="l" defTabSz="457200" rtl="0" eaLnBrk="1" latinLnBrk="0" hangingPunct="1">
         <a:defRPr sz="1800" kern="1200">
           <a:solidFill>
             <a:schemeClr val="tx1"/>
@@ -3310,7 +7186,7 @@
           <a:cs typeface="+mn-cs"/>
         </a:defRPr>
       </a:lvl8pPr>
-      <a:lvl9pPr marL="3657600" algn="l" defTabSz="914400" rtl="0" eaLnBrk="1" latinLnBrk="0" hangingPunct="1">
+      <a:lvl9pPr marL="3657600" algn="l" defTabSz="457200" rtl="0" eaLnBrk="1" latinLnBrk="0" hangingPunct="1">
         <a:defRPr sz="1800" kern="1200">
           <a:solidFill>
             <a:schemeClr val="tx1"/>
@@ -3322,6 +7198,11 @@
       </a:lvl9pPr>
     </p:otherStyle>
   </p:txStyles>
+  <p:extLst>
+    <p:ext uri="{27BBF7A9-308A-43DC-89C8-2F10F3537804}">
+      <p15:sldGuideLst xmlns:p15="http://schemas.microsoft.com/office/powerpoint/2012/main"/>
+    </p:ext>
+  </p:extLst>
 </p:sldMaster>
 </file>
 
@@ -3347,7 +7228,7 @@
           <p:cNvPr id="2" name="Title 1">
             <a:extLst>
               <a:ext uri="{FF2B5EF4-FFF2-40B4-BE49-F238E27FC236}">
-                <a16:creationId xmlns:a16="http://schemas.microsoft.com/office/drawing/2014/main" id="{31C600DC-BF51-44BB-85E8-78F14CB7194C}"/>
+                <a16:creationId xmlns:a16="http://schemas.microsoft.com/office/drawing/2014/main" id="{43512E0B-7993-4A9B-A95A-F98A6EE19611}"/>
               </a:ext>
             </a:extLst>
           </p:cNvPr>
@@ -3358,12 +7239,26 @@
             <p:ph type="ctrTitle"/>
           </p:nvPr>
         </p:nvSpPr>
-        <p:spPr/>
-        <p:txBody>
-          <a:bodyPr/>
-          <a:lstStyle/>
-          <a:p>
-            <a:endParaRPr lang="en-IN"/>
+        <p:spPr>
+          <a:xfrm>
+            <a:off x="355002" y="1043492"/>
+            <a:ext cx="9631680" cy="2750208"/>
+          </a:xfrm>
+        </p:spPr>
+        <p:txBody>
+          <a:bodyPr>
+            <a:normAutofit/>
+          </a:bodyPr>
+          <a:lstStyle/>
+          <a:p>
+            <a:r>
+              <a:rPr lang="en-US" dirty="0">
+                <a:solidFill>
+                  <a:schemeClr val="tx1"/>
+                </a:solidFill>
+              </a:rPr>
+              <a:t>Limiting Power Consumption on Home Appliances using Machine Learning</a:t>
+            </a:r>
           </a:p>
         </p:txBody>
       </p:sp>
@@ -3372,7 +7267,7 @@
           <p:cNvPr id="3" name="Subtitle 2">
             <a:extLst>
               <a:ext uri="{FF2B5EF4-FFF2-40B4-BE49-F238E27FC236}">
-                <a16:creationId xmlns:a16="http://schemas.microsoft.com/office/drawing/2014/main" id="{B2097B0C-FA9E-4620-B4A2-413B45D1C5D6}"/>
+                <a16:creationId xmlns:a16="http://schemas.microsoft.com/office/drawing/2014/main" id="{34194A26-A6D2-4CC1-A8DA-EA488E427991}"/>
               </a:ext>
             </a:extLst>
           </p:cNvPr>
@@ -3383,19 +7278,1695 @@
             <p:ph type="subTitle" idx="1"/>
           </p:nvPr>
         </p:nvSpPr>
-        <p:spPr/>
-        <p:txBody>
-          <a:bodyPr/>
-          <a:lstStyle/>
-          <a:p>
-            <a:endParaRPr lang="en-IN"/>
+        <p:spPr>
+          <a:xfrm>
+            <a:off x="0" y="4879133"/>
+            <a:ext cx="12267304" cy="1870750"/>
+          </a:xfrm>
+        </p:spPr>
+        <p:txBody>
+          <a:bodyPr numCol="3">
+            <a:noAutofit/>
+          </a:bodyPr>
+          <a:lstStyle/>
+          <a:p>
+            <a:pPr algn="ctr"/>
+            <a:r>
+              <a:rPr lang="en-IN" sz="2400" b="1" dirty="0"/>
+              <a:t>Sudhanva Narayana</a:t>
+            </a:r>
+          </a:p>
+          <a:p>
+            <a:pPr algn="ctr"/>
+            <a:r>
+              <a:rPr lang="en-IN" sz="2400" i="1" dirty="0"/>
+              <a:t>Machine Learning Intern</a:t>
+            </a:r>
+          </a:p>
+          <a:p>
+            <a:pPr algn="ctr"/>
+            <a:r>
+              <a:rPr lang="en-IN" sz="2400" i="1" dirty="0" err="1"/>
+              <a:t>Faststream</a:t>
+            </a:r>
+            <a:r>
+              <a:rPr lang="en-IN" sz="2400" i="1" dirty="0"/>
+              <a:t> Technologies</a:t>
+            </a:r>
+          </a:p>
+          <a:p>
+            <a:endParaRPr lang="en-IN" sz="2400" dirty="0"/>
+          </a:p>
+          <a:p>
+            <a:pPr algn="ctr"/>
+            <a:r>
+              <a:rPr lang="en-IN" sz="2400" b="1" dirty="0"/>
+              <a:t>Vinay Bansal</a:t>
+            </a:r>
+          </a:p>
+          <a:p>
+            <a:pPr algn="ctr"/>
+            <a:r>
+              <a:rPr lang="en-IN" sz="2400" i="1" dirty="0"/>
+              <a:t>Chief Executive Officer</a:t>
+            </a:r>
+          </a:p>
+          <a:p>
+            <a:pPr algn="ctr"/>
+            <a:r>
+              <a:rPr lang="en-IN" sz="2400" i="1" dirty="0" err="1"/>
+              <a:t>Faststream</a:t>
+            </a:r>
+            <a:r>
+              <a:rPr lang="en-IN" sz="2400" i="1" dirty="0"/>
+              <a:t> Technologies</a:t>
+            </a:r>
+          </a:p>
+          <a:p>
+            <a:endParaRPr lang="en-IN" sz="2400" dirty="0"/>
+          </a:p>
+          <a:p>
+            <a:pPr algn="ctr"/>
+            <a:r>
+              <a:rPr lang="en-IN" sz="2400" b="1" dirty="0"/>
+              <a:t>Vinod Agrawal</a:t>
+            </a:r>
+          </a:p>
+          <a:p>
+            <a:pPr algn="ctr"/>
+            <a:r>
+              <a:rPr lang="en-IN" sz="2400" i="1" dirty="0"/>
+              <a:t>Chief Technology Officer</a:t>
+            </a:r>
+          </a:p>
+          <a:p>
+            <a:pPr algn="ctr"/>
+            <a:r>
+              <a:rPr lang="en-IN" sz="2400" i="1" dirty="0" err="1"/>
+              <a:t>Faststream</a:t>
+            </a:r>
+            <a:r>
+              <a:rPr lang="en-IN" sz="2400" i="1" dirty="0"/>
+              <a:t> Technologies</a:t>
+            </a:r>
+          </a:p>
+          <a:p>
+            <a:endParaRPr lang="en-IN" sz="2400" dirty="0"/>
           </a:p>
         </p:txBody>
       </p:sp>
     </p:spTree>
     <p:extLst>
       <p:ext uri="{BB962C8B-B14F-4D97-AF65-F5344CB8AC3E}">
-        <p14:creationId xmlns:p14="http://schemas.microsoft.com/office/powerpoint/2010/main" val="4027363202"/>
+        <p14:creationId xmlns:p14="http://schemas.microsoft.com/office/powerpoint/2010/main" val="2193652292"/>
+      </p:ext>
+    </p:extLst>
+  </p:cSld>
+  <p:clrMapOvr>
+    <a:masterClrMapping/>
+  </p:clrMapOvr>
+</p:sld>
+</file>
+
+<file path=ppt/slides/slide10.xml><?xml version="1.0" encoding="utf-8"?>
+<p:sld xmlns:a="http://schemas.openxmlformats.org/drawingml/2006/main" xmlns:r="http://schemas.openxmlformats.org/officeDocument/2006/relationships" xmlns:p="http://schemas.openxmlformats.org/presentationml/2006/main">
+  <p:cSld>
+    <p:spTree>
+      <p:nvGrpSpPr>
+        <p:cNvPr id="1" name=""/>
+        <p:cNvGrpSpPr/>
+        <p:nvPr/>
+      </p:nvGrpSpPr>
+      <p:grpSpPr>
+        <a:xfrm>
+          <a:off x="0" y="0"/>
+          <a:ext cx="0" cy="0"/>
+          <a:chOff x="0" y="0"/>
+          <a:chExt cx="0" cy="0"/>
+        </a:xfrm>
+      </p:grpSpPr>
+      <p:sp>
+        <p:nvSpPr>
+          <p:cNvPr id="2" name="Title 1">
+            <a:extLst>
+              <a:ext uri="{FF2B5EF4-FFF2-40B4-BE49-F238E27FC236}">
+                <a16:creationId xmlns:a16="http://schemas.microsoft.com/office/drawing/2014/main" id="{46182B09-0B84-49D9-AA53-F59BC31E9C35}"/>
+              </a:ext>
+            </a:extLst>
+          </p:cNvPr>
+          <p:cNvSpPr>
+            <a:spLocks noGrp="1"/>
+          </p:cNvSpPr>
+          <p:nvPr>
+            <p:ph type="title"/>
+          </p:nvPr>
+        </p:nvSpPr>
+        <p:spPr/>
+        <p:txBody>
+          <a:bodyPr/>
+          <a:lstStyle/>
+          <a:p>
+            <a:pPr algn="ctr"/>
+            <a:r>
+              <a:rPr lang="en-US" dirty="0"/>
+              <a:t>Results – Multiple Linear Regression</a:t>
+            </a:r>
+            <a:endParaRPr lang="en-IN" dirty="0"/>
+          </a:p>
+        </p:txBody>
+      </p:sp>
+      <p:pic>
+        <p:nvPicPr>
+          <p:cNvPr id="15" name="Content Placeholder 14">
+            <a:extLst>
+              <a:ext uri="{FF2B5EF4-FFF2-40B4-BE49-F238E27FC236}">
+                <a16:creationId xmlns:a16="http://schemas.microsoft.com/office/drawing/2014/main" id="{8775BFA5-8B0C-477B-9544-C396B21B6F27}"/>
+              </a:ext>
+            </a:extLst>
+          </p:cNvPr>
+          <p:cNvPicPr>
+            <a:picLocks noGrp="1" noChangeAspect="1"/>
+          </p:cNvPicPr>
+          <p:nvPr>
+            <p:ph idx="1"/>
+          </p:nvPr>
+        </p:nvPicPr>
+        <p:blipFill>
+          <a:blip r:embed="rId3">
+            <a:extLst>
+              <a:ext uri="{28A0092B-C50C-407E-A947-70E740481C1C}">
+                <a14:useLocalDpi xmlns:a14="http://schemas.microsoft.com/office/drawing/2010/main" val="0"/>
+              </a:ext>
+            </a:extLst>
+          </a:blip>
+          <a:stretch>
+            <a:fillRect/>
+          </a:stretch>
+        </p:blipFill>
+        <p:spPr>
+          <a:xfrm>
+            <a:off x="677334" y="1375279"/>
+            <a:ext cx="8596668" cy="5285942"/>
+          </a:xfrm>
+          <a:solidFill>
+            <a:schemeClr val="bg2"/>
+          </a:solidFill>
+        </p:spPr>
+      </p:pic>
+    </p:spTree>
+    <p:extLst>
+      <p:ext uri="{BB962C8B-B14F-4D97-AF65-F5344CB8AC3E}">
+        <p14:creationId xmlns:p14="http://schemas.microsoft.com/office/powerpoint/2010/main" val="1848457307"/>
+      </p:ext>
+    </p:extLst>
+  </p:cSld>
+  <p:clrMapOvr>
+    <a:masterClrMapping/>
+  </p:clrMapOvr>
+</p:sld>
+</file>
+
+<file path=ppt/slides/slide11.xml><?xml version="1.0" encoding="utf-8"?>
+<p:sld xmlns:a="http://schemas.openxmlformats.org/drawingml/2006/main" xmlns:r="http://schemas.openxmlformats.org/officeDocument/2006/relationships" xmlns:p="http://schemas.openxmlformats.org/presentationml/2006/main">
+  <p:cSld>
+    <p:spTree>
+      <p:nvGrpSpPr>
+        <p:cNvPr id="1" name=""/>
+        <p:cNvGrpSpPr/>
+        <p:nvPr/>
+      </p:nvGrpSpPr>
+      <p:grpSpPr>
+        <a:xfrm>
+          <a:off x="0" y="0"/>
+          <a:ext cx="0" cy="0"/>
+          <a:chOff x="0" y="0"/>
+          <a:chExt cx="0" cy="0"/>
+        </a:xfrm>
+      </p:grpSpPr>
+      <p:sp>
+        <p:nvSpPr>
+          <p:cNvPr id="2" name="Title 1">
+            <a:extLst>
+              <a:ext uri="{FF2B5EF4-FFF2-40B4-BE49-F238E27FC236}">
+                <a16:creationId xmlns:a16="http://schemas.microsoft.com/office/drawing/2014/main" id="{46182B09-0B84-49D9-AA53-F59BC31E9C35}"/>
+              </a:ext>
+            </a:extLst>
+          </p:cNvPr>
+          <p:cNvSpPr>
+            <a:spLocks noGrp="1"/>
+          </p:cNvSpPr>
+          <p:nvPr>
+            <p:ph type="title"/>
+          </p:nvPr>
+        </p:nvSpPr>
+        <p:spPr/>
+        <p:txBody>
+          <a:bodyPr/>
+          <a:lstStyle/>
+          <a:p>
+            <a:pPr algn="ctr"/>
+            <a:r>
+              <a:rPr lang="en-US" dirty="0"/>
+              <a:t>Results – Decision Tree Regression</a:t>
+            </a:r>
+            <a:endParaRPr lang="en-IN" dirty="0"/>
+          </a:p>
+        </p:txBody>
+      </p:sp>
+      <p:pic>
+        <p:nvPicPr>
+          <p:cNvPr id="4" name="Content Placeholder 3">
+            <a:extLst>
+              <a:ext uri="{FF2B5EF4-FFF2-40B4-BE49-F238E27FC236}">
+                <a16:creationId xmlns:a16="http://schemas.microsoft.com/office/drawing/2014/main" id="{17322D7F-7FAD-4B30-BE3B-621527C46BA3}"/>
+              </a:ext>
+            </a:extLst>
+          </p:cNvPr>
+          <p:cNvPicPr>
+            <a:picLocks noGrp="1" noChangeAspect="1"/>
+          </p:cNvPicPr>
+          <p:nvPr>
+            <p:ph idx="1"/>
+          </p:nvPr>
+        </p:nvPicPr>
+        <p:blipFill>
+          <a:blip r:embed="rId3">
+            <a:extLst>
+              <a:ext uri="{28A0092B-C50C-407E-A947-70E740481C1C}">
+                <a14:useLocalDpi xmlns:a14="http://schemas.microsoft.com/office/drawing/2010/main" val="0"/>
+              </a:ext>
+            </a:extLst>
+          </a:blip>
+          <a:stretch>
+            <a:fillRect/>
+          </a:stretch>
+        </p:blipFill>
+        <p:spPr>
+          <a:xfrm>
+            <a:off x="677334" y="1270000"/>
+            <a:ext cx="8596668" cy="5392242"/>
+          </a:xfrm>
+        </p:spPr>
+      </p:pic>
+    </p:spTree>
+    <p:extLst>
+      <p:ext uri="{BB962C8B-B14F-4D97-AF65-F5344CB8AC3E}">
+        <p14:creationId xmlns:p14="http://schemas.microsoft.com/office/powerpoint/2010/main" val="1810211192"/>
+      </p:ext>
+    </p:extLst>
+  </p:cSld>
+  <p:clrMapOvr>
+    <a:masterClrMapping/>
+  </p:clrMapOvr>
+</p:sld>
+</file>
+
+<file path=ppt/slides/slide12.xml><?xml version="1.0" encoding="utf-8"?>
+<p:sld xmlns:a="http://schemas.openxmlformats.org/drawingml/2006/main" xmlns:r="http://schemas.openxmlformats.org/officeDocument/2006/relationships" xmlns:p="http://schemas.openxmlformats.org/presentationml/2006/main">
+  <p:cSld>
+    <p:spTree>
+      <p:nvGrpSpPr>
+        <p:cNvPr id="1" name=""/>
+        <p:cNvGrpSpPr/>
+        <p:nvPr/>
+      </p:nvGrpSpPr>
+      <p:grpSpPr>
+        <a:xfrm>
+          <a:off x="0" y="0"/>
+          <a:ext cx="0" cy="0"/>
+          <a:chOff x="0" y="0"/>
+          <a:chExt cx="0" cy="0"/>
+        </a:xfrm>
+      </p:grpSpPr>
+      <p:sp>
+        <p:nvSpPr>
+          <p:cNvPr id="2" name="Title 1">
+            <a:extLst>
+              <a:ext uri="{FF2B5EF4-FFF2-40B4-BE49-F238E27FC236}">
+                <a16:creationId xmlns:a16="http://schemas.microsoft.com/office/drawing/2014/main" id="{46182B09-0B84-49D9-AA53-F59BC31E9C35}"/>
+              </a:ext>
+            </a:extLst>
+          </p:cNvPr>
+          <p:cNvSpPr>
+            <a:spLocks noGrp="1"/>
+          </p:cNvSpPr>
+          <p:nvPr>
+            <p:ph type="title"/>
+          </p:nvPr>
+        </p:nvSpPr>
+        <p:spPr/>
+        <p:txBody>
+          <a:bodyPr/>
+          <a:lstStyle/>
+          <a:p>
+            <a:pPr algn="ctr"/>
+            <a:r>
+              <a:rPr lang="en-US" dirty="0"/>
+              <a:t>Results – Random Forest Regression</a:t>
+            </a:r>
+            <a:endParaRPr lang="en-IN" dirty="0"/>
+          </a:p>
+        </p:txBody>
+      </p:sp>
+      <p:pic>
+        <p:nvPicPr>
+          <p:cNvPr id="4" name="Content Placeholder 3">
+            <a:extLst>
+              <a:ext uri="{FF2B5EF4-FFF2-40B4-BE49-F238E27FC236}">
+                <a16:creationId xmlns:a16="http://schemas.microsoft.com/office/drawing/2014/main" id="{9D425C79-830E-4C18-8CC5-4A7AFCF282B1}"/>
+              </a:ext>
+            </a:extLst>
+          </p:cNvPr>
+          <p:cNvPicPr>
+            <a:picLocks noGrp="1" noChangeAspect="1"/>
+          </p:cNvPicPr>
+          <p:nvPr>
+            <p:ph idx="1"/>
+          </p:nvPr>
+        </p:nvPicPr>
+        <p:blipFill>
+          <a:blip r:embed="rId3">
+            <a:extLst>
+              <a:ext uri="{28A0092B-C50C-407E-A947-70E740481C1C}">
+                <a14:useLocalDpi xmlns:a14="http://schemas.microsoft.com/office/drawing/2010/main" val="0"/>
+              </a:ext>
+            </a:extLst>
+          </a:blip>
+          <a:stretch>
+            <a:fillRect/>
+          </a:stretch>
+        </p:blipFill>
+        <p:spPr>
+          <a:xfrm>
+            <a:off x="785307" y="1307500"/>
+            <a:ext cx="8596668" cy="5307106"/>
+          </a:xfrm>
+        </p:spPr>
+      </p:pic>
+    </p:spTree>
+    <p:extLst>
+      <p:ext uri="{BB962C8B-B14F-4D97-AF65-F5344CB8AC3E}">
+        <p14:creationId xmlns:p14="http://schemas.microsoft.com/office/powerpoint/2010/main" val="2632068548"/>
+      </p:ext>
+    </p:extLst>
+  </p:cSld>
+  <p:clrMapOvr>
+    <a:masterClrMapping/>
+  </p:clrMapOvr>
+</p:sld>
+</file>
+
+<file path=ppt/slides/slide13.xml><?xml version="1.0" encoding="utf-8"?>
+<p:sld xmlns:a="http://schemas.openxmlformats.org/drawingml/2006/main" xmlns:r="http://schemas.openxmlformats.org/officeDocument/2006/relationships" xmlns:p="http://schemas.openxmlformats.org/presentationml/2006/main">
+  <p:cSld>
+    <p:spTree>
+      <p:nvGrpSpPr>
+        <p:cNvPr id="1" name=""/>
+        <p:cNvGrpSpPr/>
+        <p:nvPr/>
+      </p:nvGrpSpPr>
+      <p:grpSpPr>
+        <a:xfrm>
+          <a:off x="0" y="0"/>
+          <a:ext cx="0" cy="0"/>
+          <a:chOff x="0" y="0"/>
+          <a:chExt cx="0" cy="0"/>
+        </a:xfrm>
+      </p:grpSpPr>
+      <p:sp>
+        <p:nvSpPr>
+          <p:cNvPr id="2" name="Title 1">
+            <a:extLst>
+              <a:ext uri="{FF2B5EF4-FFF2-40B4-BE49-F238E27FC236}">
+                <a16:creationId xmlns:a16="http://schemas.microsoft.com/office/drawing/2014/main" id="{46182B09-0B84-49D9-AA53-F59BC31E9C35}"/>
+              </a:ext>
+            </a:extLst>
+          </p:cNvPr>
+          <p:cNvSpPr>
+            <a:spLocks noGrp="1"/>
+          </p:cNvSpPr>
+          <p:nvPr>
+            <p:ph type="title"/>
+          </p:nvPr>
+        </p:nvSpPr>
+        <p:spPr/>
+        <p:txBody>
+          <a:bodyPr/>
+          <a:lstStyle/>
+          <a:p>
+            <a:pPr algn="ctr"/>
+            <a:r>
+              <a:rPr lang="en-US" dirty="0"/>
+              <a:t>Conclusion</a:t>
+            </a:r>
+            <a:endParaRPr lang="en-IN" dirty="0"/>
+          </a:p>
+        </p:txBody>
+      </p:sp>
+      <p:sp>
+        <p:nvSpPr>
+          <p:cNvPr id="3" name="Content Placeholder 2">
+            <a:extLst>
+              <a:ext uri="{FF2B5EF4-FFF2-40B4-BE49-F238E27FC236}">
+                <a16:creationId xmlns:a16="http://schemas.microsoft.com/office/drawing/2014/main" id="{8D4F455F-D798-494F-9C24-E9DC82CB8270}"/>
+              </a:ext>
+            </a:extLst>
+          </p:cNvPr>
+          <p:cNvSpPr>
+            <a:spLocks noGrp="1"/>
+          </p:cNvSpPr>
+          <p:nvPr>
+            <p:ph idx="1"/>
+          </p:nvPr>
+        </p:nvSpPr>
+        <p:spPr>
+          <a:xfrm>
+            <a:off x="677334" y="1839559"/>
+            <a:ext cx="8596668" cy="4201804"/>
+          </a:xfrm>
+        </p:spPr>
+        <p:txBody>
+          <a:bodyPr>
+            <a:normAutofit fontScale="92500" lnSpcReduction="20000"/>
+          </a:bodyPr>
+          <a:lstStyle/>
+          <a:p>
+            <a:r>
+              <a:rPr lang="en-US" sz="3200" dirty="0"/>
+              <a:t>The machine learning algorithms showed similar results and are proved to be useful</a:t>
+            </a:r>
+          </a:p>
+          <a:p>
+            <a:endParaRPr lang="en-US" sz="3200" dirty="0"/>
+          </a:p>
+          <a:p>
+            <a:r>
+              <a:rPr lang="en-US" sz="3200" dirty="0"/>
+              <a:t>Power consumption can be limited in a given month</a:t>
+            </a:r>
+          </a:p>
+          <a:p>
+            <a:endParaRPr lang="en-IN" sz="3200" dirty="0"/>
+          </a:p>
+          <a:p>
+            <a:r>
+              <a:rPr lang="en-US" sz="3200" dirty="0"/>
+              <a:t>This method can be applied or experimented with real-world data as the simulated data is close to being real</a:t>
+            </a:r>
+          </a:p>
+          <a:p>
+            <a:endParaRPr lang="en-US" sz="3200" dirty="0"/>
+          </a:p>
+          <a:p>
+            <a:endParaRPr lang="en-US" sz="3200" dirty="0"/>
+          </a:p>
+        </p:txBody>
+      </p:sp>
+    </p:spTree>
+    <p:extLst>
+      <p:ext uri="{BB962C8B-B14F-4D97-AF65-F5344CB8AC3E}">
+        <p14:creationId xmlns:p14="http://schemas.microsoft.com/office/powerpoint/2010/main" val="2634182521"/>
+      </p:ext>
+    </p:extLst>
+  </p:cSld>
+  <p:clrMapOvr>
+    <a:masterClrMapping/>
+  </p:clrMapOvr>
+</p:sld>
+</file>
+
+<file path=ppt/slides/slide14.xml><?xml version="1.0" encoding="utf-8"?>
+<p:sld xmlns:a="http://schemas.openxmlformats.org/drawingml/2006/main" xmlns:r="http://schemas.openxmlformats.org/officeDocument/2006/relationships" xmlns:p="http://schemas.openxmlformats.org/presentationml/2006/main">
+  <p:cSld>
+    <p:spTree>
+      <p:nvGrpSpPr>
+        <p:cNvPr id="1" name=""/>
+        <p:cNvGrpSpPr/>
+        <p:nvPr/>
+      </p:nvGrpSpPr>
+      <p:grpSpPr>
+        <a:xfrm>
+          <a:off x="0" y="0"/>
+          <a:ext cx="0" cy="0"/>
+          <a:chOff x="0" y="0"/>
+          <a:chExt cx="0" cy="0"/>
+        </a:xfrm>
+      </p:grpSpPr>
+      <p:sp>
+        <p:nvSpPr>
+          <p:cNvPr id="4" name="Title 3">
+            <a:extLst>
+              <a:ext uri="{FF2B5EF4-FFF2-40B4-BE49-F238E27FC236}">
+                <a16:creationId xmlns:a16="http://schemas.microsoft.com/office/drawing/2014/main" id="{6F34D962-1733-4E79-B5B8-852B0B6CBBA8}"/>
+              </a:ext>
+            </a:extLst>
+          </p:cNvPr>
+          <p:cNvSpPr>
+            <a:spLocks noGrp="1"/>
+          </p:cNvSpPr>
+          <p:nvPr>
+            <p:ph type="ctrTitle"/>
+          </p:nvPr>
+        </p:nvSpPr>
+        <p:spPr/>
+        <p:txBody>
+          <a:bodyPr/>
+          <a:lstStyle/>
+          <a:p>
+            <a:pPr algn="ctr"/>
+            <a:r>
+              <a:rPr lang="en-US" dirty="0"/>
+              <a:t>Thank you</a:t>
+            </a:r>
+            <a:endParaRPr lang="en-IN" dirty="0"/>
+          </a:p>
+        </p:txBody>
+      </p:sp>
+    </p:spTree>
+    <p:extLst>
+      <p:ext uri="{BB962C8B-B14F-4D97-AF65-F5344CB8AC3E}">
+        <p14:creationId xmlns:p14="http://schemas.microsoft.com/office/powerpoint/2010/main" val="4088426918"/>
+      </p:ext>
+    </p:extLst>
+  </p:cSld>
+  <p:clrMapOvr>
+    <a:masterClrMapping/>
+  </p:clrMapOvr>
+</p:sld>
+</file>
+
+<file path=ppt/slides/slide2.xml><?xml version="1.0" encoding="utf-8"?>
+<p:sld xmlns:a="http://schemas.openxmlformats.org/drawingml/2006/main" xmlns:r="http://schemas.openxmlformats.org/officeDocument/2006/relationships" xmlns:p="http://schemas.openxmlformats.org/presentationml/2006/main">
+  <p:cSld>
+    <p:spTree>
+      <p:nvGrpSpPr>
+        <p:cNvPr id="1" name=""/>
+        <p:cNvGrpSpPr/>
+        <p:nvPr/>
+      </p:nvGrpSpPr>
+      <p:grpSpPr>
+        <a:xfrm>
+          <a:off x="0" y="0"/>
+          <a:ext cx="0" cy="0"/>
+          <a:chOff x="0" y="0"/>
+          <a:chExt cx="0" cy="0"/>
+        </a:xfrm>
+      </p:grpSpPr>
+      <p:sp>
+        <p:nvSpPr>
+          <p:cNvPr id="2" name="Title 1">
+            <a:extLst>
+              <a:ext uri="{FF2B5EF4-FFF2-40B4-BE49-F238E27FC236}">
+                <a16:creationId xmlns:a16="http://schemas.microsoft.com/office/drawing/2014/main" id="{46182B09-0B84-49D9-AA53-F59BC31E9C35}"/>
+              </a:ext>
+            </a:extLst>
+          </p:cNvPr>
+          <p:cNvSpPr>
+            <a:spLocks noGrp="1"/>
+          </p:cNvSpPr>
+          <p:nvPr>
+            <p:ph type="title"/>
+          </p:nvPr>
+        </p:nvSpPr>
+        <p:spPr/>
+        <p:txBody>
+          <a:bodyPr/>
+          <a:lstStyle/>
+          <a:p>
+            <a:pPr algn="ctr"/>
+            <a:r>
+              <a:rPr lang="en-IN" dirty="0"/>
+              <a:t>Objective</a:t>
+            </a:r>
+          </a:p>
+        </p:txBody>
+      </p:sp>
+      <p:sp>
+        <p:nvSpPr>
+          <p:cNvPr id="3" name="Content Placeholder 2">
+            <a:extLst>
+              <a:ext uri="{FF2B5EF4-FFF2-40B4-BE49-F238E27FC236}">
+                <a16:creationId xmlns:a16="http://schemas.microsoft.com/office/drawing/2014/main" id="{8D4F455F-D798-494F-9C24-E9DC82CB8270}"/>
+              </a:ext>
+            </a:extLst>
+          </p:cNvPr>
+          <p:cNvSpPr>
+            <a:spLocks noGrp="1"/>
+          </p:cNvSpPr>
+          <p:nvPr>
+            <p:ph idx="1"/>
+          </p:nvPr>
+        </p:nvSpPr>
+        <p:spPr/>
+        <p:txBody>
+          <a:bodyPr>
+            <a:normAutofit fontScale="92500" lnSpcReduction="20000"/>
+          </a:bodyPr>
+          <a:lstStyle/>
+          <a:p>
+            <a:r>
+              <a:rPr lang="en-US" sz="3200" dirty="0"/>
+              <a:t>Strategies to limit power consumption when there is a limited supply</a:t>
+            </a:r>
+          </a:p>
+          <a:p>
+            <a:endParaRPr lang="en-IN" sz="3200" dirty="0"/>
+          </a:p>
+          <a:p>
+            <a:r>
+              <a:rPr lang="en-US" sz="3200" dirty="0"/>
+              <a:t>The following is carried out with the help of Machine Learning</a:t>
+            </a:r>
+          </a:p>
+          <a:p>
+            <a:endParaRPr lang="en-US" sz="3200" dirty="0"/>
+          </a:p>
+          <a:p>
+            <a:r>
+              <a:rPr lang="en-US" sz="3200" dirty="0"/>
+              <a:t>Notifies the user of excess power consumption and suggest measures to save power</a:t>
+            </a:r>
+            <a:endParaRPr lang="en-IN" sz="3200" dirty="0"/>
+          </a:p>
+        </p:txBody>
+      </p:sp>
+    </p:spTree>
+    <p:extLst>
+      <p:ext uri="{BB962C8B-B14F-4D97-AF65-F5344CB8AC3E}">
+        <p14:creationId xmlns:p14="http://schemas.microsoft.com/office/powerpoint/2010/main" val="1532377955"/>
+      </p:ext>
+    </p:extLst>
+  </p:cSld>
+  <p:clrMapOvr>
+    <a:masterClrMapping/>
+  </p:clrMapOvr>
+</p:sld>
+</file>
+
+<file path=ppt/slides/slide3.xml><?xml version="1.0" encoding="utf-8"?>
+<p:sld xmlns:a="http://schemas.openxmlformats.org/drawingml/2006/main" xmlns:r="http://schemas.openxmlformats.org/officeDocument/2006/relationships" xmlns:p="http://schemas.openxmlformats.org/presentationml/2006/main">
+  <p:cSld>
+    <p:spTree>
+      <p:nvGrpSpPr>
+        <p:cNvPr id="1" name=""/>
+        <p:cNvGrpSpPr/>
+        <p:nvPr/>
+      </p:nvGrpSpPr>
+      <p:grpSpPr>
+        <a:xfrm>
+          <a:off x="0" y="0"/>
+          <a:ext cx="0" cy="0"/>
+          <a:chOff x="0" y="0"/>
+          <a:chExt cx="0" cy="0"/>
+        </a:xfrm>
+      </p:grpSpPr>
+      <p:sp>
+        <p:nvSpPr>
+          <p:cNvPr id="2" name="Title 1">
+            <a:extLst>
+              <a:ext uri="{FF2B5EF4-FFF2-40B4-BE49-F238E27FC236}">
+                <a16:creationId xmlns:a16="http://schemas.microsoft.com/office/drawing/2014/main" id="{46182B09-0B84-49D9-AA53-F59BC31E9C35}"/>
+              </a:ext>
+            </a:extLst>
+          </p:cNvPr>
+          <p:cNvSpPr>
+            <a:spLocks noGrp="1"/>
+          </p:cNvSpPr>
+          <p:nvPr>
+            <p:ph type="title"/>
+          </p:nvPr>
+        </p:nvSpPr>
+        <p:spPr/>
+        <p:txBody>
+          <a:bodyPr/>
+          <a:lstStyle/>
+          <a:p>
+            <a:pPr algn="ctr"/>
+            <a:r>
+              <a:rPr lang="en-IN" dirty="0"/>
+              <a:t>Background</a:t>
+            </a:r>
+          </a:p>
+        </p:txBody>
+      </p:sp>
+      <p:sp>
+        <p:nvSpPr>
+          <p:cNvPr id="3" name="Content Placeholder 2">
+            <a:extLst>
+              <a:ext uri="{FF2B5EF4-FFF2-40B4-BE49-F238E27FC236}">
+                <a16:creationId xmlns:a16="http://schemas.microsoft.com/office/drawing/2014/main" id="{8D4F455F-D798-494F-9C24-E9DC82CB8270}"/>
+              </a:ext>
+            </a:extLst>
+          </p:cNvPr>
+          <p:cNvSpPr>
+            <a:spLocks noGrp="1"/>
+          </p:cNvSpPr>
+          <p:nvPr>
+            <p:ph idx="1"/>
+          </p:nvPr>
+        </p:nvSpPr>
+        <p:spPr/>
+        <p:txBody>
+          <a:bodyPr>
+            <a:normAutofit fontScale="92500"/>
+          </a:bodyPr>
+          <a:lstStyle/>
+          <a:p>
+            <a:r>
+              <a:rPr lang="en-US" sz="2800" dirty="0"/>
+              <a:t>Power (electricity) optimization will be a crucial task in the coming years as there will be a limited supply</a:t>
+            </a:r>
+          </a:p>
+          <a:p>
+            <a:endParaRPr lang="en-IN" sz="2800" dirty="0"/>
+          </a:p>
+          <a:p>
+            <a:r>
+              <a:rPr lang="en-US" sz="2800" dirty="0"/>
+              <a:t>Factors like weather, time of the day and type of the device are considered</a:t>
+            </a:r>
+          </a:p>
+          <a:p>
+            <a:endParaRPr lang="en-US" sz="2800" dirty="0"/>
+          </a:p>
+          <a:p>
+            <a:r>
+              <a:rPr lang="en-US" sz="2800" dirty="0"/>
+              <a:t>Devices are given priority (importance) before making the final decision</a:t>
+            </a:r>
+            <a:endParaRPr lang="en-IN" sz="2800" dirty="0"/>
+          </a:p>
+        </p:txBody>
+      </p:sp>
+    </p:spTree>
+    <p:extLst>
+      <p:ext uri="{BB962C8B-B14F-4D97-AF65-F5344CB8AC3E}">
+        <p14:creationId xmlns:p14="http://schemas.microsoft.com/office/powerpoint/2010/main" val="1166072725"/>
+      </p:ext>
+    </p:extLst>
+  </p:cSld>
+  <p:clrMapOvr>
+    <a:masterClrMapping/>
+  </p:clrMapOvr>
+</p:sld>
+</file>
+
+<file path=ppt/slides/slide4.xml><?xml version="1.0" encoding="utf-8"?>
+<p:sld xmlns:a="http://schemas.openxmlformats.org/drawingml/2006/main" xmlns:r="http://schemas.openxmlformats.org/officeDocument/2006/relationships" xmlns:p="http://schemas.openxmlformats.org/presentationml/2006/main">
+  <p:cSld>
+    <p:spTree>
+      <p:nvGrpSpPr>
+        <p:cNvPr id="1" name=""/>
+        <p:cNvGrpSpPr/>
+        <p:nvPr/>
+      </p:nvGrpSpPr>
+      <p:grpSpPr>
+        <a:xfrm>
+          <a:off x="0" y="0"/>
+          <a:ext cx="0" cy="0"/>
+          <a:chOff x="0" y="0"/>
+          <a:chExt cx="0" cy="0"/>
+        </a:xfrm>
+      </p:grpSpPr>
+      <p:sp>
+        <p:nvSpPr>
+          <p:cNvPr id="2" name="Title 1">
+            <a:extLst>
+              <a:ext uri="{FF2B5EF4-FFF2-40B4-BE49-F238E27FC236}">
+                <a16:creationId xmlns:a16="http://schemas.microsoft.com/office/drawing/2014/main" id="{46182B09-0B84-49D9-AA53-F59BC31E9C35}"/>
+              </a:ext>
+            </a:extLst>
+          </p:cNvPr>
+          <p:cNvSpPr>
+            <a:spLocks noGrp="1"/>
+          </p:cNvSpPr>
+          <p:nvPr>
+            <p:ph type="title"/>
+          </p:nvPr>
+        </p:nvSpPr>
+        <p:spPr/>
+        <p:txBody>
+          <a:bodyPr/>
+          <a:lstStyle/>
+          <a:p>
+            <a:pPr algn="ctr"/>
+            <a:r>
+              <a:rPr lang="en-IN" dirty="0"/>
+              <a:t>Methodologies</a:t>
+            </a:r>
+          </a:p>
+        </p:txBody>
+      </p:sp>
+      <p:sp>
+        <p:nvSpPr>
+          <p:cNvPr id="3" name="Content Placeholder 2">
+            <a:extLst>
+              <a:ext uri="{FF2B5EF4-FFF2-40B4-BE49-F238E27FC236}">
+                <a16:creationId xmlns:a16="http://schemas.microsoft.com/office/drawing/2014/main" id="{8D4F455F-D798-494F-9C24-E9DC82CB8270}"/>
+              </a:ext>
+            </a:extLst>
+          </p:cNvPr>
+          <p:cNvSpPr>
+            <a:spLocks noGrp="1"/>
+          </p:cNvSpPr>
+          <p:nvPr>
+            <p:ph idx="1"/>
+          </p:nvPr>
+        </p:nvSpPr>
+        <p:spPr>
+          <a:xfrm>
+            <a:off x="677334" y="1601191"/>
+            <a:ext cx="8596668" cy="3880773"/>
+          </a:xfrm>
+        </p:spPr>
+        <p:txBody>
+          <a:bodyPr>
+            <a:noAutofit/>
+          </a:bodyPr>
+          <a:lstStyle/>
+          <a:p>
+            <a:r>
+              <a:rPr lang="en-US" sz="2600" dirty="0"/>
+              <a:t>As there is no real data, we are using a random number generator and time series generator to generate a dataset</a:t>
+            </a:r>
+          </a:p>
+          <a:p>
+            <a:endParaRPr lang="en-IN" sz="2600" dirty="0"/>
+          </a:p>
+          <a:p>
+            <a:r>
+              <a:rPr lang="en-US" sz="2600" dirty="0"/>
+              <a:t>The dataset we generated consists of multiple attributes such as device, room, weather type, date, from time, to time, time of day, a number of people and time stayed</a:t>
+            </a:r>
+          </a:p>
+          <a:p>
+            <a:endParaRPr lang="en-US" sz="2600" dirty="0"/>
+          </a:p>
+          <a:p>
+            <a:r>
+              <a:rPr lang="en-US" sz="2600" dirty="0"/>
+              <a:t>Column power is also generated along with it in terms of kilo watt hour. </a:t>
+            </a:r>
+            <a:endParaRPr lang="en-IN" sz="2600" dirty="0"/>
+          </a:p>
+        </p:txBody>
+      </p:sp>
+    </p:spTree>
+    <p:extLst>
+      <p:ext uri="{BB962C8B-B14F-4D97-AF65-F5344CB8AC3E}">
+        <p14:creationId xmlns:p14="http://schemas.microsoft.com/office/powerpoint/2010/main" val="3203439489"/>
+      </p:ext>
+    </p:extLst>
+  </p:cSld>
+  <p:clrMapOvr>
+    <a:masterClrMapping/>
+  </p:clrMapOvr>
+</p:sld>
+</file>
+
+<file path=ppt/slides/slide5.xml><?xml version="1.0" encoding="utf-8"?>
+<p:sld xmlns:a="http://schemas.openxmlformats.org/drawingml/2006/main" xmlns:r="http://schemas.openxmlformats.org/officeDocument/2006/relationships" xmlns:p="http://schemas.openxmlformats.org/presentationml/2006/main">
+  <p:cSld>
+    <p:spTree>
+      <p:nvGrpSpPr>
+        <p:cNvPr id="1" name=""/>
+        <p:cNvGrpSpPr/>
+        <p:nvPr/>
+      </p:nvGrpSpPr>
+      <p:grpSpPr>
+        <a:xfrm>
+          <a:off x="0" y="0"/>
+          <a:ext cx="0" cy="0"/>
+          <a:chOff x="0" y="0"/>
+          <a:chExt cx="0" cy="0"/>
+        </a:xfrm>
+      </p:grpSpPr>
+      <p:sp>
+        <p:nvSpPr>
+          <p:cNvPr id="2" name="Title 1">
+            <a:extLst>
+              <a:ext uri="{FF2B5EF4-FFF2-40B4-BE49-F238E27FC236}">
+                <a16:creationId xmlns:a16="http://schemas.microsoft.com/office/drawing/2014/main" id="{46182B09-0B84-49D9-AA53-F59BC31E9C35}"/>
+              </a:ext>
+            </a:extLst>
+          </p:cNvPr>
+          <p:cNvSpPr>
+            <a:spLocks noGrp="1"/>
+          </p:cNvSpPr>
+          <p:nvPr>
+            <p:ph type="title"/>
+          </p:nvPr>
+        </p:nvSpPr>
+        <p:spPr/>
+        <p:txBody>
+          <a:bodyPr/>
+          <a:lstStyle/>
+          <a:p>
+            <a:pPr algn="ctr"/>
+            <a:r>
+              <a:rPr lang="en-IN" dirty="0"/>
+              <a:t>Sample Dataset</a:t>
+            </a:r>
+          </a:p>
+        </p:txBody>
+      </p:sp>
+      <p:sp>
+        <p:nvSpPr>
+          <p:cNvPr id="3" name="Content Placeholder 2">
+            <a:extLst>
+              <a:ext uri="{FF2B5EF4-FFF2-40B4-BE49-F238E27FC236}">
+                <a16:creationId xmlns:a16="http://schemas.microsoft.com/office/drawing/2014/main" id="{8D4F455F-D798-494F-9C24-E9DC82CB8270}"/>
+              </a:ext>
+            </a:extLst>
+          </p:cNvPr>
+          <p:cNvSpPr>
+            <a:spLocks noGrp="1"/>
+          </p:cNvSpPr>
+          <p:nvPr>
+            <p:ph idx="1"/>
+          </p:nvPr>
+        </p:nvSpPr>
+        <p:spPr>
+          <a:xfrm>
+            <a:off x="677334" y="2160589"/>
+            <a:ext cx="8596668" cy="3880773"/>
+          </a:xfrm>
+        </p:spPr>
+        <p:txBody>
+          <a:bodyPr>
+            <a:noAutofit/>
+          </a:bodyPr>
+          <a:lstStyle/>
+          <a:p>
+            <a:pPr marL="0" indent="0">
+              <a:buNone/>
+            </a:pPr>
+            <a:endParaRPr lang="en-US" sz="2800" dirty="0"/>
+          </a:p>
+          <a:p>
+            <a:endParaRPr lang="en-US" sz="2800" dirty="0"/>
+          </a:p>
+          <a:p>
+            <a:endParaRPr lang="en-US" sz="2800" dirty="0"/>
+          </a:p>
+        </p:txBody>
+      </p:sp>
+      <p:pic>
+        <p:nvPicPr>
+          <p:cNvPr id="1026" name="Picture 1">
+            <a:extLst>
+              <a:ext uri="{FF2B5EF4-FFF2-40B4-BE49-F238E27FC236}">
+                <a16:creationId xmlns:a16="http://schemas.microsoft.com/office/drawing/2014/main" id="{393E57B5-3AF1-4C8F-B564-B7CC45D889AC}"/>
+              </a:ext>
+            </a:extLst>
+          </p:cNvPr>
+          <p:cNvPicPr>
+            <a:picLocks noChangeAspect="1" noChangeArrowheads="1"/>
+          </p:cNvPicPr>
+          <p:nvPr/>
+        </p:nvPicPr>
+        <p:blipFill>
+          <a:blip r:embed="rId3">
+            <a:extLst>
+              <a:ext uri="{28A0092B-C50C-407E-A947-70E740481C1C}">
+                <a14:useLocalDpi xmlns:a14="http://schemas.microsoft.com/office/drawing/2010/main" val="0"/>
+              </a:ext>
+            </a:extLst>
+          </a:blip>
+          <a:srcRect l="737" r="739"/>
+          <a:stretch>
+            <a:fillRect/>
+          </a:stretch>
+        </p:blipFill>
+        <p:spPr bwMode="auto">
+          <a:xfrm>
+            <a:off x="1495313" y="1697396"/>
+            <a:ext cx="6843684" cy="2263627"/>
+          </a:xfrm>
+          <a:prstGeom prst="rect">
+            <a:avLst/>
+          </a:prstGeom>
+          <a:noFill/>
+          <a:extLst>
+            <a:ext uri="{909E8E84-426E-40DD-AFC4-6F175D3DCCD1}">
+              <a14:hiddenFill xmlns:a14="http://schemas.microsoft.com/office/drawing/2010/main">
+                <a:solidFill>
+                  <a:srgbClr val="FFFFFF"/>
+                </a:solidFill>
+              </a14:hiddenFill>
+            </a:ext>
+          </a:extLst>
+        </p:spPr>
+      </p:pic>
+      <p:pic>
+        <p:nvPicPr>
+          <p:cNvPr id="1025" name="Picture 2">
+            <a:extLst>
+              <a:ext uri="{FF2B5EF4-FFF2-40B4-BE49-F238E27FC236}">
+                <a16:creationId xmlns:a16="http://schemas.microsoft.com/office/drawing/2014/main" id="{AD0E1869-C097-4771-8B9A-7FF0C3B766A2}"/>
+              </a:ext>
+            </a:extLst>
+          </p:cNvPr>
+          <p:cNvPicPr>
+            <a:picLocks noChangeAspect="1" noChangeArrowheads="1"/>
+          </p:cNvPicPr>
+          <p:nvPr/>
+        </p:nvPicPr>
+        <p:blipFill>
+          <a:blip r:embed="rId4">
+            <a:extLst>
+              <a:ext uri="{28A0092B-C50C-407E-A947-70E740481C1C}">
+                <a14:useLocalDpi xmlns:a14="http://schemas.microsoft.com/office/drawing/2010/main" val="0"/>
+              </a:ext>
+            </a:extLst>
+          </a:blip>
+          <a:srcRect r="11671"/>
+          <a:stretch>
+            <a:fillRect/>
+          </a:stretch>
+        </p:blipFill>
+        <p:spPr bwMode="auto">
+          <a:xfrm>
+            <a:off x="1495313" y="4041928"/>
+            <a:ext cx="6843684" cy="2348115"/>
+          </a:xfrm>
+          <a:prstGeom prst="rect">
+            <a:avLst/>
+          </a:prstGeom>
+          <a:noFill/>
+          <a:extLst>
+            <a:ext uri="{909E8E84-426E-40DD-AFC4-6F175D3DCCD1}">
+              <a14:hiddenFill xmlns:a14="http://schemas.microsoft.com/office/drawing/2010/main">
+                <a:solidFill>
+                  <a:srgbClr val="FFFFFF"/>
+                </a:solidFill>
+              </a14:hiddenFill>
+            </a:ext>
+          </a:extLst>
+        </p:spPr>
+      </p:pic>
+      <p:sp>
+        <p:nvSpPr>
+          <p:cNvPr id="5" name="Rectangle 3">
+            <a:extLst>
+              <a:ext uri="{FF2B5EF4-FFF2-40B4-BE49-F238E27FC236}">
+                <a16:creationId xmlns:a16="http://schemas.microsoft.com/office/drawing/2014/main" id="{C7484E46-1174-40C1-B9E2-70B47509A1A2}"/>
+              </a:ext>
+            </a:extLst>
+          </p:cNvPr>
+          <p:cNvSpPr>
+            <a:spLocks noChangeArrowheads="1"/>
+          </p:cNvSpPr>
+          <p:nvPr/>
+        </p:nvSpPr>
+        <p:spPr bwMode="auto">
+          <a:xfrm>
+            <a:off x="0" y="0"/>
+            <a:ext cx="12192000" cy="457200"/>
+          </a:xfrm>
+          <a:prstGeom prst="rect">
+            <a:avLst/>
+          </a:prstGeom>
+          <a:noFill/>
+          <a:ln>
+            <a:noFill/>
+          </a:ln>
+          <a:effectLst/>
+          <a:extLst>
+            <a:ext uri="{909E8E84-426E-40DD-AFC4-6F175D3DCCD1}">
+              <a14:hiddenFill xmlns:a14="http://schemas.microsoft.com/office/drawing/2010/main">
+                <a:solidFill>
+                  <a:schemeClr val="accent1"/>
+                </a:solidFill>
+              </a14:hiddenFill>
+            </a:ext>
+            <a:ext uri="{91240B29-F687-4F45-9708-019B960494DF}">
+              <a14:hiddenLine xmlns:a14="http://schemas.microsoft.com/office/drawing/2010/main" w="9525">
+                <a:solidFill>
+                  <a:schemeClr val="tx1"/>
+                </a:solidFill>
+                <a:miter lim="800000"/>
+                <a:headEnd/>
+                <a:tailEnd/>
+              </a14:hiddenLine>
+            </a:ext>
+            <a:ext uri="{AF507438-7753-43E0-B8FC-AC1667EBCBE1}">
+              <a14:hiddenEffects xmlns:a14="http://schemas.microsoft.com/office/drawing/2010/main">
+                <a:effectLst>
+                  <a:outerShdw dist="35921" dir="2700000" algn="ctr" rotWithShape="0">
+                    <a:schemeClr val="bg2"/>
+                  </a:outerShdw>
+                </a:effectLst>
+              </a14:hiddenEffects>
+            </a:ext>
+          </a:extLst>
+        </p:spPr>
+        <p:txBody>
+          <a:bodyPr vert="horz" wrap="none" lIns="91440" tIns="45720" rIns="91440" bIns="45720" numCol="1" anchor="ctr" anchorCtr="0" compatLnSpc="1">
+            <a:prstTxWarp prst="textNoShape">
+              <a:avLst/>
+            </a:prstTxWarp>
+            <a:spAutoFit/>
+          </a:bodyPr>
+          <a:lstStyle/>
+          <a:p>
+            <a:endParaRPr lang="en-IN"/>
+          </a:p>
+        </p:txBody>
+      </p:sp>
+      <p:sp>
+        <p:nvSpPr>
+          <p:cNvPr id="6" name="Rectangle 4">
+            <a:extLst>
+              <a:ext uri="{FF2B5EF4-FFF2-40B4-BE49-F238E27FC236}">
+                <a16:creationId xmlns:a16="http://schemas.microsoft.com/office/drawing/2014/main" id="{E55F0353-EA1B-4622-82EA-A70098FC27E1}"/>
+              </a:ext>
+            </a:extLst>
+          </p:cNvPr>
+          <p:cNvSpPr>
+            <a:spLocks noChangeArrowheads="1"/>
+          </p:cNvSpPr>
+          <p:nvPr/>
+        </p:nvSpPr>
+        <p:spPr bwMode="auto">
+          <a:xfrm>
+            <a:off x="0" y="1477963"/>
+            <a:ext cx="12192000" cy="0"/>
+          </a:xfrm>
+          <a:prstGeom prst="rect">
+            <a:avLst/>
+          </a:prstGeom>
+          <a:noFill/>
+          <a:ln>
+            <a:noFill/>
+          </a:ln>
+          <a:effectLst/>
+          <a:extLst>
+            <a:ext uri="{909E8E84-426E-40DD-AFC4-6F175D3DCCD1}">
+              <a14:hiddenFill xmlns:a14="http://schemas.microsoft.com/office/drawing/2010/main">
+                <a:solidFill>
+                  <a:schemeClr val="accent1"/>
+                </a:solidFill>
+              </a14:hiddenFill>
+            </a:ext>
+            <a:ext uri="{91240B29-F687-4F45-9708-019B960494DF}">
+              <a14:hiddenLine xmlns:a14="http://schemas.microsoft.com/office/drawing/2010/main" w="9525">
+                <a:solidFill>
+                  <a:schemeClr val="tx1"/>
+                </a:solidFill>
+                <a:miter lim="800000"/>
+                <a:headEnd/>
+                <a:tailEnd/>
+              </a14:hiddenLine>
+            </a:ext>
+            <a:ext uri="{AF507438-7753-43E0-B8FC-AC1667EBCBE1}">
+              <a14:hiddenEffects xmlns:a14="http://schemas.microsoft.com/office/drawing/2010/main">
+                <a:effectLst>
+                  <a:outerShdw dist="35921" dir="2700000" algn="ctr" rotWithShape="0">
+                    <a:schemeClr val="bg2"/>
+                  </a:outerShdw>
+                </a:effectLst>
+              </a14:hiddenEffects>
+            </a:ext>
+          </a:extLst>
+        </p:spPr>
+        <p:txBody>
+          <a:bodyPr vert="horz" wrap="none" lIns="91440" tIns="45720" rIns="91440" bIns="45720" numCol="1" anchor="ctr" anchorCtr="0" compatLnSpc="1">
+            <a:prstTxWarp prst="textNoShape">
+              <a:avLst/>
+            </a:prstTxWarp>
+            <a:spAutoFit/>
+          </a:bodyPr>
+          <a:lstStyle/>
+          <a:p>
+            <a:pPr marL="0" marR="0" lvl="0" indent="0" algn="just" defTabSz="914400" rtl="0" eaLnBrk="0" fontAlgn="base" latinLnBrk="0" hangingPunct="0">
+              <a:lnSpc>
+                <a:spcPct val="100000"/>
+              </a:lnSpc>
+              <a:spcBef>
+                <a:spcPct val="0"/>
+              </a:spcBef>
+              <a:spcAft>
+                <a:spcPct val="0"/>
+              </a:spcAft>
+              <a:buClrTx/>
+              <a:buSzTx/>
+              <a:buFontTx/>
+              <a:buNone/>
+              <a:tabLst/>
+            </a:pPr>
+            <a:r>
+              <a:rPr kumimoji="0" lang="en-US" altLang="en-US" sz="1100" b="0" i="0" u="none" strike="noStrike" cap="none" normalizeH="0" baseline="0">
+                <a:ln>
+                  <a:noFill/>
+                </a:ln>
+                <a:solidFill>
+                  <a:schemeClr val="tx1"/>
+                </a:solidFill>
+                <a:effectLst/>
+                <a:latin typeface="Times New Roman" panose="02020603050405020304" pitchFamily="18" charset="0"/>
+                <a:ea typeface="Calibri" panose="020F0502020204030204" pitchFamily="34" charset="0"/>
+                <a:cs typeface="Times New Roman" panose="02020603050405020304" pitchFamily="18" charset="0"/>
+              </a:rPr>
+              <a:t> </a:t>
+            </a:r>
+            <a:endParaRPr kumimoji="0" lang="en-US" altLang="en-US" sz="1800" b="0" i="0" u="none" strike="noStrike" cap="none" normalizeH="0" baseline="0">
+              <a:ln>
+                <a:noFill/>
+              </a:ln>
+              <a:solidFill>
+                <a:schemeClr val="tx1"/>
+              </a:solidFill>
+              <a:effectLst/>
+              <a:latin typeface="Arial" panose="020B0604020202020204" pitchFamily="34" charset="0"/>
+            </a:endParaRPr>
+          </a:p>
+        </p:txBody>
+      </p:sp>
+    </p:spTree>
+    <p:extLst>
+      <p:ext uri="{BB962C8B-B14F-4D97-AF65-F5344CB8AC3E}">
+        <p14:creationId xmlns:p14="http://schemas.microsoft.com/office/powerpoint/2010/main" val="3526956426"/>
+      </p:ext>
+    </p:extLst>
+  </p:cSld>
+  <p:clrMapOvr>
+    <a:masterClrMapping/>
+  </p:clrMapOvr>
+</p:sld>
+</file>
+
+<file path=ppt/slides/slide6.xml><?xml version="1.0" encoding="utf-8"?>
+<p:sld xmlns:a="http://schemas.openxmlformats.org/drawingml/2006/main" xmlns:r="http://schemas.openxmlformats.org/officeDocument/2006/relationships" xmlns:p="http://schemas.openxmlformats.org/presentationml/2006/main">
+  <p:cSld>
+    <p:spTree>
+      <p:nvGrpSpPr>
+        <p:cNvPr id="1" name=""/>
+        <p:cNvGrpSpPr/>
+        <p:nvPr/>
+      </p:nvGrpSpPr>
+      <p:grpSpPr>
+        <a:xfrm>
+          <a:off x="0" y="0"/>
+          <a:ext cx="0" cy="0"/>
+          <a:chOff x="0" y="0"/>
+          <a:chExt cx="0" cy="0"/>
+        </a:xfrm>
+      </p:grpSpPr>
+      <p:sp>
+        <p:nvSpPr>
+          <p:cNvPr id="2" name="Title 1">
+            <a:extLst>
+              <a:ext uri="{FF2B5EF4-FFF2-40B4-BE49-F238E27FC236}">
+                <a16:creationId xmlns:a16="http://schemas.microsoft.com/office/drawing/2014/main" id="{46182B09-0B84-49D9-AA53-F59BC31E9C35}"/>
+              </a:ext>
+            </a:extLst>
+          </p:cNvPr>
+          <p:cNvSpPr>
+            <a:spLocks noGrp="1"/>
+          </p:cNvSpPr>
+          <p:nvPr>
+            <p:ph type="title"/>
+          </p:nvPr>
+        </p:nvSpPr>
+        <p:spPr/>
+        <p:txBody>
+          <a:bodyPr/>
+          <a:lstStyle/>
+          <a:p>
+            <a:pPr algn="ctr"/>
+            <a:r>
+              <a:rPr lang="en-IN" dirty="0"/>
+              <a:t>Prediction</a:t>
+            </a:r>
+          </a:p>
+        </p:txBody>
+      </p:sp>
+      <p:sp>
+        <p:nvSpPr>
+          <p:cNvPr id="3" name="Content Placeholder 2">
+            <a:extLst>
+              <a:ext uri="{FF2B5EF4-FFF2-40B4-BE49-F238E27FC236}">
+                <a16:creationId xmlns:a16="http://schemas.microsoft.com/office/drawing/2014/main" id="{8D4F455F-D798-494F-9C24-E9DC82CB8270}"/>
+              </a:ext>
+            </a:extLst>
+          </p:cNvPr>
+          <p:cNvSpPr>
+            <a:spLocks noGrp="1"/>
+          </p:cNvSpPr>
+          <p:nvPr>
+            <p:ph idx="1"/>
+          </p:nvPr>
+        </p:nvSpPr>
+        <p:spPr/>
+        <p:txBody>
+          <a:bodyPr>
+            <a:normAutofit lnSpcReduction="10000"/>
+          </a:bodyPr>
+          <a:lstStyle/>
+          <a:p>
+            <a:r>
+              <a:rPr lang="en-US" sz="2800" dirty="0"/>
+              <a:t>The model is trained on this dataset and is saved</a:t>
+            </a:r>
+          </a:p>
+          <a:p>
+            <a:endParaRPr lang="en-US" sz="2800" dirty="0"/>
+          </a:p>
+          <a:p>
+            <a:r>
+              <a:rPr lang="en-US" sz="2800" dirty="0"/>
+              <a:t>Multiple Linear Regression, Random Forest Regression and Decision Tree Regression are used  </a:t>
+            </a:r>
+            <a:endParaRPr lang="en-IN" sz="2800" dirty="0"/>
+          </a:p>
+          <a:p>
+            <a:endParaRPr lang="en-IN" sz="2800" dirty="0"/>
+          </a:p>
+          <a:p>
+            <a:r>
+              <a:rPr lang="en-US" sz="2800" dirty="0"/>
+              <a:t>A new dataset (unseen) is loaded, the saved model is used to predict the power consumption values</a:t>
+            </a:r>
+          </a:p>
+          <a:p>
+            <a:endParaRPr lang="en-US" sz="2800" dirty="0"/>
+          </a:p>
+        </p:txBody>
+      </p:sp>
+    </p:spTree>
+    <p:extLst>
+      <p:ext uri="{BB962C8B-B14F-4D97-AF65-F5344CB8AC3E}">
+        <p14:creationId xmlns:p14="http://schemas.microsoft.com/office/powerpoint/2010/main" val="1994187350"/>
+      </p:ext>
+    </p:extLst>
+  </p:cSld>
+  <p:clrMapOvr>
+    <a:masterClrMapping/>
+  </p:clrMapOvr>
+</p:sld>
+</file>
+
+<file path=ppt/slides/slide7.xml><?xml version="1.0" encoding="utf-8"?>
+<p:sld xmlns:a="http://schemas.openxmlformats.org/drawingml/2006/main" xmlns:r="http://schemas.openxmlformats.org/officeDocument/2006/relationships" xmlns:p="http://schemas.openxmlformats.org/presentationml/2006/main">
+  <p:cSld>
+    <p:spTree>
+      <p:nvGrpSpPr>
+        <p:cNvPr id="1" name=""/>
+        <p:cNvGrpSpPr/>
+        <p:nvPr/>
+      </p:nvGrpSpPr>
+      <p:grpSpPr>
+        <a:xfrm>
+          <a:off x="0" y="0"/>
+          <a:ext cx="0" cy="0"/>
+          <a:chOff x="0" y="0"/>
+          <a:chExt cx="0" cy="0"/>
+        </a:xfrm>
+      </p:grpSpPr>
+      <p:sp>
+        <p:nvSpPr>
+          <p:cNvPr id="2" name="Title 1">
+            <a:extLst>
+              <a:ext uri="{FF2B5EF4-FFF2-40B4-BE49-F238E27FC236}">
+                <a16:creationId xmlns:a16="http://schemas.microsoft.com/office/drawing/2014/main" id="{46182B09-0B84-49D9-AA53-F59BC31E9C35}"/>
+              </a:ext>
+            </a:extLst>
+          </p:cNvPr>
+          <p:cNvSpPr>
+            <a:spLocks noGrp="1"/>
+          </p:cNvSpPr>
+          <p:nvPr>
+            <p:ph type="title"/>
+          </p:nvPr>
+        </p:nvSpPr>
+        <p:spPr/>
+        <p:txBody>
+          <a:bodyPr/>
+          <a:lstStyle/>
+          <a:p>
+            <a:pPr algn="ctr"/>
+            <a:r>
+              <a:rPr lang="en-US" dirty="0"/>
+              <a:t>Implementation</a:t>
+            </a:r>
+            <a:endParaRPr lang="en-IN" dirty="0"/>
+          </a:p>
+        </p:txBody>
+      </p:sp>
+      <p:sp>
+        <p:nvSpPr>
+          <p:cNvPr id="3" name="Content Placeholder 2">
+            <a:extLst>
+              <a:ext uri="{FF2B5EF4-FFF2-40B4-BE49-F238E27FC236}">
+                <a16:creationId xmlns:a16="http://schemas.microsoft.com/office/drawing/2014/main" id="{8D4F455F-D798-494F-9C24-E9DC82CB8270}"/>
+              </a:ext>
+            </a:extLst>
+          </p:cNvPr>
+          <p:cNvSpPr>
+            <a:spLocks noGrp="1"/>
+          </p:cNvSpPr>
+          <p:nvPr>
+            <p:ph idx="1"/>
+          </p:nvPr>
+        </p:nvSpPr>
+        <p:spPr/>
+        <p:txBody>
+          <a:bodyPr>
+            <a:normAutofit fontScale="92500" lnSpcReduction="20000"/>
+          </a:bodyPr>
+          <a:lstStyle/>
+          <a:p>
+            <a:r>
+              <a:rPr lang="en-US" sz="3200" dirty="0"/>
+              <a:t>A custom algorithm is used to give out a message and action to be performed</a:t>
+            </a:r>
+          </a:p>
+          <a:p>
+            <a:endParaRPr lang="en-US" sz="3200" dirty="0"/>
+          </a:p>
+          <a:p>
+            <a:r>
+              <a:rPr lang="en-US" sz="3200" dirty="0"/>
+              <a:t>The message and action are given based on the priorities given</a:t>
+            </a:r>
+          </a:p>
+          <a:p>
+            <a:endParaRPr lang="en-IN" sz="3200" dirty="0"/>
+          </a:p>
+          <a:p>
+            <a:r>
+              <a:rPr lang="en-US" sz="3200" dirty="0"/>
+              <a:t>A new dataset is created with messages, actions and power saved </a:t>
+            </a:r>
+          </a:p>
+        </p:txBody>
+      </p:sp>
+    </p:spTree>
+    <p:extLst>
+      <p:ext uri="{BB962C8B-B14F-4D97-AF65-F5344CB8AC3E}">
+        <p14:creationId xmlns:p14="http://schemas.microsoft.com/office/powerpoint/2010/main" val="473714390"/>
+      </p:ext>
+    </p:extLst>
+  </p:cSld>
+  <p:clrMapOvr>
+    <a:masterClrMapping/>
+  </p:clrMapOvr>
+</p:sld>
+</file>
+
+<file path=ppt/slides/slide8.xml><?xml version="1.0" encoding="utf-8"?>
+<p:sld xmlns:a="http://schemas.openxmlformats.org/drawingml/2006/main" xmlns:r="http://schemas.openxmlformats.org/officeDocument/2006/relationships" xmlns:p="http://schemas.openxmlformats.org/presentationml/2006/main">
+  <p:cSld>
+    <p:spTree>
+      <p:nvGrpSpPr>
+        <p:cNvPr id="1" name=""/>
+        <p:cNvGrpSpPr/>
+        <p:nvPr/>
+      </p:nvGrpSpPr>
+      <p:grpSpPr>
+        <a:xfrm>
+          <a:off x="0" y="0"/>
+          <a:ext cx="0" cy="0"/>
+          <a:chOff x="0" y="0"/>
+          <a:chExt cx="0" cy="0"/>
+        </a:xfrm>
+      </p:grpSpPr>
+      <p:sp>
+        <p:nvSpPr>
+          <p:cNvPr id="2" name="Title 1">
+            <a:extLst>
+              <a:ext uri="{FF2B5EF4-FFF2-40B4-BE49-F238E27FC236}">
+                <a16:creationId xmlns:a16="http://schemas.microsoft.com/office/drawing/2014/main" id="{46182B09-0B84-49D9-AA53-F59BC31E9C35}"/>
+              </a:ext>
+            </a:extLst>
+          </p:cNvPr>
+          <p:cNvSpPr>
+            <a:spLocks noGrp="1"/>
+          </p:cNvSpPr>
+          <p:nvPr>
+            <p:ph type="title"/>
+          </p:nvPr>
+        </p:nvSpPr>
+        <p:spPr/>
+        <p:txBody>
+          <a:bodyPr/>
+          <a:lstStyle/>
+          <a:p>
+            <a:pPr algn="ctr"/>
+            <a:r>
+              <a:rPr lang="en-US" dirty="0"/>
+              <a:t>Sample Message and Action</a:t>
+            </a:r>
+            <a:endParaRPr lang="en-IN" dirty="0"/>
+          </a:p>
+        </p:txBody>
+      </p:sp>
+      <p:sp>
+        <p:nvSpPr>
+          <p:cNvPr id="3" name="Content Placeholder 2">
+            <a:extLst>
+              <a:ext uri="{FF2B5EF4-FFF2-40B4-BE49-F238E27FC236}">
+                <a16:creationId xmlns:a16="http://schemas.microsoft.com/office/drawing/2014/main" id="{8D4F455F-D798-494F-9C24-E9DC82CB8270}"/>
+              </a:ext>
+            </a:extLst>
+          </p:cNvPr>
+          <p:cNvSpPr>
+            <a:spLocks noGrp="1"/>
+          </p:cNvSpPr>
+          <p:nvPr>
+            <p:ph idx="1"/>
+          </p:nvPr>
+        </p:nvSpPr>
+        <p:spPr/>
+        <p:txBody>
+          <a:bodyPr>
+            <a:normAutofit/>
+          </a:bodyPr>
+          <a:lstStyle/>
+          <a:p>
+            <a:r>
+              <a:rPr lang="en-US" sz="3200" dirty="0"/>
+              <a:t>“Moving 10 people from room 119 to room 105 saves 1188.0 of electricity, power consumption will reduce from 10507.0 to 9319.0”</a:t>
+            </a:r>
+          </a:p>
+          <a:p>
+            <a:endParaRPr lang="en-US" sz="3200" dirty="0"/>
+          </a:p>
+          <a:p>
+            <a:r>
+              <a:rPr lang="en-US" sz="3200" dirty="0"/>
+              <a:t>“Turn off AC in room 119”</a:t>
+            </a:r>
+          </a:p>
+        </p:txBody>
+      </p:sp>
+    </p:spTree>
+    <p:extLst>
+      <p:ext uri="{BB962C8B-B14F-4D97-AF65-F5344CB8AC3E}">
+        <p14:creationId xmlns:p14="http://schemas.microsoft.com/office/powerpoint/2010/main" val="4218888606"/>
+      </p:ext>
+    </p:extLst>
+  </p:cSld>
+  <p:clrMapOvr>
+    <a:masterClrMapping/>
+  </p:clrMapOvr>
+</p:sld>
+</file>
+
+<file path=ppt/slides/slide9.xml><?xml version="1.0" encoding="utf-8"?>
+<p:sld xmlns:a="http://schemas.openxmlformats.org/drawingml/2006/main" xmlns:r="http://schemas.openxmlformats.org/officeDocument/2006/relationships" xmlns:p="http://schemas.openxmlformats.org/presentationml/2006/main">
+  <p:cSld>
+    <p:spTree>
+      <p:nvGrpSpPr>
+        <p:cNvPr id="1" name=""/>
+        <p:cNvGrpSpPr/>
+        <p:nvPr/>
+      </p:nvGrpSpPr>
+      <p:grpSpPr>
+        <a:xfrm>
+          <a:off x="0" y="0"/>
+          <a:ext cx="0" cy="0"/>
+          <a:chOff x="0" y="0"/>
+          <a:chExt cx="0" cy="0"/>
+        </a:xfrm>
+      </p:grpSpPr>
+      <p:sp>
+        <p:nvSpPr>
+          <p:cNvPr id="2" name="Title 1">
+            <a:extLst>
+              <a:ext uri="{FF2B5EF4-FFF2-40B4-BE49-F238E27FC236}">
+                <a16:creationId xmlns:a16="http://schemas.microsoft.com/office/drawing/2014/main" id="{46182B09-0B84-49D9-AA53-F59BC31E9C35}"/>
+              </a:ext>
+            </a:extLst>
+          </p:cNvPr>
+          <p:cNvSpPr>
+            <a:spLocks noGrp="1"/>
+          </p:cNvSpPr>
+          <p:nvPr>
+            <p:ph type="title"/>
+          </p:nvPr>
+        </p:nvSpPr>
+        <p:spPr/>
+        <p:txBody>
+          <a:bodyPr/>
+          <a:lstStyle/>
+          <a:p>
+            <a:pPr algn="ctr"/>
+            <a:r>
+              <a:rPr lang="en-US" dirty="0"/>
+              <a:t>Results</a:t>
+            </a:r>
+            <a:endParaRPr lang="en-IN" dirty="0"/>
+          </a:p>
+        </p:txBody>
+      </p:sp>
+      <p:sp>
+        <p:nvSpPr>
+          <p:cNvPr id="3" name="Content Placeholder 2">
+            <a:extLst>
+              <a:ext uri="{FF2B5EF4-FFF2-40B4-BE49-F238E27FC236}">
+                <a16:creationId xmlns:a16="http://schemas.microsoft.com/office/drawing/2014/main" id="{8D4F455F-D798-494F-9C24-E9DC82CB8270}"/>
+              </a:ext>
+            </a:extLst>
+          </p:cNvPr>
+          <p:cNvSpPr>
+            <a:spLocks noGrp="1"/>
+          </p:cNvSpPr>
+          <p:nvPr>
+            <p:ph idx="1"/>
+          </p:nvPr>
+        </p:nvSpPr>
+        <p:spPr/>
+        <p:txBody>
+          <a:bodyPr>
+            <a:normAutofit fontScale="92500" lnSpcReduction="10000"/>
+          </a:bodyPr>
+          <a:lstStyle/>
+          <a:p>
+            <a:r>
+              <a:rPr lang="en-US" sz="3200" dirty="0"/>
+              <a:t>We take the mean power consumption per day for that hour versus the mean power consumption that was previously specified and then plot the outcomes</a:t>
+            </a:r>
+          </a:p>
+          <a:p>
+            <a:endParaRPr lang="en-US" sz="3200" dirty="0"/>
+          </a:p>
+          <a:p>
+            <a:endParaRPr lang="en-IN" sz="3200" dirty="0"/>
+          </a:p>
+          <a:p>
+            <a:r>
+              <a:rPr lang="en-US" sz="3200" dirty="0"/>
+              <a:t>We do this for all the three machine learning algorithms</a:t>
+            </a:r>
+          </a:p>
+        </p:txBody>
+      </p:sp>
+    </p:spTree>
+    <p:extLst>
+      <p:ext uri="{BB962C8B-B14F-4D97-AF65-F5344CB8AC3E}">
+        <p14:creationId xmlns:p14="http://schemas.microsoft.com/office/powerpoint/2010/main" val="3479768556"/>
       </p:ext>
     </p:extLst>
   </p:cSld>
@@ -3406,6 +8977,263 @@
 </file>
 
 <file path=ppt/theme/theme1.xml><?xml version="1.0" encoding="utf-8"?>
+<a:theme xmlns:a="http://schemas.openxmlformats.org/drawingml/2006/main" name="Facet">
+  <a:themeElements>
+    <a:clrScheme name="Facet">
+      <a:dk1>
+        <a:sysClr val="windowText" lastClr="000000"/>
+      </a:dk1>
+      <a:lt1>
+        <a:sysClr val="window" lastClr="FFFFFF"/>
+      </a:lt1>
+      <a:dk2>
+        <a:srgbClr val="2C3C43"/>
+      </a:dk2>
+      <a:lt2>
+        <a:srgbClr val="EBEBEB"/>
+      </a:lt2>
+      <a:accent1>
+        <a:srgbClr val="90C226"/>
+      </a:accent1>
+      <a:accent2>
+        <a:srgbClr val="54A021"/>
+      </a:accent2>
+      <a:accent3>
+        <a:srgbClr val="E6B91E"/>
+      </a:accent3>
+      <a:accent4>
+        <a:srgbClr val="E76618"/>
+      </a:accent4>
+      <a:accent5>
+        <a:srgbClr val="C42F1A"/>
+      </a:accent5>
+      <a:accent6>
+        <a:srgbClr val="918655"/>
+      </a:accent6>
+      <a:hlink>
+        <a:srgbClr val="99CA3C"/>
+      </a:hlink>
+      <a:folHlink>
+        <a:srgbClr val="B9D181"/>
+      </a:folHlink>
+    </a:clrScheme>
+    <a:fontScheme name="Facet">
+      <a:majorFont>
+        <a:latin typeface="Trebuchet MS" panose="020B0603020202020204"/>
+        <a:ea typeface=""/>
+        <a:cs typeface=""/>
+        <a:font script="Jpan" typeface="メイリオ"/>
+        <a:font script="Hang" typeface="맑은 고딕"/>
+        <a:font script="Hans" typeface="方正姚体"/>
+        <a:font script="Hant" typeface="微軟正黑體"/>
+        <a:font script="Arab" typeface="Tahoma"/>
+        <a:font script="Hebr" typeface="Arial"/>
+        <a:font script="Thai" typeface="Cordia New"/>
+        <a:font script="Ethi" typeface="Nyala"/>
+        <a:font script="Beng" typeface="Vrinda"/>
+        <a:font script="Gujr" typeface="Shruti"/>
+        <a:font script="Khmr" typeface="DaunPenh"/>
+        <a:font script="Knda" typeface="Tunga"/>
+        <a:font script="Guru" typeface="Raavi"/>
+        <a:font script="Cans" typeface="Euphemia"/>
+        <a:font script="Cher" typeface="Plantagenet Cherokee"/>
+        <a:font script="Yiii" typeface="Microsoft Yi Baiti"/>
+        <a:font script="Tibt" typeface="Microsoft Himalaya"/>
+        <a:font script="Thaa" typeface="MV Boli"/>
+        <a:font script="Deva" typeface="Mangal"/>
+        <a:font script="Telu" typeface="Gautami"/>
+        <a:font script="Taml" typeface="Latha"/>
+        <a:font script="Syrc" typeface="Estrangelo Edessa"/>
+        <a:font script="Orya" typeface="Kalinga"/>
+        <a:font script="Mlym" typeface="Kartika"/>
+        <a:font script="Laoo" typeface="DokChampa"/>
+        <a:font script="Sinh" typeface="Iskoola Pota"/>
+        <a:font script="Mong" typeface="Mongolian Baiti"/>
+        <a:font script="Viet" typeface="Tahoma"/>
+        <a:font script="Uigh" typeface="Microsoft Uighur"/>
+        <a:font script="Geor" typeface="Sylfaen"/>
+      </a:majorFont>
+      <a:minorFont>
+        <a:latin typeface="Trebuchet MS" panose="020B0603020202020204"/>
+        <a:ea typeface=""/>
+        <a:cs typeface=""/>
+        <a:font script="Jpan" typeface="メイリオ"/>
+        <a:font script="Hang" typeface="HY그래픽M"/>
+        <a:font script="Hans" typeface="华文新魏"/>
+        <a:font script="Hant" typeface="微軟正黑體"/>
+        <a:font script="Arab" typeface="Tahoma"/>
+        <a:font script="Hebr" typeface="Gisha"/>
+        <a:font script="Thai" typeface="IrisUPC"/>
+        <a:font script="Ethi" typeface="Nyala"/>
+        <a:font script="Beng" typeface="Vrinda"/>
+        <a:font script="Gujr" typeface="Shruti"/>
+        <a:font script="Khmr" typeface="DaunPenh"/>
+        <a:font script="Knda" typeface="Tunga"/>
+        <a:font script="Guru" typeface="Raavi"/>
+        <a:font script="Cans" typeface="Euphemia"/>
+        <a:font script="Cher" typeface="Plantagenet Cherokee"/>
+        <a:font script="Yiii" typeface="Microsoft Yi Baiti"/>
+        <a:font script="Tibt" typeface="Microsoft Himalaya"/>
+        <a:font script="Thaa" typeface="MV Boli"/>
+        <a:font script="Deva" typeface="Mangal"/>
+        <a:font script="Telu" typeface="Gautami"/>
+        <a:font script="Taml" typeface="Latha"/>
+        <a:font script="Syrc" typeface="Estrangelo Edessa"/>
+        <a:font script="Orya" typeface="Kalinga"/>
+        <a:font script="Mlym" typeface="Kartika"/>
+        <a:font script="Laoo" typeface="DokChampa"/>
+        <a:font script="Sinh" typeface="Iskoola Pota"/>
+        <a:font script="Mong" typeface="Mongolian Baiti"/>
+        <a:font script="Viet" typeface="Arial"/>
+        <a:font script="Uigh" typeface="Microsoft Uighur"/>
+        <a:font script="Geor" typeface="Sylfaen"/>
+      </a:minorFont>
+    </a:fontScheme>
+    <a:fmtScheme name="Facet">
+      <a:fillStyleLst>
+        <a:solidFill>
+          <a:schemeClr val="phClr"/>
+        </a:solidFill>
+        <a:gradFill rotWithShape="1">
+          <a:gsLst>
+            <a:gs pos="0">
+              <a:schemeClr val="phClr">
+                <a:tint val="65000"/>
+                <a:lumMod val="110000"/>
+              </a:schemeClr>
+            </a:gs>
+            <a:gs pos="88000">
+              <a:schemeClr val="phClr">
+                <a:tint val="90000"/>
+              </a:schemeClr>
+            </a:gs>
+          </a:gsLst>
+          <a:lin ang="5400000" scaled="0"/>
+        </a:gradFill>
+        <a:gradFill rotWithShape="1">
+          <a:gsLst>
+            <a:gs pos="0">
+              <a:schemeClr val="phClr">
+                <a:tint val="96000"/>
+                <a:lumMod val="100000"/>
+              </a:schemeClr>
+            </a:gs>
+            <a:gs pos="78000">
+              <a:schemeClr val="phClr">
+                <a:shade val="94000"/>
+                <a:lumMod val="94000"/>
+              </a:schemeClr>
+            </a:gs>
+          </a:gsLst>
+          <a:lin ang="5400000" scaled="0"/>
+        </a:gradFill>
+      </a:fillStyleLst>
+      <a:lnStyleLst>
+        <a:ln w="12700" cap="rnd" cmpd="sng" algn="ctr">
+          <a:solidFill>
+            <a:schemeClr val="phClr"/>
+          </a:solidFill>
+          <a:prstDash val="solid"/>
+        </a:ln>
+        <a:ln w="19050" cap="rnd" cmpd="sng" algn="ctr">
+          <a:solidFill>
+            <a:schemeClr val="phClr"/>
+          </a:solidFill>
+          <a:prstDash val="solid"/>
+        </a:ln>
+        <a:ln w="25400" cap="rnd" cmpd="sng" algn="ctr">
+          <a:solidFill>
+            <a:schemeClr val="phClr"/>
+          </a:solidFill>
+          <a:prstDash val="solid"/>
+        </a:ln>
+      </a:lnStyleLst>
+      <a:effectStyleLst>
+        <a:effectStyle>
+          <a:effectLst/>
+        </a:effectStyle>
+        <a:effectStyle>
+          <a:effectLst>
+            <a:outerShdw blurRad="38100" dist="25400" dir="5400000" rotWithShape="0">
+              <a:srgbClr val="000000">
+                <a:alpha val="35000"/>
+              </a:srgbClr>
+            </a:outerShdw>
+          </a:effectLst>
+        </a:effectStyle>
+        <a:effectStyle>
+          <a:effectLst>
+            <a:outerShdw blurRad="50800" dist="38100" dir="5400000" rotWithShape="0">
+              <a:srgbClr val="000000">
+                <a:alpha val="35000"/>
+              </a:srgbClr>
+            </a:outerShdw>
+          </a:effectLst>
+          <a:scene3d>
+            <a:camera prst="orthographicFront">
+              <a:rot lat="0" lon="0" rev="0"/>
+            </a:camera>
+            <a:lightRig rig="threePt" dir="tl"/>
+          </a:scene3d>
+          <a:sp3d prstMaterial="plastic">
+            <a:bevelT w="0" h="0"/>
+          </a:sp3d>
+        </a:effectStyle>
+      </a:effectStyleLst>
+      <a:bgFillStyleLst>
+        <a:solidFill>
+          <a:schemeClr val="phClr"/>
+        </a:solidFill>
+        <a:gradFill rotWithShape="1">
+          <a:gsLst>
+            <a:gs pos="0">
+              <a:schemeClr val="phClr">
+                <a:tint val="90000"/>
+                <a:lumMod val="104000"/>
+              </a:schemeClr>
+            </a:gs>
+            <a:gs pos="94000">
+              <a:schemeClr val="phClr">
+                <a:shade val="96000"/>
+                <a:lumMod val="82000"/>
+              </a:schemeClr>
+            </a:gs>
+          </a:gsLst>
+          <a:lin ang="5400000" scaled="0"/>
+        </a:gradFill>
+        <a:gradFill rotWithShape="1">
+          <a:gsLst>
+            <a:gs pos="0">
+              <a:schemeClr val="phClr">
+                <a:tint val="90000"/>
+                <a:lumMod val="110000"/>
+              </a:schemeClr>
+            </a:gs>
+            <a:gs pos="100000">
+              <a:schemeClr val="phClr">
+                <a:shade val="94000"/>
+                <a:lumMod val="96000"/>
+              </a:schemeClr>
+            </a:gs>
+          </a:gsLst>
+          <a:path path="circle">
+            <a:fillToRect l="50000" t="50000" r="100000" b="100000"/>
+          </a:path>
+        </a:gradFill>
+      </a:bgFillStyleLst>
+    </a:fmtScheme>
+  </a:themeElements>
+  <a:objectDefaults/>
+  <a:extraClrSchemeLst/>
+  <a:extLst>
+    <a:ext uri="{05A4C25C-085E-4340-85A3-A5531E510DB2}">
+      <thm15:themeFamily xmlns:thm15="http://schemas.microsoft.com/office/thememl/2012/main" name="Facet" id="{C0C680CD-088A-49FC-A102-D699147F32B2}" vid="{8C59B386-999D-4CB6-B907-9F3997C027CC}"/>
+    </a:ext>
+  </a:extLst>
+</a:theme>
+</file>
+
+<file path=ppt/theme/theme2.xml><?xml version="1.0" encoding="utf-8"?>
 <a:theme xmlns:a="http://schemas.openxmlformats.org/drawingml/2006/main" name="Office Theme">
   <a:themeElements>
     <a:clrScheme name="Office">
